--- a/97 - imagens/figuras.pptx
+++ b/97 - imagens/figuras.pptx
@@ -5,10 +5,13 @@
     <p:sldMasterId id="2147483648" r:id="rId1"/>
   </p:sldMasterIdLst>
   <p:notesMasterIdLst>
-    <p:notesMasterId r:id="rId3"/>
+    <p:notesMasterId r:id="rId6"/>
   </p:notesMasterIdLst>
   <p:sldIdLst>
     <p:sldId id="257" r:id="rId2"/>
+    <p:sldId id="258" r:id="rId3"/>
+    <p:sldId id="259" r:id="rId4"/>
+    <p:sldId id="260" r:id="rId5"/>
   </p:sldIdLst>
   <p:sldSz cx="9144000" cy="6858000" type="screen4x3"/>
   <p:notesSz cx="6858000" cy="9144000"/>
@@ -192,7 +195,7 @@
           <a:p>
             <a:fld id="{1589DC77-00BF-4E3E-80F8-B34D0A33CA65}" type="datetimeFigureOut">
               <a:rPr lang="pt-BR" smtClean="0"/>
-              <a:t>15/08/2018</a:t>
+              <a:t>16/08/18</a:t>
             </a:fld>
             <a:endParaRPr lang="pt-BR"/>
           </a:p>
@@ -351,7 +354,7 @@
           <a:p>
             <a:fld id="{C9416E20-A215-468F-A705-D317C98FFBCD}" type="slidenum">
               <a:rPr lang="pt-BR" smtClean="0"/>
-              <a:t>‹nº›</a:t>
+              <a:t>‹#›</a:t>
             </a:fld>
             <a:endParaRPr lang="pt-BR"/>
           </a:p>
@@ -544,6 +547,258 @@
 </p:notes>
 </file>
 
+<file path=ppt/notesSlides/notesSlide2.xml><?xml version="1.0" encoding="utf-8"?>
+<p:notes xmlns:a="http://schemas.openxmlformats.org/drawingml/2006/main" xmlns:r="http://schemas.openxmlformats.org/officeDocument/2006/relationships" xmlns:p="http://schemas.openxmlformats.org/presentationml/2006/main">
+  <p:cSld>
+    <p:spTree>
+      <p:nvGrpSpPr>
+        <p:cNvPr id="1" name=""/>
+        <p:cNvGrpSpPr/>
+        <p:nvPr/>
+      </p:nvGrpSpPr>
+      <p:grpSpPr>
+        <a:xfrm>
+          <a:off x="0" y="0"/>
+          <a:ext cx="0" cy="0"/>
+          <a:chOff x="0" y="0"/>
+          <a:chExt cx="0" cy="0"/>
+        </a:xfrm>
+      </p:grpSpPr>
+      <p:sp>
+        <p:nvSpPr>
+          <p:cNvPr id="2" name="Espaço Reservado para Imagem de Slide 1"/>
+          <p:cNvSpPr>
+            <a:spLocks noGrp="1" noRot="1" noChangeAspect="1"/>
+          </p:cNvSpPr>
+          <p:nvPr>
+            <p:ph type="sldImg"/>
+          </p:nvPr>
+        </p:nvSpPr>
+        <p:spPr/>
+      </p:sp>
+      <p:sp>
+        <p:nvSpPr>
+          <p:cNvPr id="3" name="Espaço Reservado para Anotações 2"/>
+          <p:cNvSpPr>
+            <a:spLocks noGrp="1"/>
+          </p:cNvSpPr>
+          <p:nvPr>
+            <p:ph type="body" idx="1"/>
+          </p:nvPr>
+        </p:nvSpPr>
+        <p:spPr/>
+        <p:txBody>
+          <a:bodyPr/>
+          <a:lstStyle/>
+          <a:p>
+            <a:endParaRPr lang="pt-BR" dirty="0"/>
+          </a:p>
+        </p:txBody>
+      </p:sp>
+      <p:sp>
+        <p:nvSpPr>
+          <p:cNvPr id="4" name="Espaço Reservado para Número de Slide 3"/>
+          <p:cNvSpPr>
+            <a:spLocks noGrp="1"/>
+          </p:cNvSpPr>
+          <p:nvPr>
+            <p:ph type="sldNum" sz="quarter" idx="10"/>
+          </p:nvPr>
+        </p:nvSpPr>
+        <p:spPr/>
+        <p:txBody>
+          <a:bodyPr/>
+          <a:lstStyle/>
+          <a:p>
+            <a:fld id="{18117EBA-18FA-504E-AE64-70258D2045F8}" type="slidenum">
+              <a:rPr lang="en-US" smtClean="0"/>
+              <a:t>2</a:t>
+            </a:fld>
+            <a:endParaRPr lang="en-US"/>
+          </a:p>
+        </p:txBody>
+      </p:sp>
+    </p:spTree>
+    <p:extLst>
+      <p:ext uri="{BB962C8B-B14F-4D97-AF65-F5344CB8AC3E}">
+        <p14:creationId xmlns:p14="http://schemas.microsoft.com/office/powerpoint/2010/main" val="3502840072"/>
+      </p:ext>
+    </p:extLst>
+  </p:cSld>
+  <p:clrMapOvr>
+    <a:masterClrMapping/>
+  </p:clrMapOvr>
+</p:notes>
+</file>
+
+<file path=ppt/notesSlides/notesSlide3.xml><?xml version="1.0" encoding="utf-8"?>
+<p:notes xmlns:a="http://schemas.openxmlformats.org/drawingml/2006/main" xmlns:r="http://schemas.openxmlformats.org/officeDocument/2006/relationships" xmlns:p="http://schemas.openxmlformats.org/presentationml/2006/main">
+  <p:cSld>
+    <p:spTree>
+      <p:nvGrpSpPr>
+        <p:cNvPr id="1" name=""/>
+        <p:cNvGrpSpPr/>
+        <p:nvPr/>
+      </p:nvGrpSpPr>
+      <p:grpSpPr>
+        <a:xfrm>
+          <a:off x="0" y="0"/>
+          <a:ext cx="0" cy="0"/>
+          <a:chOff x="0" y="0"/>
+          <a:chExt cx="0" cy="0"/>
+        </a:xfrm>
+      </p:grpSpPr>
+      <p:sp>
+        <p:nvSpPr>
+          <p:cNvPr id="2" name="Espaço Reservado para Imagem de Slide 1"/>
+          <p:cNvSpPr>
+            <a:spLocks noGrp="1" noRot="1" noChangeAspect="1"/>
+          </p:cNvSpPr>
+          <p:nvPr>
+            <p:ph type="sldImg"/>
+          </p:nvPr>
+        </p:nvSpPr>
+        <p:spPr/>
+      </p:sp>
+      <p:sp>
+        <p:nvSpPr>
+          <p:cNvPr id="3" name="Espaço Reservado para Anotações 2"/>
+          <p:cNvSpPr>
+            <a:spLocks noGrp="1"/>
+          </p:cNvSpPr>
+          <p:nvPr>
+            <p:ph type="body" idx="1"/>
+          </p:nvPr>
+        </p:nvSpPr>
+        <p:spPr/>
+        <p:txBody>
+          <a:bodyPr/>
+          <a:lstStyle/>
+          <a:p>
+            <a:endParaRPr lang="pt-BR" dirty="0"/>
+          </a:p>
+        </p:txBody>
+      </p:sp>
+      <p:sp>
+        <p:nvSpPr>
+          <p:cNvPr id="4" name="Espaço Reservado para Número de Slide 3"/>
+          <p:cNvSpPr>
+            <a:spLocks noGrp="1"/>
+          </p:cNvSpPr>
+          <p:nvPr>
+            <p:ph type="sldNum" sz="quarter" idx="10"/>
+          </p:nvPr>
+        </p:nvSpPr>
+        <p:spPr/>
+        <p:txBody>
+          <a:bodyPr/>
+          <a:lstStyle/>
+          <a:p>
+            <a:fld id="{18117EBA-18FA-504E-AE64-70258D2045F8}" type="slidenum">
+              <a:rPr lang="en-US" smtClean="0"/>
+              <a:t>3</a:t>
+            </a:fld>
+            <a:endParaRPr lang="en-US"/>
+          </a:p>
+        </p:txBody>
+      </p:sp>
+    </p:spTree>
+    <p:extLst>
+      <p:ext uri="{BB962C8B-B14F-4D97-AF65-F5344CB8AC3E}">
+        <p14:creationId xmlns:p14="http://schemas.microsoft.com/office/powerpoint/2010/main" val="3502840072"/>
+      </p:ext>
+    </p:extLst>
+  </p:cSld>
+  <p:clrMapOvr>
+    <a:masterClrMapping/>
+  </p:clrMapOvr>
+</p:notes>
+</file>
+
+<file path=ppt/notesSlides/notesSlide4.xml><?xml version="1.0" encoding="utf-8"?>
+<p:notes xmlns:a="http://schemas.openxmlformats.org/drawingml/2006/main" xmlns:r="http://schemas.openxmlformats.org/officeDocument/2006/relationships" xmlns:p="http://schemas.openxmlformats.org/presentationml/2006/main">
+  <p:cSld>
+    <p:spTree>
+      <p:nvGrpSpPr>
+        <p:cNvPr id="1" name=""/>
+        <p:cNvGrpSpPr/>
+        <p:nvPr/>
+      </p:nvGrpSpPr>
+      <p:grpSpPr>
+        <a:xfrm>
+          <a:off x="0" y="0"/>
+          <a:ext cx="0" cy="0"/>
+          <a:chOff x="0" y="0"/>
+          <a:chExt cx="0" cy="0"/>
+        </a:xfrm>
+      </p:grpSpPr>
+      <p:sp>
+        <p:nvSpPr>
+          <p:cNvPr id="2" name="Espaço Reservado para Imagem de Slide 1"/>
+          <p:cNvSpPr>
+            <a:spLocks noGrp="1" noRot="1" noChangeAspect="1"/>
+          </p:cNvSpPr>
+          <p:nvPr>
+            <p:ph type="sldImg"/>
+          </p:nvPr>
+        </p:nvSpPr>
+        <p:spPr/>
+      </p:sp>
+      <p:sp>
+        <p:nvSpPr>
+          <p:cNvPr id="3" name="Espaço Reservado para Anotações 2"/>
+          <p:cNvSpPr>
+            <a:spLocks noGrp="1"/>
+          </p:cNvSpPr>
+          <p:nvPr>
+            <p:ph type="body" idx="1"/>
+          </p:nvPr>
+        </p:nvSpPr>
+        <p:spPr/>
+        <p:txBody>
+          <a:bodyPr/>
+          <a:lstStyle/>
+          <a:p>
+            <a:endParaRPr lang="pt-BR" dirty="0"/>
+          </a:p>
+        </p:txBody>
+      </p:sp>
+      <p:sp>
+        <p:nvSpPr>
+          <p:cNvPr id="4" name="Espaço Reservado para Número de Slide 3"/>
+          <p:cNvSpPr>
+            <a:spLocks noGrp="1"/>
+          </p:cNvSpPr>
+          <p:nvPr>
+            <p:ph type="sldNum" sz="quarter" idx="10"/>
+          </p:nvPr>
+        </p:nvSpPr>
+        <p:spPr/>
+        <p:txBody>
+          <a:bodyPr/>
+          <a:lstStyle/>
+          <a:p>
+            <a:fld id="{18117EBA-18FA-504E-AE64-70258D2045F8}" type="slidenum">
+              <a:rPr lang="en-US" smtClean="0"/>
+              <a:t>4</a:t>
+            </a:fld>
+            <a:endParaRPr lang="en-US"/>
+          </a:p>
+        </p:txBody>
+      </p:sp>
+    </p:spTree>
+    <p:extLst>
+      <p:ext uri="{BB962C8B-B14F-4D97-AF65-F5344CB8AC3E}">
+        <p14:creationId xmlns:p14="http://schemas.microsoft.com/office/powerpoint/2010/main" val="3502840072"/>
+      </p:ext>
+    </p:extLst>
+  </p:cSld>
+  <p:clrMapOvr>
+    <a:masterClrMapping/>
+  </p:clrMapOvr>
+</p:notes>
+</file>
+
 <file path=ppt/slideLayouts/slideLayout1.xml><?xml version="1.0" encoding="utf-8"?>
 <p:sldLayout xmlns:a="http://schemas.openxmlformats.org/drawingml/2006/main" xmlns:r="http://schemas.openxmlformats.org/officeDocument/2006/relationships" xmlns:p="http://schemas.openxmlformats.org/presentationml/2006/main" type="title" preserve="1">
   <p:cSld name="Slide de título">
@@ -675,7 +930,7 @@
           <a:p>
             <a:fld id="{7980CAFD-68A7-483F-9EB4-EB746B7AC46D}" type="datetimeFigureOut">
               <a:rPr lang="pt-BR" smtClean="0"/>
-              <a:t>15/08/2018</a:t>
+              <a:t>16/08/18</a:t>
             </a:fld>
             <a:endParaRPr lang="pt-BR"/>
           </a:p>
@@ -717,7 +972,7 @@
           <a:p>
             <a:fld id="{696E092C-0580-40AC-B4A7-1873639EC619}" type="slidenum">
               <a:rPr lang="pt-BR" smtClean="0"/>
-              <a:t>‹nº›</a:t>
+              <a:t>‹#›</a:t>
             </a:fld>
             <a:endParaRPr lang="pt-BR"/>
           </a:p>
@@ -845,7 +1100,7 @@
           <a:p>
             <a:fld id="{7980CAFD-68A7-483F-9EB4-EB746B7AC46D}" type="datetimeFigureOut">
               <a:rPr lang="pt-BR" smtClean="0"/>
-              <a:t>15/08/2018</a:t>
+              <a:t>16/08/18</a:t>
             </a:fld>
             <a:endParaRPr lang="pt-BR"/>
           </a:p>
@@ -887,7 +1142,7 @@
           <a:p>
             <a:fld id="{696E092C-0580-40AC-B4A7-1873639EC619}" type="slidenum">
               <a:rPr lang="pt-BR" smtClean="0"/>
-              <a:t>‹nº›</a:t>
+              <a:t>‹#›</a:t>
             </a:fld>
             <a:endParaRPr lang="pt-BR"/>
           </a:p>
@@ -1025,7 +1280,7 @@
           <a:p>
             <a:fld id="{7980CAFD-68A7-483F-9EB4-EB746B7AC46D}" type="datetimeFigureOut">
               <a:rPr lang="pt-BR" smtClean="0"/>
-              <a:t>15/08/2018</a:t>
+              <a:t>16/08/18</a:t>
             </a:fld>
             <a:endParaRPr lang="pt-BR"/>
           </a:p>
@@ -1067,7 +1322,7 @@
           <a:p>
             <a:fld id="{696E092C-0580-40AC-B4A7-1873639EC619}" type="slidenum">
               <a:rPr lang="pt-BR" smtClean="0"/>
-              <a:t>‹nº›</a:t>
+              <a:t>‹#›</a:t>
             </a:fld>
             <a:endParaRPr lang="pt-BR"/>
           </a:p>
@@ -1195,7 +1450,7 @@
           <a:p>
             <a:fld id="{7980CAFD-68A7-483F-9EB4-EB746B7AC46D}" type="datetimeFigureOut">
               <a:rPr lang="pt-BR" smtClean="0"/>
-              <a:t>15/08/2018</a:t>
+              <a:t>16/08/18</a:t>
             </a:fld>
             <a:endParaRPr lang="pt-BR"/>
           </a:p>
@@ -1237,7 +1492,7 @@
           <a:p>
             <a:fld id="{696E092C-0580-40AC-B4A7-1873639EC619}" type="slidenum">
               <a:rPr lang="pt-BR" smtClean="0"/>
-              <a:t>‹nº›</a:t>
+              <a:t>‹#›</a:t>
             </a:fld>
             <a:endParaRPr lang="pt-BR"/>
           </a:p>
@@ -1441,7 +1696,7 @@
           <a:p>
             <a:fld id="{7980CAFD-68A7-483F-9EB4-EB746B7AC46D}" type="datetimeFigureOut">
               <a:rPr lang="pt-BR" smtClean="0"/>
-              <a:t>15/08/2018</a:t>
+              <a:t>16/08/18</a:t>
             </a:fld>
             <a:endParaRPr lang="pt-BR"/>
           </a:p>
@@ -1483,7 +1738,7 @@
           <a:p>
             <a:fld id="{696E092C-0580-40AC-B4A7-1873639EC619}" type="slidenum">
               <a:rPr lang="pt-BR" smtClean="0"/>
-              <a:t>‹nº›</a:t>
+              <a:t>‹#›</a:t>
             </a:fld>
             <a:endParaRPr lang="pt-BR"/>
           </a:p>
@@ -1673,7 +1928,7 @@
           <a:p>
             <a:fld id="{7980CAFD-68A7-483F-9EB4-EB746B7AC46D}" type="datetimeFigureOut">
               <a:rPr lang="pt-BR" smtClean="0"/>
-              <a:t>15/08/2018</a:t>
+              <a:t>16/08/18</a:t>
             </a:fld>
             <a:endParaRPr lang="pt-BR"/>
           </a:p>
@@ -1715,7 +1970,7 @@
           <a:p>
             <a:fld id="{696E092C-0580-40AC-B4A7-1873639EC619}" type="slidenum">
               <a:rPr lang="pt-BR" smtClean="0"/>
-              <a:t>‹nº›</a:t>
+              <a:t>‹#›</a:t>
             </a:fld>
             <a:endParaRPr lang="pt-BR"/>
           </a:p>
@@ -2040,7 +2295,7 @@
           <a:p>
             <a:fld id="{7980CAFD-68A7-483F-9EB4-EB746B7AC46D}" type="datetimeFigureOut">
               <a:rPr lang="pt-BR" smtClean="0"/>
-              <a:t>15/08/2018</a:t>
+              <a:t>16/08/18</a:t>
             </a:fld>
             <a:endParaRPr lang="pt-BR"/>
           </a:p>
@@ -2082,7 +2337,7 @@
           <a:p>
             <a:fld id="{696E092C-0580-40AC-B4A7-1873639EC619}" type="slidenum">
               <a:rPr lang="pt-BR" smtClean="0"/>
-              <a:t>‹nº›</a:t>
+              <a:t>‹#›</a:t>
             </a:fld>
             <a:endParaRPr lang="pt-BR"/>
           </a:p>
@@ -2158,7 +2413,7 @@
           <a:p>
             <a:fld id="{7980CAFD-68A7-483F-9EB4-EB746B7AC46D}" type="datetimeFigureOut">
               <a:rPr lang="pt-BR" smtClean="0"/>
-              <a:t>15/08/2018</a:t>
+              <a:t>16/08/18</a:t>
             </a:fld>
             <a:endParaRPr lang="pt-BR"/>
           </a:p>
@@ -2200,7 +2455,7 @@
           <a:p>
             <a:fld id="{696E092C-0580-40AC-B4A7-1873639EC619}" type="slidenum">
               <a:rPr lang="pt-BR" smtClean="0"/>
-              <a:t>‹nº›</a:t>
+              <a:t>‹#›</a:t>
             </a:fld>
             <a:endParaRPr lang="pt-BR"/>
           </a:p>
@@ -2253,7 +2508,7 @@
           <a:p>
             <a:fld id="{7980CAFD-68A7-483F-9EB4-EB746B7AC46D}" type="datetimeFigureOut">
               <a:rPr lang="pt-BR" smtClean="0"/>
-              <a:t>15/08/2018</a:t>
+              <a:t>16/08/18</a:t>
             </a:fld>
             <a:endParaRPr lang="pt-BR"/>
           </a:p>
@@ -2295,7 +2550,7 @@
           <a:p>
             <a:fld id="{696E092C-0580-40AC-B4A7-1873639EC619}" type="slidenum">
               <a:rPr lang="pt-BR" smtClean="0"/>
-              <a:t>‹nº›</a:t>
+              <a:t>‹#›</a:t>
             </a:fld>
             <a:endParaRPr lang="pt-BR"/>
           </a:p>
@@ -2530,7 +2785,7 @@
           <a:p>
             <a:fld id="{7980CAFD-68A7-483F-9EB4-EB746B7AC46D}" type="datetimeFigureOut">
               <a:rPr lang="pt-BR" smtClean="0"/>
-              <a:t>15/08/2018</a:t>
+              <a:t>16/08/18</a:t>
             </a:fld>
             <a:endParaRPr lang="pt-BR"/>
           </a:p>
@@ -2572,7 +2827,7 @@
           <a:p>
             <a:fld id="{696E092C-0580-40AC-B4A7-1873639EC619}" type="slidenum">
               <a:rPr lang="pt-BR" smtClean="0"/>
-              <a:t>‹nº›</a:t>
+              <a:t>‹#›</a:t>
             </a:fld>
             <a:endParaRPr lang="pt-BR"/>
           </a:p>
@@ -2783,7 +3038,7 @@
           <a:p>
             <a:fld id="{7980CAFD-68A7-483F-9EB4-EB746B7AC46D}" type="datetimeFigureOut">
               <a:rPr lang="pt-BR" smtClean="0"/>
-              <a:t>15/08/2018</a:t>
+              <a:t>16/08/18</a:t>
             </a:fld>
             <a:endParaRPr lang="pt-BR"/>
           </a:p>
@@ -2825,7 +3080,7 @@
           <a:p>
             <a:fld id="{696E092C-0580-40AC-B4A7-1873639EC619}" type="slidenum">
               <a:rPr lang="pt-BR" smtClean="0"/>
-              <a:t>‹nº›</a:t>
+              <a:t>‹#›</a:t>
             </a:fld>
             <a:endParaRPr lang="pt-BR"/>
           </a:p>
@@ -2996,7 +3251,7 @@
           <a:p>
             <a:fld id="{7980CAFD-68A7-483F-9EB4-EB746B7AC46D}" type="datetimeFigureOut">
               <a:rPr lang="pt-BR" smtClean="0"/>
-              <a:t>15/08/2018</a:t>
+              <a:t>16/08/18</a:t>
             </a:fld>
             <a:endParaRPr lang="pt-BR"/>
           </a:p>
@@ -3074,7 +3329,7 @@
           <a:p>
             <a:fld id="{696E092C-0580-40AC-B4A7-1873639EC619}" type="slidenum">
               <a:rPr lang="pt-BR" smtClean="0"/>
-              <a:t>‹nº›</a:t>
+              <a:t>‹#›</a:t>
             </a:fld>
             <a:endParaRPr lang="pt-BR"/>
           </a:p>
@@ -7521,7 +7776,6076 @@
   <p:timing>
     <p:tnLst>
       <p:par>
-        <p:cTn id="1" dur="indefinite" restart="never" nodeType="tmRoot"/>
+        <p:cTn xmlns:p14="http://schemas.microsoft.com/office/powerpoint/2010/main" id="1" dur="indefinite" restart="never" nodeType="tmRoot"/>
+      </p:par>
+    </p:tnLst>
+  </p:timing>
+</p:sld>
+</file>
+
+<file path=ppt/slides/slide2.xml><?xml version="1.0" encoding="utf-8"?>
+<p:sld xmlns:a="http://schemas.openxmlformats.org/drawingml/2006/main" xmlns:r="http://schemas.openxmlformats.org/officeDocument/2006/relationships" xmlns:p="http://schemas.openxmlformats.org/presentationml/2006/main">
+  <p:cSld>
+    <p:spTree>
+      <p:nvGrpSpPr>
+        <p:cNvPr id="1" name=""/>
+        <p:cNvGrpSpPr/>
+        <p:nvPr/>
+      </p:nvGrpSpPr>
+      <p:grpSpPr>
+        <a:xfrm>
+          <a:off x="0" y="0"/>
+          <a:ext cx="0" cy="0"/>
+          <a:chOff x="0" y="0"/>
+          <a:chExt cx="0" cy="0"/>
+        </a:xfrm>
+      </p:grpSpPr>
+      <p:grpSp>
+        <p:nvGrpSpPr>
+          <p:cNvPr id="21" name="Group 20"/>
+          <p:cNvGrpSpPr/>
+          <p:nvPr/>
+        </p:nvGrpSpPr>
+        <p:grpSpPr>
+          <a:xfrm>
+            <a:off x="846645" y="1527579"/>
+            <a:ext cx="5879193" cy="2852707"/>
+            <a:chOff x="846645" y="1527579"/>
+            <a:chExt cx="5879193" cy="2852707"/>
+          </a:xfrm>
+        </p:grpSpPr>
+        <p:sp>
+          <p:nvSpPr>
+            <p:cNvPr id="20" name="Rectangle 19"/>
+            <p:cNvSpPr/>
+            <p:nvPr/>
+          </p:nvSpPr>
+          <p:spPr>
+            <a:xfrm>
+              <a:off x="846645" y="1555186"/>
+              <a:ext cx="5806883" cy="2825100"/>
+            </a:xfrm>
+            <a:prstGeom prst="rect">
+              <a:avLst/>
+            </a:prstGeom>
+            <a:solidFill>
+              <a:schemeClr val="bg1"/>
+            </a:solidFill>
+            <a:ln>
+              <a:noFill/>
+            </a:ln>
+            <a:effectLst/>
+          </p:spPr>
+          <p:style>
+            <a:lnRef idx="1">
+              <a:schemeClr val="accent1"/>
+            </a:lnRef>
+            <a:fillRef idx="3">
+              <a:schemeClr val="accent1"/>
+            </a:fillRef>
+            <a:effectRef idx="2">
+              <a:schemeClr val="accent1"/>
+            </a:effectRef>
+            <a:fontRef idx="minor">
+              <a:schemeClr val="lt1"/>
+            </a:fontRef>
+          </p:style>
+          <p:txBody>
+            <a:bodyPr rtlCol="0" anchor="ctr"/>
+            <a:lstStyle/>
+            <a:p>
+              <a:pPr algn="ctr"/>
+              <a:endParaRPr lang="en-US"/>
+            </a:p>
+          </p:txBody>
+        </p:sp>
+        <p:grpSp>
+          <p:nvGrpSpPr>
+            <p:cNvPr id="19" name="Group 18"/>
+            <p:cNvGrpSpPr/>
+            <p:nvPr/>
+          </p:nvGrpSpPr>
+          <p:grpSpPr>
+            <a:xfrm>
+              <a:off x="925653" y="1527579"/>
+              <a:ext cx="5800185" cy="2844498"/>
+              <a:chOff x="925653" y="1527579"/>
+              <a:chExt cx="5800185" cy="2844498"/>
+            </a:xfrm>
+          </p:grpSpPr>
+          <p:sp>
+            <p:nvSpPr>
+              <p:cNvPr id="2" name="TextBox 1"/>
+              <p:cNvSpPr txBox="1"/>
+              <p:nvPr/>
+            </p:nvSpPr>
+            <p:spPr>
+              <a:xfrm>
+                <a:off x="928387" y="2721855"/>
+                <a:ext cx="2037524" cy="584776"/>
+              </a:xfrm>
+              <a:prstGeom prst="rect">
+                <a:avLst/>
+              </a:prstGeom>
+              <a:noFill/>
+            </p:spPr>
+            <p:txBody>
+              <a:bodyPr wrap="none" rtlCol="0">
+                <a:spAutoFit/>
+              </a:bodyPr>
+              <a:lstStyle/>
+              <a:p>
+                <a:pPr algn="ctr"/>
+                <a:r>
+                  <a:rPr lang="en-US" sz="2000" b="1" dirty="0" smtClean="0">
+                    <a:latin typeface="Times New Roman"/>
+                    <a:cs typeface="Times New Roman"/>
+                  </a:rPr>
+                  <a:t>D</a:t>
+                </a:r>
+                <a:r>
+                  <a:rPr lang="en-US" b="1" dirty="0" smtClean="0">
+                    <a:latin typeface="Times New Roman"/>
+                    <a:cs typeface="Times New Roman"/>
+                  </a:rPr>
+                  <a:t>ADOS</a:t>
+                </a:r>
+                <a:r>
+                  <a:rPr lang="en-US" sz="2000" b="1" dirty="0" smtClean="0">
+                    <a:latin typeface="Times New Roman"/>
+                    <a:cs typeface="Times New Roman"/>
+                  </a:rPr>
+                  <a:t> B</a:t>
+                </a:r>
+                <a:r>
+                  <a:rPr lang="en-US" b="1" dirty="0" smtClean="0">
+                    <a:latin typeface="Times New Roman"/>
+                    <a:cs typeface="Times New Roman"/>
+                  </a:rPr>
+                  <a:t>RUTOS</a:t>
+                </a:r>
+              </a:p>
+              <a:p>
+                <a:pPr algn="ctr"/>
+                <a:r>
+                  <a:rPr lang="en-US" sz="1200" b="1" dirty="0" smtClean="0">
+                    <a:latin typeface="Times New Roman"/>
+                    <a:cs typeface="Times New Roman"/>
+                  </a:rPr>
+                  <a:t>(RAW DATA)</a:t>
+                </a:r>
+                <a:endParaRPr lang="en-US" sz="1200" b="1" dirty="0">
+                  <a:latin typeface="Times New Roman"/>
+                  <a:cs typeface="Times New Roman"/>
+                </a:endParaRPr>
+              </a:p>
+            </p:txBody>
+          </p:sp>
+          <p:sp>
+            <p:nvSpPr>
+              <p:cNvPr id="100" name="TextBox 99"/>
+              <p:cNvSpPr txBox="1"/>
+              <p:nvPr/>
+            </p:nvSpPr>
+            <p:spPr>
+              <a:xfrm>
+                <a:off x="4722803" y="2721855"/>
+                <a:ext cx="2003035" cy="584776"/>
+              </a:xfrm>
+              <a:prstGeom prst="rect">
+                <a:avLst/>
+              </a:prstGeom>
+              <a:noFill/>
+            </p:spPr>
+            <p:txBody>
+              <a:bodyPr wrap="none" rtlCol="0">
+                <a:spAutoFit/>
+              </a:bodyPr>
+              <a:lstStyle/>
+              <a:p>
+                <a:pPr algn="ctr"/>
+                <a:r>
+                  <a:rPr lang="en-US" sz="2000" b="1" dirty="0" smtClean="0">
+                    <a:latin typeface="Times New Roman"/>
+                    <a:cs typeface="Times New Roman"/>
+                  </a:rPr>
+                  <a:t>D</a:t>
+                </a:r>
+                <a:r>
+                  <a:rPr lang="en-US" b="1" dirty="0" smtClean="0">
+                    <a:latin typeface="Times New Roman"/>
+                    <a:cs typeface="Times New Roman"/>
+                  </a:rPr>
+                  <a:t>ADOS</a:t>
+                </a:r>
+                <a:r>
+                  <a:rPr lang="en-US" sz="2000" b="1" dirty="0" smtClean="0">
+                    <a:latin typeface="Times New Roman"/>
+                    <a:cs typeface="Times New Roman"/>
+                  </a:rPr>
+                  <a:t> L</a:t>
+                </a:r>
+                <a:r>
+                  <a:rPr lang="en-US" b="1" dirty="0" smtClean="0">
+                    <a:latin typeface="Times New Roman"/>
+                    <a:cs typeface="Times New Roman"/>
+                  </a:rPr>
+                  <a:t>IMPOS</a:t>
+                </a:r>
+              </a:p>
+              <a:p>
+                <a:pPr algn="ctr"/>
+                <a:r>
+                  <a:rPr lang="en-US" sz="1200" b="1" dirty="0" smtClean="0">
+                    <a:latin typeface="Times New Roman"/>
+                    <a:cs typeface="Times New Roman"/>
+                  </a:rPr>
+                  <a:t>(TIDY DATA)</a:t>
+                </a:r>
+                <a:endParaRPr lang="en-US" sz="1200" b="1" dirty="0">
+                  <a:latin typeface="Times New Roman"/>
+                  <a:cs typeface="Times New Roman"/>
+                </a:endParaRPr>
+              </a:p>
+            </p:txBody>
+          </p:sp>
+          <p:sp>
+            <p:nvSpPr>
+              <p:cNvPr id="4" name="TextBox 3"/>
+              <p:cNvSpPr txBox="1"/>
+              <p:nvPr/>
+            </p:nvSpPr>
+            <p:spPr>
+              <a:xfrm>
+                <a:off x="925653" y="1527579"/>
+                <a:ext cx="2042992" cy="584776"/>
+              </a:xfrm>
+              <a:prstGeom prst="rect">
+                <a:avLst/>
+              </a:prstGeom>
+              <a:noFill/>
+            </p:spPr>
+            <p:txBody>
+              <a:bodyPr wrap="square" rtlCol="0">
+                <a:spAutoFit/>
+              </a:bodyPr>
+              <a:lstStyle/>
+              <a:p>
+                <a:pPr algn="ctr"/>
+                <a:r>
+                  <a:rPr lang="en-US" sz="1600" dirty="0" smtClean="0">
+                    <a:latin typeface="Times New Roman"/>
+                    <a:cs typeface="Times New Roman"/>
+                  </a:rPr>
+                  <a:t>Boas </a:t>
+                </a:r>
+                <a:r>
+                  <a:rPr lang="en-US" sz="1600" dirty="0" err="1" smtClean="0">
+                    <a:latin typeface="Times New Roman"/>
+                    <a:cs typeface="Times New Roman"/>
+                  </a:rPr>
+                  <a:t>pr</a:t>
+                </a:r>
+                <a:r>
+                  <a:rPr lang="en-US" sz="1600" dirty="0" err="1" smtClean="0">
+                    <a:latin typeface="Times New Roman"/>
+                    <a:cs typeface="Times New Roman"/>
+                  </a:rPr>
+                  <a:t>áticas</a:t>
+                </a:r>
+                <a:r>
+                  <a:rPr lang="en-US" sz="1600" dirty="0" smtClean="0">
+                    <a:latin typeface="Times New Roman"/>
+                    <a:cs typeface="Times New Roman"/>
+                  </a:rPr>
+                  <a:t> </a:t>
+                </a:r>
+                <a:r>
+                  <a:rPr lang="en-US" sz="1600" dirty="0" err="1" smtClean="0">
+                    <a:latin typeface="Times New Roman"/>
+                    <a:cs typeface="Times New Roman"/>
+                  </a:rPr>
+                  <a:t>para</a:t>
+                </a:r>
+                <a:r>
+                  <a:rPr lang="en-US" sz="1600" dirty="0" smtClean="0">
+                    <a:latin typeface="Times New Roman"/>
+                    <a:cs typeface="Times New Roman"/>
+                  </a:rPr>
+                  <a:t> o </a:t>
+                </a:r>
+                <a:r>
+                  <a:rPr lang="en-US" sz="1600" dirty="0" err="1" smtClean="0">
+                    <a:latin typeface="Times New Roman"/>
+                    <a:cs typeface="Times New Roman"/>
+                  </a:rPr>
+                  <a:t>registro</a:t>
+                </a:r>
+                <a:r>
+                  <a:rPr lang="en-US" sz="1600" dirty="0" smtClean="0">
+                    <a:latin typeface="Times New Roman"/>
+                    <a:cs typeface="Times New Roman"/>
+                  </a:rPr>
+                  <a:t> de dados</a:t>
+                </a:r>
+                <a:endParaRPr lang="en-US" sz="1600" dirty="0">
+                  <a:latin typeface="Times New Roman"/>
+                  <a:cs typeface="Times New Roman"/>
+                </a:endParaRPr>
+              </a:p>
+            </p:txBody>
+          </p:sp>
+          <p:cxnSp>
+            <p:nvCxnSpPr>
+              <p:cNvPr id="6" name="Straight Arrow Connector 5"/>
+              <p:cNvCxnSpPr>
+                <a:stCxn id="4" idx="2"/>
+                <a:endCxn id="2" idx="0"/>
+              </p:cNvCxnSpPr>
+              <p:nvPr/>
+            </p:nvCxnSpPr>
+            <p:spPr>
+              <a:xfrm>
+                <a:off x="1947149" y="2112355"/>
+                <a:ext cx="0" cy="609500"/>
+              </a:xfrm>
+              <a:prstGeom prst="straightConnector1">
+                <a:avLst/>
+              </a:prstGeom>
+              <a:ln w="38100" cmpd="sng">
+                <a:solidFill>
+                  <a:schemeClr val="tx1"/>
+                </a:solidFill>
+                <a:headEnd type="none"/>
+                <a:tailEnd type="arrow"/>
+              </a:ln>
+              <a:effectLst/>
+            </p:spPr>
+            <p:style>
+              <a:lnRef idx="2">
+                <a:schemeClr val="accent1"/>
+              </a:lnRef>
+              <a:fillRef idx="0">
+                <a:schemeClr val="accent1"/>
+              </a:fillRef>
+              <a:effectRef idx="1">
+                <a:schemeClr val="accent1"/>
+              </a:effectRef>
+              <a:fontRef idx="minor">
+                <a:schemeClr val="tx1"/>
+              </a:fontRef>
+            </p:style>
+          </p:cxnSp>
+          <p:cxnSp>
+            <p:nvCxnSpPr>
+              <p:cNvPr id="102" name="Straight Arrow Connector 101"/>
+              <p:cNvCxnSpPr>
+                <a:stCxn id="2" idx="3"/>
+                <a:endCxn id="100" idx="1"/>
+              </p:cNvCxnSpPr>
+              <p:nvPr/>
+            </p:nvCxnSpPr>
+            <p:spPr>
+              <a:xfrm>
+                <a:off x="2965911" y="3014243"/>
+                <a:ext cx="1756892" cy="0"/>
+              </a:xfrm>
+              <a:prstGeom prst="straightConnector1">
+                <a:avLst/>
+              </a:prstGeom>
+              <a:ln w="38100" cmpd="sng">
+                <a:solidFill>
+                  <a:schemeClr val="tx1"/>
+                </a:solidFill>
+                <a:headEnd type="none"/>
+                <a:tailEnd type="arrow"/>
+              </a:ln>
+              <a:effectLst/>
+            </p:spPr>
+            <p:style>
+              <a:lnRef idx="2">
+                <a:schemeClr val="accent1"/>
+              </a:lnRef>
+              <a:fillRef idx="0">
+                <a:schemeClr val="accent1"/>
+              </a:fillRef>
+              <a:effectRef idx="1">
+                <a:schemeClr val="accent1"/>
+              </a:effectRef>
+              <a:fontRef idx="minor">
+                <a:schemeClr val="tx1"/>
+              </a:fontRef>
+            </p:style>
+          </p:cxnSp>
+          <p:sp>
+            <p:nvSpPr>
+              <p:cNvPr id="106" name="TextBox 105"/>
+              <p:cNvSpPr txBox="1"/>
+              <p:nvPr/>
+            </p:nvSpPr>
+            <p:spPr>
+              <a:xfrm>
+                <a:off x="2808154" y="3787301"/>
+                <a:ext cx="2042992" cy="584776"/>
+              </a:xfrm>
+              <a:prstGeom prst="rect">
+                <a:avLst/>
+              </a:prstGeom>
+              <a:noFill/>
+            </p:spPr>
+            <p:txBody>
+              <a:bodyPr wrap="square" rtlCol="0">
+                <a:spAutoFit/>
+              </a:bodyPr>
+              <a:lstStyle/>
+              <a:p>
+                <a:pPr algn="ctr"/>
+                <a:r>
+                  <a:rPr lang="en-US" sz="1600" dirty="0" err="1" smtClean="0">
+                    <a:latin typeface="Times New Roman"/>
+                    <a:cs typeface="Times New Roman"/>
+                  </a:rPr>
+                  <a:t>Manipulaç</a:t>
+                </a:r>
+                <a:r>
+                  <a:rPr lang="en-US" sz="1600" dirty="0" err="1" smtClean="0">
+                    <a:latin typeface="Times New Roman"/>
+                    <a:cs typeface="Times New Roman"/>
+                  </a:rPr>
+                  <a:t>ão</a:t>
+                </a:r>
+                <a:r>
+                  <a:rPr lang="en-US" sz="1600" dirty="0" smtClean="0">
+                    <a:latin typeface="Times New Roman"/>
+                    <a:cs typeface="Times New Roman"/>
+                  </a:rPr>
+                  <a:t>, </a:t>
+                </a:r>
+                <a:r>
+                  <a:rPr lang="en-US" sz="1600" dirty="0" err="1" smtClean="0">
+                    <a:latin typeface="Times New Roman"/>
+                    <a:cs typeface="Times New Roman"/>
+                  </a:rPr>
+                  <a:t>limpeza</a:t>
+                </a:r>
+                <a:r>
+                  <a:rPr lang="en-US" sz="1600" dirty="0" smtClean="0">
+                    <a:latin typeface="Times New Roman"/>
+                    <a:cs typeface="Times New Roman"/>
+                  </a:rPr>
+                  <a:t> e </a:t>
+                </a:r>
+                <a:r>
+                  <a:rPr lang="en-US" sz="1600" dirty="0" err="1" smtClean="0">
+                    <a:latin typeface="Times New Roman"/>
+                    <a:cs typeface="Times New Roman"/>
+                  </a:rPr>
+                  <a:t>processamento</a:t>
+                </a:r>
+                <a:endParaRPr lang="en-US" sz="1600" dirty="0">
+                  <a:latin typeface="Times New Roman"/>
+                  <a:cs typeface="Times New Roman"/>
+                </a:endParaRPr>
+              </a:p>
+            </p:txBody>
+          </p:sp>
+          <p:cxnSp>
+            <p:nvCxnSpPr>
+              <p:cNvPr id="110" name="Straight Arrow Connector 109"/>
+              <p:cNvCxnSpPr>
+                <a:stCxn id="106" idx="0"/>
+              </p:cNvCxnSpPr>
+              <p:nvPr/>
+            </p:nvCxnSpPr>
+            <p:spPr>
+              <a:xfrm flipV="1">
+                <a:off x="3829650" y="3082764"/>
+                <a:ext cx="0" cy="704537"/>
+              </a:xfrm>
+              <a:prstGeom prst="straightConnector1">
+                <a:avLst/>
+              </a:prstGeom>
+              <a:ln w="38100" cmpd="sng">
+                <a:solidFill>
+                  <a:schemeClr val="tx1"/>
+                </a:solidFill>
+                <a:headEnd type="none"/>
+                <a:tailEnd type="arrow"/>
+              </a:ln>
+              <a:effectLst/>
+            </p:spPr>
+            <p:style>
+              <a:lnRef idx="2">
+                <a:schemeClr val="accent1"/>
+              </a:lnRef>
+              <a:fillRef idx="0">
+                <a:schemeClr val="accent1"/>
+              </a:fillRef>
+              <a:effectRef idx="1">
+                <a:schemeClr val="accent1"/>
+              </a:effectRef>
+              <a:fontRef idx="minor">
+                <a:schemeClr val="tx1"/>
+              </a:fontRef>
+            </p:style>
+          </p:cxnSp>
+        </p:grpSp>
+      </p:grpSp>
+    </p:spTree>
+    <p:extLst>
+      <p:ext uri="{BB962C8B-B14F-4D97-AF65-F5344CB8AC3E}">
+        <p14:creationId xmlns:p14="http://schemas.microsoft.com/office/powerpoint/2010/main" val="843273034"/>
+      </p:ext>
+    </p:extLst>
+  </p:cSld>
+  <p:clrMapOvr>
+    <a:masterClrMapping/>
+  </p:clrMapOvr>
+  <p:timing>
+    <p:tnLst>
+      <p:par>
+        <p:cTn xmlns:p14="http://schemas.microsoft.com/office/powerpoint/2010/main" id="1" dur="indefinite" restart="never" nodeType="tmRoot"/>
+      </p:par>
+    </p:tnLst>
+  </p:timing>
+</p:sld>
+</file>
+
+<file path=ppt/slides/slide3.xml><?xml version="1.0" encoding="utf-8"?>
+<p:sld xmlns:a="http://schemas.openxmlformats.org/drawingml/2006/main" xmlns:r="http://schemas.openxmlformats.org/officeDocument/2006/relationships" xmlns:p="http://schemas.openxmlformats.org/presentationml/2006/main">
+  <p:cSld>
+    <p:spTree>
+      <p:nvGrpSpPr>
+        <p:cNvPr id="1" name=""/>
+        <p:cNvGrpSpPr/>
+        <p:nvPr/>
+      </p:nvGrpSpPr>
+      <p:grpSpPr>
+        <a:xfrm>
+          <a:off x="0" y="0"/>
+          <a:ext cx="0" cy="0"/>
+          <a:chOff x="0" y="0"/>
+          <a:chExt cx="0" cy="0"/>
+        </a:xfrm>
+      </p:grpSpPr>
+      <p:grpSp>
+        <p:nvGrpSpPr>
+          <p:cNvPr id="40" name="Group 39"/>
+          <p:cNvGrpSpPr/>
+          <p:nvPr/>
+        </p:nvGrpSpPr>
+        <p:grpSpPr>
+          <a:xfrm>
+            <a:off x="79008" y="1545984"/>
+            <a:ext cx="8065354" cy="3091966"/>
+            <a:chOff x="79008" y="1545984"/>
+            <a:chExt cx="8065354" cy="3091966"/>
+          </a:xfrm>
+        </p:grpSpPr>
+        <p:sp>
+          <p:nvSpPr>
+            <p:cNvPr id="20" name="Rectangle 19"/>
+            <p:cNvSpPr/>
+            <p:nvPr/>
+          </p:nvSpPr>
+          <p:spPr>
+            <a:xfrm>
+              <a:off x="101228" y="1564388"/>
+              <a:ext cx="7895890" cy="3073562"/>
+            </a:xfrm>
+            <a:prstGeom prst="rect">
+              <a:avLst/>
+            </a:prstGeom>
+            <a:solidFill>
+              <a:schemeClr val="bg1"/>
+            </a:solidFill>
+            <a:ln>
+              <a:noFill/>
+            </a:ln>
+            <a:effectLst/>
+          </p:spPr>
+          <p:style>
+            <a:lnRef idx="1">
+              <a:schemeClr val="accent1"/>
+            </a:lnRef>
+            <a:fillRef idx="3">
+              <a:schemeClr val="accent1"/>
+            </a:fillRef>
+            <a:effectRef idx="2">
+              <a:schemeClr val="accent1"/>
+            </a:effectRef>
+            <a:fontRef idx="minor">
+              <a:schemeClr val="lt1"/>
+            </a:fontRef>
+          </p:style>
+          <p:txBody>
+            <a:bodyPr rtlCol="0" anchor="ctr"/>
+            <a:lstStyle/>
+            <a:p>
+              <a:pPr algn="ctr"/>
+              <a:endParaRPr lang="en-US"/>
+            </a:p>
+          </p:txBody>
+        </p:sp>
+        <p:sp>
+          <p:nvSpPr>
+            <p:cNvPr id="2" name="TextBox 1"/>
+            <p:cNvSpPr txBox="1"/>
+            <p:nvPr/>
+          </p:nvSpPr>
+          <p:spPr>
+            <a:xfrm>
+              <a:off x="81742" y="2745578"/>
+              <a:ext cx="2037524" cy="584776"/>
+            </a:xfrm>
+            <a:prstGeom prst="rect">
+              <a:avLst/>
+            </a:prstGeom>
+            <a:noFill/>
+          </p:spPr>
+          <p:txBody>
+            <a:bodyPr wrap="none" rtlCol="0">
+              <a:spAutoFit/>
+            </a:bodyPr>
+            <a:lstStyle/>
+            <a:p>
+              <a:pPr algn="ctr"/>
+              <a:r>
+                <a:rPr lang="en-US" sz="2000" b="1" dirty="0" smtClean="0">
+                  <a:latin typeface="Times New Roman"/>
+                  <a:cs typeface="Times New Roman"/>
+                </a:rPr>
+                <a:t>D</a:t>
+              </a:r>
+              <a:r>
+                <a:rPr lang="en-US" b="1" dirty="0" smtClean="0">
+                  <a:latin typeface="Times New Roman"/>
+                  <a:cs typeface="Times New Roman"/>
+                </a:rPr>
+                <a:t>ADOS</a:t>
+              </a:r>
+              <a:r>
+                <a:rPr lang="en-US" sz="2000" b="1" dirty="0" smtClean="0">
+                  <a:latin typeface="Times New Roman"/>
+                  <a:cs typeface="Times New Roman"/>
+                </a:rPr>
+                <a:t> B</a:t>
+              </a:r>
+              <a:r>
+                <a:rPr lang="en-US" b="1" dirty="0" smtClean="0">
+                  <a:latin typeface="Times New Roman"/>
+                  <a:cs typeface="Times New Roman"/>
+                </a:rPr>
+                <a:t>RUTOS</a:t>
+              </a:r>
+            </a:p>
+            <a:p>
+              <a:pPr algn="ctr"/>
+              <a:r>
+                <a:rPr lang="en-US" sz="1200" b="1" dirty="0" smtClean="0">
+                  <a:latin typeface="Times New Roman"/>
+                  <a:cs typeface="Times New Roman"/>
+                </a:rPr>
+                <a:t>(RAW DATA)</a:t>
+              </a:r>
+              <a:endParaRPr lang="en-US" sz="1200" b="1" dirty="0">
+                <a:latin typeface="Times New Roman"/>
+                <a:cs typeface="Times New Roman"/>
+              </a:endParaRPr>
+            </a:p>
+          </p:txBody>
+        </p:sp>
+        <p:sp>
+          <p:nvSpPr>
+            <p:cNvPr id="100" name="TextBox 99"/>
+            <p:cNvSpPr txBox="1"/>
+            <p:nvPr/>
+          </p:nvSpPr>
+          <p:spPr>
+            <a:xfrm>
+              <a:off x="3271360" y="3113669"/>
+              <a:ext cx="2003035" cy="584776"/>
+            </a:xfrm>
+            <a:prstGeom prst="rect">
+              <a:avLst/>
+            </a:prstGeom>
+            <a:noFill/>
+          </p:spPr>
+          <p:txBody>
+            <a:bodyPr wrap="none" rtlCol="0">
+              <a:spAutoFit/>
+            </a:bodyPr>
+            <a:lstStyle/>
+            <a:p>
+              <a:pPr algn="ctr"/>
+              <a:r>
+                <a:rPr lang="en-US" sz="2000" b="1" dirty="0" smtClean="0">
+                  <a:latin typeface="Times New Roman"/>
+                  <a:cs typeface="Times New Roman"/>
+                </a:rPr>
+                <a:t>D</a:t>
+              </a:r>
+              <a:r>
+                <a:rPr lang="en-US" b="1" dirty="0" smtClean="0">
+                  <a:latin typeface="Times New Roman"/>
+                  <a:cs typeface="Times New Roman"/>
+                </a:rPr>
+                <a:t>ADOS</a:t>
+              </a:r>
+              <a:r>
+                <a:rPr lang="en-US" sz="2000" b="1" dirty="0" smtClean="0">
+                  <a:latin typeface="Times New Roman"/>
+                  <a:cs typeface="Times New Roman"/>
+                </a:rPr>
+                <a:t> L</a:t>
+              </a:r>
+              <a:r>
+                <a:rPr lang="en-US" b="1" dirty="0" smtClean="0">
+                  <a:latin typeface="Times New Roman"/>
+                  <a:cs typeface="Times New Roman"/>
+                </a:rPr>
+                <a:t>IMPOS</a:t>
+              </a:r>
+            </a:p>
+            <a:p>
+              <a:pPr algn="ctr"/>
+              <a:r>
+                <a:rPr lang="en-US" sz="1200" b="1" dirty="0" smtClean="0">
+                  <a:latin typeface="Times New Roman"/>
+                  <a:cs typeface="Times New Roman"/>
+                </a:rPr>
+                <a:t>(TIDY DATA)</a:t>
+              </a:r>
+              <a:endParaRPr lang="en-US" sz="1200" b="1" dirty="0">
+                <a:latin typeface="Times New Roman"/>
+                <a:cs typeface="Times New Roman"/>
+              </a:endParaRPr>
+            </a:p>
+          </p:txBody>
+        </p:sp>
+        <p:sp>
+          <p:nvSpPr>
+            <p:cNvPr id="4" name="TextBox 3"/>
+            <p:cNvSpPr txBox="1"/>
+            <p:nvPr/>
+          </p:nvSpPr>
+          <p:spPr>
+            <a:xfrm>
+              <a:off x="79008" y="1545984"/>
+              <a:ext cx="2042992" cy="584776"/>
+            </a:xfrm>
+            <a:prstGeom prst="rect">
+              <a:avLst/>
+            </a:prstGeom>
+            <a:noFill/>
+          </p:spPr>
+          <p:txBody>
+            <a:bodyPr wrap="square" rtlCol="0">
+              <a:spAutoFit/>
+            </a:bodyPr>
+            <a:lstStyle/>
+            <a:p>
+              <a:pPr algn="ctr"/>
+              <a:r>
+                <a:rPr lang="en-US" sz="1600" dirty="0" smtClean="0">
+                  <a:latin typeface="Times New Roman"/>
+                  <a:cs typeface="Times New Roman"/>
+                </a:rPr>
+                <a:t>Boas </a:t>
+              </a:r>
+              <a:r>
+                <a:rPr lang="en-US" sz="1600" dirty="0" err="1" smtClean="0">
+                  <a:latin typeface="Times New Roman"/>
+                  <a:cs typeface="Times New Roman"/>
+                </a:rPr>
+                <a:t>pr</a:t>
+              </a:r>
+              <a:r>
+                <a:rPr lang="en-US" sz="1600" dirty="0" err="1" smtClean="0">
+                  <a:latin typeface="Times New Roman"/>
+                  <a:cs typeface="Times New Roman"/>
+                </a:rPr>
+                <a:t>áticas</a:t>
+              </a:r>
+              <a:r>
+                <a:rPr lang="en-US" sz="1600" dirty="0" smtClean="0">
+                  <a:latin typeface="Times New Roman"/>
+                  <a:cs typeface="Times New Roman"/>
+                </a:rPr>
+                <a:t> </a:t>
+              </a:r>
+              <a:r>
+                <a:rPr lang="en-US" sz="1600" dirty="0" err="1" smtClean="0">
+                  <a:latin typeface="Times New Roman"/>
+                  <a:cs typeface="Times New Roman"/>
+                </a:rPr>
+                <a:t>para</a:t>
+              </a:r>
+              <a:r>
+                <a:rPr lang="en-US" sz="1600" dirty="0" smtClean="0">
+                  <a:latin typeface="Times New Roman"/>
+                  <a:cs typeface="Times New Roman"/>
+                </a:rPr>
+                <a:t> o </a:t>
+              </a:r>
+              <a:r>
+                <a:rPr lang="en-US" sz="1600" dirty="0" err="1" smtClean="0">
+                  <a:latin typeface="Times New Roman"/>
+                  <a:cs typeface="Times New Roman"/>
+                </a:rPr>
+                <a:t>registro</a:t>
+              </a:r>
+              <a:r>
+                <a:rPr lang="en-US" sz="1600" dirty="0" smtClean="0">
+                  <a:latin typeface="Times New Roman"/>
+                  <a:cs typeface="Times New Roman"/>
+                </a:rPr>
+                <a:t> de dados</a:t>
+              </a:r>
+              <a:endParaRPr lang="en-US" sz="1600" dirty="0">
+                <a:latin typeface="Times New Roman"/>
+                <a:cs typeface="Times New Roman"/>
+              </a:endParaRPr>
+            </a:p>
+          </p:txBody>
+        </p:sp>
+        <p:cxnSp>
+          <p:nvCxnSpPr>
+            <p:cNvPr id="6" name="Straight Arrow Connector 5"/>
+            <p:cNvCxnSpPr>
+              <a:stCxn id="4" idx="2"/>
+              <a:endCxn id="2" idx="0"/>
+            </p:cNvCxnSpPr>
+            <p:nvPr/>
+          </p:nvCxnSpPr>
+          <p:spPr>
+            <a:xfrm>
+              <a:off x="1100504" y="2130760"/>
+              <a:ext cx="0" cy="614818"/>
+            </a:xfrm>
+            <a:prstGeom prst="straightConnector1">
+              <a:avLst/>
+            </a:prstGeom>
+            <a:ln w="38100" cmpd="sng">
+              <a:solidFill>
+                <a:schemeClr val="tx1"/>
+              </a:solidFill>
+              <a:headEnd type="none"/>
+              <a:tailEnd type="arrow"/>
+            </a:ln>
+            <a:effectLst/>
+          </p:spPr>
+          <p:style>
+            <a:lnRef idx="2">
+              <a:schemeClr val="accent1"/>
+            </a:lnRef>
+            <a:fillRef idx="0">
+              <a:schemeClr val="accent1"/>
+            </a:fillRef>
+            <a:effectRef idx="1">
+              <a:schemeClr val="accent1"/>
+            </a:effectRef>
+            <a:fontRef idx="minor">
+              <a:schemeClr val="tx1"/>
+            </a:fontRef>
+          </p:style>
+        </p:cxnSp>
+        <p:cxnSp>
+          <p:nvCxnSpPr>
+            <p:cNvPr id="102" name="Straight Arrow Connector 101"/>
+            <p:cNvCxnSpPr>
+              <a:endCxn id="22" idx="1"/>
+            </p:cNvCxnSpPr>
+            <p:nvPr/>
+          </p:nvCxnSpPr>
+          <p:spPr>
+            <a:xfrm flipV="1">
+              <a:off x="2119266" y="2537004"/>
+              <a:ext cx="1152094" cy="498303"/>
+            </a:xfrm>
+            <a:prstGeom prst="straightConnector1">
+              <a:avLst/>
+            </a:prstGeom>
+            <a:ln w="38100" cmpd="sng">
+              <a:solidFill>
+                <a:schemeClr val="tx1"/>
+              </a:solidFill>
+              <a:headEnd type="none"/>
+              <a:tailEnd type="triangle" w="med" len="lg"/>
+            </a:ln>
+            <a:effectLst/>
+          </p:spPr>
+          <p:style>
+            <a:lnRef idx="2">
+              <a:schemeClr val="accent1"/>
+            </a:lnRef>
+            <a:fillRef idx="0">
+              <a:schemeClr val="accent1"/>
+            </a:fillRef>
+            <a:effectRef idx="1">
+              <a:schemeClr val="accent1"/>
+            </a:effectRef>
+            <a:fontRef idx="minor">
+              <a:schemeClr val="tx1"/>
+            </a:fontRef>
+          </p:style>
+        </p:cxnSp>
+        <p:sp>
+          <p:nvSpPr>
+            <p:cNvPr id="106" name="TextBox 105"/>
+            <p:cNvSpPr txBox="1"/>
+            <p:nvPr/>
+          </p:nvSpPr>
+          <p:spPr>
+            <a:xfrm>
+              <a:off x="2191576" y="1578755"/>
+              <a:ext cx="2042992" cy="584776"/>
+            </a:xfrm>
+            <a:prstGeom prst="rect">
+              <a:avLst/>
+            </a:prstGeom>
+            <a:noFill/>
+          </p:spPr>
+          <p:txBody>
+            <a:bodyPr wrap="square" rtlCol="0">
+              <a:spAutoFit/>
+            </a:bodyPr>
+            <a:lstStyle/>
+            <a:p>
+              <a:pPr algn="ctr"/>
+              <a:r>
+                <a:rPr lang="en-US" sz="1600" dirty="0" err="1" smtClean="0">
+                  <a:latin typeface="Times New Roman"/>
+                  <a:cs typeface="Times New Roman"/>
+                </a:rPr>
+                <a:t>Manipulaç</a:t>
+              </a:r>
+              <a:r>
+                <a:rPr lang="en-US" sz="1600" dirty="0" err="1" smtClean="0">
+                  <a:latin typeface="Times New Roman"/>
+                  <a:cs typeface="Times New Roman"/>
+                </a:rPr>
+                <a:t>ão</a:t>
+              </a:r>
+              <a:r>
+                <a:rPr lang="en-US" sz="1600" dirty="0" smtClean="0">
+                  <a:latin typeface="Times New Roman"/>
+                  <a:cs typeface="Times New Roman"/>
+                </a:rPr>
+                <a:t>, </a:t>
+              </a:r>
+              <a:r>
+                <a:rPr lang="en-US" sz="1600" dirty="0" err="1" smtClean="0">
+                  <a:latin typeface="Times New Roman"/>
+                  <a:cs typeface="Times New Roman"/>
+                </a:rPr>
+                <a:t>limpeza</a:t>
+              </a:r>
+              <a:r>
+                <a:rPr lang="en-US" sz="1600" dirty="0" smtClean="0">
+                  <a:latin typeface="Times New Roman"/>
+                  <a:cs typeface="Times New Roman"/>
+                </a:rPr>
+                <a:t> e </a:t>
+              </a:r>
+              <a:r>
+                <a:rPr lang="en-US" sz="1600" dirty="0" err="1" smtClean="0">
+                  <a:latin typeface="Times New Roman"/>
+                  <a:cs typeface="Times New Roman"/>
+                </a:rPr>
+                <a:t>processamento</a:t>
+              </a:r>
+              <a:endParaRPr lang="en-US" sz="1600" dirty="0">
+                <a:latin typeface="Times New Roman"/>
+                <a:cs typeface="Times New Roman"/>
+              </a:endParaRPr>
+            </a:p>
+          </p:txBody>
+        </p:sp>
+        <p:cxnSp>
+          <p:nvCxnSpPr>
+            <p:cNvPr id="110" name="Straight Arrow Connector 109"/>
+            <p:cNvCxnSpPr>
+              <a:stCxn id="106" idx="2"/>
+            </p:cNvCxnSpPr>
+            <p:nvPr/>
+          </p:nvCxnSpPr>
+          <p:spPr>
+            <a:xfrm flipH="1">
+              <a:off x="2743736" y="2163531"/>
+              <a:ext cx="469336" cy="505133"/>
+            </a:xfrm>
+            <a:prstGeom prst="straightConnector1">
+              <a:avLst/>
+            </a:prstGeom>
+            <a:ln w="38100" cmpd="sng">
+              <a:solidFill>
+                <a:schemeClr val="tx1"/>
+              </a:solidFill>
+              <a:headEnd type="none"/>
+              <a:tailEnd type="arrow"/>
+            </a:ln>
+            <a:effectLst/>
+          </p:spPr>
+          <p:style>
+            <a:lnRef idx="2">
+              <a:schemeClr val="accent1"/>
+            </a:lnRef>
+            <a:fillRef idx="0">
+              <a:schemeClr val="accent1"/>
+            </a:fillRef>
+            <a:effectRef idx="1">
+              <a:schemeClr val="accent1"/>
+            </a:effectRef>
+            <a:fontRef idx="minor">
+              <a:schemeClr val="tx1"/>
+            </a:fontRef>
+          </p:style>
+        </p:cxnSp>
+        <p:cxnSp>
+          <p:nvCxnSpPr>
+            <p:cNvPr id="14" name="Straight Arrow Connector 13"/>
+            <p:cNvCxnSpPr>
+              <a:stCxn id="22" idx="3"/>
+            </p:cNvCxnSpPr>
+            <p:nvPr/>
+          </p:nvCxnSpPr>
+          <p:spPr>
+            <a:xfrm>
+              <a:off x="5274395" y="2537004"/>
+              <a:ext cx="953544" cy="503621"/>
+            </a:xfrm>
+            <a:prstGeom prst="straightConnector1">
+              <a:avLst/>
+            </a:prstGeom>
+            <a:ln w="38100" cmpd="sng">
+              <a:solidFill>
+                <a:schemeClr val="tx1"/>
+              </a:solidFill>
+              <a:headEnd type="none"/>
+              <a:tailEnd type="triangle" w="med" len="lg"/>
+            </a:ln>
+            <a:effectLst/>
+          </p:spPr>
+          <p:style>
+            <a:lnRef idx="2">
+              <a:schemeClr val="accent1"/>
+            </a:lnRef>
+            <a:fillRef idx="0">
+              <a:schemeClr val="accent1"/>
+            </a:fillRef>
+            <a:effectRef idx="1">
+              <a:schemeClr val="accent1"/>
+            </a:effectRef>
+            <a:fontRef idx="minor">
+              <a:schemeClr val="tx1"/>
+            </a:fontRef>
+          </p:style>
+        </p:cxnSp>
+        <p:sp>
+          <p:nvSpPr>
+            <p:cNvPr id="15" name="TextBox 14"/>
+            <p:cNvSpPr txBox="1"/>
+            <p:nvPr/>
+          </p:nvSpPr>
+          <p:spPr>
+            <a:xfrm>
+              <a:off x="6227939" y="2699412"/>
+              <a:ext cx="1916423" cy="677108"/>
+            </a:xfrm>
+            <a:prstGeom prst="rect">
+              <a:avLst/>
+            </a:prstGeom>
+            <a:noFill/>
+          </p:spPr>
+          <p:txBody>
+            <a:bodyPr wrap="square" rtlCol="0">
+              <a:spAutoFit/>
+            </a:bodyPr>
+            <a:lstStyle/>
+            <a:p>
+              <a:pPr algn="ctr"/>
+              <a:r>
+                <a:rPr lang="en-US" sz="2000" b="1" dirty="0" smtClean="0">
+                  <a:latin typeface="Times New Roman"/>
+                  <a:cs typeface="Times New Roman"/>
+                </a:rPr>
+                <a:t>D</a:t>
+              </a:r>
+              <a:r>
+                <a:rPr lang="en-US" b="1" dirty="0" smtClean="0">
+                  <a:latin typeface="Times New Roman"/>
+                  <a:cs typeface="Times New Roman"/>
+                </a:rPr>
+                <a:t>ADOS</a:t>
+              </a:r>
+              <a:r>
+                <a:rPr lang="en-US" sz="2000" b="1" dirty="0">
+                  <a:latin typeface="Times New Roman"/>
+                  <a:cs typeface="Times New Roman"/>
+                </a:rPr>
+                <a:t> </a:t>
+              </a:r>
+              <a:r>
+                <a:rPr lang="en-US" b="1" dirty="0" smtClean="0">
+                  <a:latin typeface="Times New Roman"/>
+                  <a:cs typeface="Times New Roman"/>
+                </a:rPr>
+                <a:t>PARA AN</a:t>
+              </a:r>
+              <a:r>
+                <a:rPr lang="en-US" b="1" dirty="0" smtClean="0">
+                  <a:latin typeface="Times New Roman"/>
+                  <a:cs typeface="Times New Roman"/>
+                </a:rPr>
+                <a:t>ÁLISE</a:t>
+              </a:r>
+              <a:endParaRPr lang="en-US" b="1" dirty="0" smtClean="0">
+                <a:latin typeface="Times New Roman"/>
+                <a:cs typeface="Times New Roman"/>
+              </a:endParaRPr>
+            </a:p>
+          </p:txBody>
+        </p:sp>
+        <p:sp>
+          <p:nvSpPr>
+            <p:cNvPr id="22" name="TextBox 21"/>
+            <p:cNvSpPr txBox="1"/>
+            <p:nvPr/>
+          </p:nvSpPr>
+          <p:spPr>
+            <a:xfrm>
+              <a:off x="3271360" y="2244616"/>
+              <a:ext cx="2003035" cy="584776"/>
+            </a:xfrm>
+            <a:prstGeom prst="rect">
+              <a:avLst/>
+            </a:prstGeom>
+            <a:noFill/>
+          </p:spPr>
+          <p:txBody>
+            <a:bodyPr wrap="none" rtlCol="0">
+              <a:spAutoFit/>
+            </a:bodyPr>
+            <a:lstStyle/>
+            <a:p>
+              <a:pPr algn="ctr"/>
+              <a:r>
+                <a:rPr lang="en-US" sz="2000" b="1" dirty="0" smtClean="0">
+                  <a:latin typeface="Times New Roman"/>
+                  <a:cs typeface="Times New Roman"/>
+                </a:rPr>
+                <a:t>D</a:t>
+              </a:r>
+              <a:r>
+                <a:rPr lang="en-US" b="1" dirty="0" smtClean="0">
+                  <a:latin typeface="Times New Roman"/>
+                  <a:cs typeface="Times New Roman"/>
+                </a:rPr>
+                <a:t>ADOS</a:t>
+              </a:r>
+              <a:r>
+                <a:rPr lang="en-US" sz="2000" b="1" dirty="0" smtClean="0">
+                  <a:latin typeface="Times New Roman"/>
+                  <a:cs typeface="Times New Roman"/>
+                </a:rPr>
+                <a:t> L</a:t>
+              </a:r>
+              <a:r>
+                <a:rPr lang="en-US" b="1" dirty="0" smtClean="0">
+                  <a:latin typeface="Times New Roman"/>
+                  <a:cs typeface="Times New Roman"/>
+                </a:rPr>
+                <a:t>IMPOS </a:t>
+              </a:r>
+            </a:p>
+            <a:p>
+              <a:pPr algn="ctr"/>
+              <a:r>
+                <a:rPr lang="en-US" sz="1200" b="1" dirty="0" smtClean="0">
+                  <a:latin typeface="Times New Roman"/>
+                  <a:cs typeface="Times New Roman"/>
+                </a:rPr>
+                <a:t>(TIDY DATA)</a:t>
+              </a:r>
+              <a:endParaRPr lang="en-US" sz="1200" b="1" dirty="0">
+                <a:latin typeface="Times New Roman"/>
+                <a:cs typeface="Times New Roman"/>
+              </a:endParaRPr>
+            </a:p>
+          </p:txBody>
+        </p:sp>
+        <p:cxnSp>
+          <p:nvCxnSpPr>
+            <p:cNvPr id="23" name="Straight Arrow Connector 22"/>
+            <p:cNvCxnSpPr>
+              <a:stCxn id="2" idx="3"/>
+              <a:endCxn id="100" idx="1"/>
+            </p:cNvCxnSpPr>
+            <p:nvPr/>
+          </p:nvCxnSpPr>
+          <p:spPr>
+            <a:xfrm>
+              <a:off x="2119266" y="3037966"/>
+              <a:ext cx="1152094" cy="368091"/>
+            </a:xfrm>
+            <a:prstGeom prst="straightConnector1">
+              <a:avLst/>
+            </a:prstGeom>
+            <a:ln w="38100" cmpd="sng">
+              <a:solidFill>
+                <a:schemeClr val="tx1"/>
+              </a:solidFill>
+              <a:headEnd type="none"/>
+              <a:tailEnd type="triangle" w="med" len="lg"/>
+            </a:ln>
+            <a:effectLst/>
+          </p:spPr>
+          <p:style>
+            <a:lnRef idx="2">
+              <a:schemeClr val="accent1"/>
+            </a:lnRef>
+            <a:fillRef idx="0">
+              <a:schemeClr val="accent1"/>
+            </a:fillRef>
+            <a:effectRef idx="1">
+              <a:schemeClr val="accent1"/>
+            </a:effectRef>
+            <a:fontRef idx="minor">
+              <a:schemeClr val="tx1"/>
+            </a:fontRef>
+          </p:style>
+        </p:cxnSp>
+        <p:cxnSp>
+          <p:nvCxnSpPr>
+            <p:cNvPr id="26" name="Straight Arrow Connector 25"/>
+            <p:cNvCxnSpPr>
+              <a:stCxn id="100" idx="3"/>
+              <a:endCxn id="15" idx="1"/>
+            </p:cNvCxnSpPr>
+            <p:nvPr/>
+          </p:nvCxnSpPr>
+          <p:spPr>
+            <a:xfrm flipV="1">
+              <a:off x="5274395" y="3037966"/>
+              <a:ext cx="953544" cy="368091"/>
+            </a:xfrm>
+            <a:prstGeom prst="straightConnector1">
+              <a:avLst/>
+            </a:prstGeom>
+            <a:ln w="38100" cmpd="sng">
+              <a:solidFill>
+                <a:schemeClr val="tx1"/>
+              </a:solidFill>
+              <a:headEnd type="none"/>
+              <a:tailEnd type="triangle" w="med" len="lg"/>
+            </a:ln>
+            <a:effectLst/>
+          </p:spPr>
+          <p:style>
+            <a:lnRef idx="2">
+              <a:schemeClr val="accent1"/>
+            </a:lnRef>
+            <a:fillRef idx="0">
+              <a:schemeClr val="accent1"/>
+            </a:fillRef>
+            <a:effectRef idx="1">
+              <a:schemeClr val="accent1"/>
+            </a:effectRef>
+            <a:fontRef idx="minor">
+              <a:schemeClr val="tx1"/>
+            </a:fontRef>
+          </p:style>
+        </p:cxnSp>
+        <p:cxnSp>
+          <p:nvCxnSpPr>
+            <p:cNvPr id="30" name="Straight Arrow Connector 29"/>
+            <p:cNvCxnSpPr>
+              <a:stCxn id="33" idx="2"/>
+            </p:cNvCxnSpPr>
+            <p:nvPr/>
+          </p:nvCxnSpPr>
+          <p:spPr>
+            <a:xfrm>
+              <a:off x="5799021" y="2009331"/>
+              <a:ext cx="11383" cy="668533"/>
+            </a:xfrm>
+            <a:prstGeom prst="straightConnector1">
+              <a:avLst/>
+            </a:prstGeom>
+            <a:ln w="38100" cmpd="sng">
+              <a:solidFill>
+                <a:schemeClr val="tx1"/>
+              </a:solidFill>
+              <a:headEnd type="none"/>
+              <a:tailEnd type="arrow"/>
+            </a:ln>
+            <a:effectLst/>
+          </p:spPr>
+          <p:style>
+            <a:lnRef idx="2">
+              <a:schemeClr val="accent1"/>
+            </a:lnRef>
+            <a:fillRef idx="0">
+              <a:schemeClr val="accent1"/>
+            </a:fillRef>
+            <a:effectRef idx="1">
+              <a:schemeClr val="accent1"/>
+            </a:effectRef>
+            <a:fontRef idx="minor">
+              <a:schemeClr val="tx1"/>
+            </a:fontRef>
+          </p:style>
+        </p:cxnSp>
+        <p:sp>
+          <p:nvSpPr>
+            <p:cNvPr id="33" name="TextBox 32"/>
+            <p:cNvSpPr txBox="1"/>
+            <p:nvPr/>
+          </p:nvSpPr>
+          <p:spPr>
+            <a:xfrm>
+              <a:off x="4777525" y="1670777"/>
+              <a:ext cx="2042992" cy="338554"/>
+            </a:xfrm>
+            <a:prstGeom prst="rect">
+              <a:avLst/>
+            </a:prstGeom>
+            <a:noFill/>
+          </p:spPr>
+          <p:txBody>
+            <a:bodyPr wrap="square" rtlCol="0">
+              <a:spAutoFit/>
+            </a:bodyPr>
+            <a:lstStyle/>
+            <a:p>
+              <a:pPr algn="ctr"/>
+              <a:r>
+                <a:rPr lang="en-US" sz="1600" dirty="0" err="1" smtClean="0">
+                  <a:latin typeface="Times New Roman"/>
+                  <a:cs typeface="Times New Roman"/>
+                </a:rPr>
+                <a:t>Integraç</a:t>
+              </a:r>
+              <a:r>
+                <a:rPr lang="en-US" sz="1600" dirty="0" err="1" smtClean="0">
+                  <a:latin typeface="Times New Roman"/>
+                  <a:cs typeface="Times New Roman"/>
+                </a:rPr>
+                <a:t>ão</a:t>
+              </a:r>
+              <a:endParaRPr lang="en-US" sz="1600" dirty="0">
+                <a:latin typeface="Times New Roman"/>
+                <a:cs typeface="Times New Roman"/>
+              </a:endParaRPr>
+            </a:p>
+          </p:txBody>
+        </p:sp>
+        <p:sp>
+          <p:nvSpPr>
+            <p:cNvPr id="38" name="TextBox 37"/>
+            <p:cNvSpPr txBox="1"/>
+            <p:nvPr/>
+          </p:nvSpPr>
+          <p:spPr>
+            <a:xfrm>
+              <a:off x="3904822" y="4204547"/>
+              <a:ext cx="1916423" cy="400110"/>
+            </a:xfrm>
+            <a:prstGeom prst="rect">
+              <a:avLst/>
+            </a:prstGeom>
+            <a:noFill/>
+          </p:spPr>
+          <p:txBody>
+            <a:bodyPr wrap="square" rtlCol="0">
+              <a:spAutoFit/>
+            </a:bodyPr>
+            <a:lstStyle/>
+            <a:p>
+              <a:pPr algn="ctr"/>
+              <a:r>
+                <a:rPr lang="en-US" sz="2000" b="1" dirty="0" smtClean="0">
+                  <a:latin typeface="Times New Roman"/>
+                  <a:cs typeface="Times New Roman"/>
+                </a:rPr>
+                <a:t>R</a:t>
+              </a:r>
+              <a:r>
+                <a:rPr lang="en-US" b="1" dirty="0" smtClean="0">
+                  <a:latin typeface="Times New Roman"/>
+                  <a:cs typeface="Times New Roman"/>
+                </a:rPr>
+                <a:t>ESULTADOS</a:t>
+              </a:r>
+            </a:p>
+          </p:txBody>
+        </p:sp>
+        <p:cxnSp>
+          <p:nvCxnSpPr>
+            <p:cNvPr id="35" name="Curved Connector 34"/>
+            <p:cNvCxnSpPr>
+              <a:stCxn id="15" idx="2"/>
+              <a:endCxn id="38" idx="3"/>
+            </p:cNvCxnSpPr>
+            <p:nvPr/>
+          </p:nvCxnSpPr>
+          <p:spPr>
+            <a:xfrm rot="5400000">
+              <a:off x="5989657" y="3208108"/>
+              <a:ext cx="1028082" cy="1364906"/>
+            </a:xfrm>
+            <a:prstGeom prst="curvedConnector2">
+              <a:avLst/>
+            </a:prstGeom>
+            <a:ln w="38100" cmpd="sng">
+              <a:solidFill>
+                <a:schemeClr val="tx1"/>
+              </a:solidFill>
+              <a:headEnd type="none"/>
+              <a:tailEnd type="triangle" w="med" len="lg"/>
+            </a:ln>
+          </p:spPr>
+          <p:style>
+            <a:lnRef idx="2">
+              <a:schemeClr val="accent1"/>
+            </a:lnRef>
+            <a:fillRef idx="0">
+              <a:schemeClr val="accent1"/>
+            </a:fillRef>
+            <a:effectRef idx="1">
+              <a:schemeClr val="accent1"/>
+            </a:effectRef>
+            <a:fontRef idx="minor">
+              <a:schemeClr val="tx1"/>
+            </a:fontRef>
+          </p:style>
+        </p:cxnSp>
+        <p:cxnSp>
+          <p:nvCxnSpPr>
+            <p:cNvPr id="42" name="Curved Connector 41"/>
+            <p:cNvCxnSpPr>
+              <a:stCxn id="38" idx="1"/>
+              <a:endCxn id="2" idx="2"/>
+            </p:cNvCxnSpPr>
+            <p:nvPr/>
+          </p:nvCxnSpPr>
+          <p:spPr>
+            <a:xfrm rot="10800000">
+              <a:off x="1100504" y="3330354"/>
+              <a:ext cx="2804318" cy="1074248"/>
+            </a:xfrm>
+            <a:prstGeom prst="curvedConnector2">
+              <a:avLst/>
+            </a:prstGeom>
+            <a:ln w="38100" cmpd="sng">
+              <a:solidFill>
+                <a:schemeClr val="tx1"/>
+              </a:solidFill>
+              <a:headEnd type="none"/>
+              <a:tailEnd type="triangle" w="med" len="lg"/>
+            </a:ln>
+          </p:spPr>
+          <p:style>
+            <a:lnRef idx="2">
+              <a:schemeClr val="accent1"/>
+            </a:lnRef>
+            <a:fillRef idx="0">
+              <a:schemeClr val="accent1"/>
+            </a:fillRef>
+            <a:effectRef idx="1">
+              <a:schemeClr val="accent1"/>
+            </a:effectRef>
+            <a:fontRef idx="minor">
+              <a:schemeClr val="tx1"/>
+            </a:fontRef>
+          </p:style>
+        </p:cxnSp>
+      </p:grpSp>
+    </p:spTree>
+    <p:extLst>
+      <p:ext uri="{BB962C8B-B14F-4D97-AF65-F5344CB8AC3E}">
+        <p14:creationId xmlns:p14="http://schemas.microsoft.com/office/powerpoint/2010/main" val="1306183070"/>
+      </p:ext>
+    </p:extLst>
+  </p:cSld>
+  <p:clrMapOvr>
+    <a:masterClrMapping/>
+  </p:clrMapOvr>
+  <p:timing>
+    <p:tnLst>
+      <p:par>
+        <p:cTn xmlns:p14="http://schemas.microsoft.com/office/powerpoint/2010/main" id="1" dur="indefinite" restart="never" nodeType="tmRoot"/>
+      </p:par>
+    </p:tnLst>
+  </p:timing>
+</p:sld>
+</file>
+
+<file path=ppt/slides/slide4.xml><?xml version="1.0" encoding="utf-8"?>
+<p:sld xmlns:a="http://schemas.openxmlformats.org/drawingml/2006/main" xmlns:r="http://schemas.openxmlformats.org/officeDocument/2006/relationships" xmlns:p="http://schemas.openxmlformats.org/presentationml/2006/main">
+  <p:cSld>
+    <p:spTree>
+      <p:nvGrpSpPr>
+        <p:cNvPr id="1" name=""/>
+        <p:cNvGrpSpPr/>
+        <p:nvPr/>
+      </p:nvGrpSpPr>
+      <p:grpSpPr>
+        <a:xfrm>
+          <a:off x="0" y="0"/>
+          <a:ext cx="0" cy="0"/>
+          <a:chOff x="0" y="0"/>
+          <a:chExt cx="0" cy="0"/>
+        </a:xfrm>
+      </p:grpSpPr>
+      <p:sp>
+        <p:nvSpPr>
+          <p:cNvPr id="21" name="Rectangle 20"/>
+          <p:cNvSpPr/>
+          <p:nvPr/>
+        </p:nvSpPr>
+        <p:spPr>
+          <a:xfrm>
+            <a:off x="432525" y="414103"/>
+            <a:ext cx="6984825" cy="5742223"/>
+          </a:xfrm>
+          <a:prstGeom prst="rect">
+            <a:avLst/>
+          </a:prstGeom>
+          <a:solidFill>
+            <a:srgbClr val="FFFFFF"/>
+          </a:solidFill>
+          <a:ln>
+            <a:noFill/>
+          </a:ln>
+          <a:effectLst/>
+        </p:spPr>
+        <p:style>
+          <a:lnRef idx="1">
+            <a:schemeClr val="accent1"/>
+          </a:lnRef>
+          <a:fillRef idx="3">
+            <a:schemeClr val="accent1"/>
+          </a:fillRef>
+          <a:effectRef idx="2">
+            <a:schemeClr val="accent1"/>
+          </a:effectRef>
+          <a:fontRef idx="minor">
+            <a:schemeClr val="lt1"/>
+          </a:fontRef>
+        </p:style>
+        <p:txBody>
+          <a:bodyPr rtlCol="0" anchor="ctr"/>
+          <a:lstStyle/>
+          <a:p>
+            <a:pPr algn="ctr"/>
+            <a:endParaRPr lang="en-US"/>
+          </a:p>
+        </p:txBody>
+      </p:sp>
+      <p:graphicFrame>
+        <p:nvGraphicFramePr>
+          <p:cNvPr id="3" name="Table 2"/>
+          <p:cNvGraphicFramePr>
+            <a:graphicFrameLocks noGrp="1"/>
+          </p:cNvGraphicFramePr>
+          <p:nvPr>
+            <p:extLst>
+              <p:ext uri="{D42A27DB-BD31-4B8C-83A1-F6EECF244321}">
+                <p14:modId xmlns:p14="http://schemas.microsoft.com/office/powerpoint/2010/main" val="4242290987"/>
+              </p:ext>
+            </p:extLst>
+          </p:nvPr>
+        </p:nvGraphicFramePr>
+        <p:xfrm>
+          <a:off x="2209598" y="1574677"/>
+          <a:ext cx="2295108" cy="1188720"/>
+        </p:xfrm>
+        <a:graphic>
+          <a:graphicData uri="http://schemas.openxmlformats.org/drawingml/2006/table">
+            <a:tbl>
+              <a:tblPr firstRow="1" bandRow="1">
+                <a:tableStyleId>{5C22544A-7EE6-4342-B048-85BDC9FD1C3A}</a:tableStyleId>
+              </a:tblPr>
+              <a:tblGrid>
+                <a:gridCol w="573777"/>
+                <a:gridCol w="573777"/>
+                <a:gridCol w="573777"/>
+                <a:gridCol w="573777"/>
+              </a:tblGrid>
+              <a:tr h="283407">
+                <a:tc>
+                  <a:txBody>
+                    <a:bodyPr/>
+                    <a:lstStyle/>
+                    <a:p>
+                      <a:pPr algn="ctr"/>
+                      <a:r>
+                        <a:rPr lang="en-US" b="0" dirty="0" smtClean="0">
+                          <a:solidFill>
+                            <a:schemeClr val="tx1"/>
+                          </a:solidFill>
+                          <a:latin typeface="Times New Roman"/>
+                          <a:cs typeface="Times New Roman"/>
+                        </a:rPr>
+                        <a:t>site</a:t>
+                      </a:r>
+                      <a:endParaRPr lang="en-US" b="0" dirty="0">
+                        <a:solidFill>
+                          <a:schemeClr val="tx1"/>
+                        </a:solidFill>
+                        <a:latin typeface="Times New Roman"/>
+                        <a:cs typeface="Times New Roman"/>
+                      </a:endParaRPr>
+                    </a:p>
+                  </a:txBody>
+                  <a:tcPr anchor="ctr">
+                    <a:lnL w="12700" cmpd="sng">
+                      <a:noFill/>
+                    </a:lnL>
+                    <a:lnR w="12700" cap="flat" cmpd="sng" algn="ctr">
+                      <a:solidFill>
+                        <a:scrgbClr r="0" g="0" b="0"/>
+                      </a:solidFill>
+                      <a:prstDash val="solid"/>
+                      <a:round/>
+                      <a:headEnd type="none" w="med" len="med"/>
+                      <a:tailEnd type="none" w="med" len="med"/>
+                    </a:lnR>
+                    <a:lnT w="12700" cmpd="sng">
+                      <a:noFill/>
+                    </a:lnT>
+                    <a:lnB w="12700" cap="flat" cmpd="sng" algn="ctr">
+                      <a:solidFill>
+                        <a:scrgbClr r="0" g="0" b="0"/>
+                      </a:solidFill>
+                      <a:prstDash val="solid"/>
+                      <a:round/>
+                      <a:headEnd type="none" w="med" len="med"/>
+                      <a:tailEnd type="none" w="med" len="med"/>
+                    </a:lnB>
+                    <a:lnTlToBr w="12700" cmpd="sng">
+                      <a:noFill/>
+                      <a:prstDash val="solid"/>
+                    </a:lnTlToBr>
+                    <a:lnBlToTr w="12700" cmpd="sng">
+                      <a:noFill/>
+                      <a:prstDash val="solid"/>
+                    </a:lnBlToTr>
+                    <a:solidFill>
+                      <a:schemeClr val="bg1"/>
+                    </a:solidFill>
+                  </a:tcPr>
+                </a:tc>
+                <a:tc>
+                  <a:txBody>
+                    <a:bodyPr/>
+                    <a:lstStyle/>
+                    <a:p>
+                      <a:pPr algn="ctr"/>
+                      <a:r>
+                        <a:rPr lang="en-US" b="0" dirty="0" smtClean="0">
+                          <a:solidFill>
+                            <a:schemeClr val="tx1"/>
+                          </a:solidFill>
+                          <a:latin typeface="Times New Roman"/>
+                          <a:cs typeface="Times New Roman"/>
+                        </a:rPr>
+                        <a:t>sp1</a:t>
+                      </a:r>
+                      <a:endParaRPr lang="en-US" b="0" dirty="0">
+                        <a:solidFill>
+                          <a:schemeClr val="tx1"/>
+                        </a:solidFill>
+                        <a:latin typeface="Times New Roman"/>
+                        <a:cs typeface="Times New Roman"/>
+                      </a:endParaRPr>
+                    </a:p>
+                  </a:txBody>
+                  <a:tcPr anchor="ctr">
+                    <a:lnL w="12700" cap="flat" cmpd="sng" algn="ctr">
+                      <a:solidFill>
+                        <a:scrgbClr r="0" g="0" b="0"/>
+                      </a:solidFill>
+                      <a:prstDash val="solid"/>
+                      <a:round/>
+                      <a:headEnd type="none" w="med" len="med"/>
+                      <a:tailEnd type="none" w="med" len="med"/>
+                    </a:lnL>
+                    <a:lnR w="12700" cap="flat" cmpd="sng" algn="ctr">
+                      <a:solidFill>
+                        <a:scrgbClr r="0" g="0" b="0"/>
+                      </a:solidFill>
+                      <a:prstDash val="solid"/>
+                      <a:round/>
+                      <a:headEnd type="none" w="med" len="med"/>
+                      <a:tailEnd type="none" w="med" len="med"/>
+                    </a:lnR>
+                    <a:lnT w="12700" cmpd="sng">
+                      <a:noFill/>
+                    </a:lnT>
+                    <a:lnB w="12700" cap="flat" cmpd="sng" algn="ctr">
+                      <a:solidFill>
+                        <a:scrgbClr r="0" g="0" b="0"/>
+                      </a:solidFill>
+                      <a:prstDash val="solid"/>
+                      <a:round/>
+                      <a:headEnd type="none" w="med" len="med"/>
+                      <a:tailEnd type="none" w="med" len="med"/>
+                    </a:lnB>
+                    <a:lnTlToBr w="12700" cmpd="sng">
+                      <a:noFill/>
+                      <a:prstDash val="solid"/>
+                    </a:lnTlToBr>
+                    <a:lnBlToTr w="12700" cmpd="sng">
+                      <a:noFill/>
+                      <a:prstDash val="solid"/>
+                    </a:lnBlToTr>
+                    <a:solidFill>
+                      <a:schemeClr val="bg1"/>
+                    </a:solidFill>
+                  </a:tcPr>
+                </a:tc>
+                <a:tc>
+                  <a:txBody>
+                    <a:bodyPr/>
+                    <a:lstStyle/>
+                    <a:p>
+                      <a:pPr algn="ctr"/>
+                      <a:r>
+                        <a:rPr lang="en-US" b="0" dirty="0" smtClean="0">
+                          <a:solidFill>
+                            <a:schemeClr val="tx1"/>
+                          </a:solidFill>
+                          <a:latin typeface="Times New Roman"/>
+                          <a:cs typeface="Times New Roman"/>
+                        </a:rPr>
+                        <a:t>sp2</a:t>
+                      </a:r>
+                      <a:endParaRPr lang="en-US" b="0" dirty="0">
+                        <a:solidFill>
+                          <a:schemeClr val="tx1"/>
+                        </a:solidFill>
+                        <a:latin typeface="Times New Roman"/>
+                        <a:cs typeface="Times New Roman"/>
+                      </a:endParaRPr>
+                    </a:p>
+                  </a:txBody>
+                  <a:tcPr anchor="ctr">
+                    <a:lnL w="12700" cap="flat" cmpd="sng" algn="ctr">
+                      <a:solidFill>
+                        <a:scrgbClr r="0" g="0" b="0"/>
+                      </a:solidFill>
+                      <a:prstDash val="solid"/>
+                      <a:round/>
+                      <a:headEnd type="none" w="med" len="med"/>
+                      <a:tailEnd type="none" w="med" len="med"/>
+                    </a:lnL>
+                    <a:lnR w="12700" cap="flat" cmpd="sng" algn="ctr">
+                      <a:solidFill>
+                        <a:scrgbClr r="0" g="0" b="0"/>
+                      </a:solidFill>
+                      <a:prstDash val="solid"/>
+                      <a:round/>
+                      <a:headEnd type="none" w="med" len="med"/>
+                      <a:tailEnd type="none" w="med" len="med"/>
+                    </a:lnR>
+                    <a:lnT w="12700" cmpd="sng">
+                      <a:noFill/>
+                    </a:lnT>
+                    <a:lnB w="12700" cap="flat" cmpd="sng" algn="ctr">
+                      <a:solidFill>
+                        <a:scrgbClr r="0" g="0" b="0"/>
+                      </a:solidFill>
+                      <a:prstDash val="solid"/>
+                      <a:round/>
+                      <a:headEnd type="none" w="med" len="med"/>
+                      <a:tailEnd type="none" w="med" len="med"/>
+                    </a:lnB>
+                    <a:lnTlToBr w="12700" cmpd="sng">
+                      <a:noFill/>
+                      <a:prstDash val="solid"/>
+                    </a:lnTlToBr>
+                    <a:lnBlToTr w="12700" cmpd="sng">
+                      <a:noFill/>
+                      <a:prstDash val="solid"/>
+                    </a:lnBlToTr>
+                    <a:solidFill>
+                      <a:schemeClr val="bg1"/>
+                    </a:solidFill>
+                  </a:tcPr>
+                </a:tc>
+                <a:tc>
+                  <a:txBody>
+                    <a:bodyPr/>
+                    <a:lstStyle/>
+                    <a:p>
+                      <a:pPr algn="ctr"/>
+                      <a:r>
+                        <a:rPr lang="en-US" b="0" dirty="0" smtClean="0">
+                          <a:solidFill>
+                            <a:schemeClr val="tx1"/>
+                          </a:solidFill>
+                          <a:latin typeface="Times New Roman"/>
+                          <a:cs typeface="Times New Roman"/>
+                        </a:rPr>
+                        <a:t>sp3</a:t>
+                      </a:r>
+                      <a:endParaRPr lang="en-US" b="0" dirty="0">
+                        <a:solidFill>
+                          <a:schemeClr val="tx1"/>
+                        </a:solidFill>
+                        <a:latin typeface="Times New Roman"/>
+                        <a:cs typeface="Times New Roman"/>
+                      </a:endParaRPr>
+                    </a:p>
+                  </a:txBody>
+                  <a:tcPr anchor="ctr">
+                    <a:lnL w="12700" cap="flat" cmpd="sng" algn="ctr">
+                      <a:solidFill>
+                        <a:scrgbClr r="0" g="0" b="0"/>
+                      </a:solidFill>
+                      <a:prstDash val="solid"/>
+                      <a:round/>
+                      <a:headEnd type="none" w="med" len="med"/>
+                      <a:tailEnd type="none" w="med" len="med"/>
+                    </a:lnL>
+                    <a:lnR w="12700" cmpd="sng">
+                      <a:noFill/>
+                    </a:lnR>
+                    <a:lnT w="12700" cmpd="sng">
+                      <a:noFill/>
+                    </a:lnT>
+                    <a:lnB w="12700" cap="flat" cmpd="sng" algn="ctr">
+                      <a:solidFill>
+                        <a:scrgbClr r="0" g="0" b="0"/>
+                      </a:solidFill>
+                      <a:prstDash val="solid"/>
+                      <a:round/>
+                      <a:headEnd type="none" w="med" len="med"/>
+                      <a:tailEnd type="none" w="med" len="med"/>
+                    </a:lnB>
+                    <a:lnTlToBr w="12700" cmpd="sng">
+                      <a:noFill/>
+                      <a:prstDash val="solid"/>
+                    </a:lnTlToBr>
+                    <a:lnBlToTr w="12700" cmpd="sng">
+                      <a:noFill/>
+                      <a:prstDash val="solid"/>
+                    </a:lnBlToTr>
+                    <a:solidFill>
+                      <a:schemeClr val="bg1"/>
+                    </a:solidFill>
+                  </a:tcPr>
+                </a:tc>
+              </a:tr>
+              <a:tr h="283407">
+                <a:tc>
+                  <a:txBody>
+                    <a:bodyPr/>
+                    <a:lstStyle/>
+                    <a:p>
+                      <a:pPr algn="ctr"/>
+                      <a:r>
+                        <a:rPr lang="en-US" b="0" dirty="0" smtClean="0">
+                          <a:solidFill>
+                            <a:schemeClr val="tx1"/>
+                          </a:solidFill>
+                          <a:latin typeface="Times New Roman"/>
+                          <a:cs typeface="Times New Roman"/>
+                        </a:rPr>
+                        <a:t>site1</a:t>
+                      </a:r>
+                      <a:endParaRPr lang="en-US" b="0" dirty="0">
+                        <a:solidFill>
+                          <a:schemeClr val="tx1"/>
+                        </a:solidFill>
+                        <a:latin typeface="Times New Roman"/>
+                        <a:cs typeface="Times New Roman"/>
+                      </a:endParaRPr>
+                    </a:p>
+                  </a:txBody>
+                  <a:tcPr anchor="ctr">
+                    <a:lnL w="12700" cmpd="sng">
+                      <a:noFill/>
+                    </a:lnL>
+                    <a:lnR w="12700" cap="flat" cmpd="sng" algn="ctr">
+                      <a:solidFill>
+                        <a:scrgbClr r="0" g="0" b="0"/>
+                      </a:solidFill>
+                      <a:prstDash val="solid"/>
+                      <a:round/>
+                      <a:headEnd type="none" w="med" len="med"/>
+                      <a:tailEnd type="none" w="med" len="med"/>
+                    </a:lnR>
+                    <a:lnT w="12700" cap="flat" cmpd="sng" algn="ctr">
+                      <a:solidFill>
+                        <a:scrgbClr r="0" g="0" b="0"/>
+                      </a:solidFill>
+                      <a:prstDash val="solid"/>
+                      <a:round/>
+                      <a:headEnd type="none" w="med" len="med"/>
+                      <a:tailEnd type="none" w="med" len="med"/>
+                    </a:lnT>
+                    <a:lnB w="12700" cap="flat" cmpd="sng" algn="ctr">
+                      <a:solidFill>
+                        <a:scrgbClr r="0" g="0" b="0"/>
+                      </a:solidFill>
+                      <a:prstDash val="solid"/>
+                      <a:round/>
+                      <a:headEnd type="none" w="med" len="med"/>
+                      <a:tailEnd type="none" w="med" len="med"/>
+                    </a:lnB>
+                    <a:lnTlToBr w="12700" cmpd="sng">
+                      <a:noFill/>
+                      <a:prstDash val="solid"/>
+                    </a:lnTlToBr>
+                    <a:lnBlToTr w="12700" cmpd="sng">
+                      <a:noFill/>
+                      <a:prstDash val="solid"/>
+                    </a:lnBlToTr>
+                    <a:solidFill>
+                      <a:schemeClr val="bg1"/>
+                    </a:solidFill>
+                  </a:tcPr>
+                </a:tc>
+                <a:tc>
+                  <a:txBody>
+                    <a:bodyPr/>
+                    <a:lstStyle/>
+                    <a:p>
+                      <a:pPr algn="ctr"/>
+                      <a:r>
+                        <a:rPr lang="en-US" b="0" dirty="0" smtClean="0">
+                          <a:solidFill>
+                            <a:schemeClr val="tx1"/>
+                          </a:solidFill>
+                          <a:latin typeface="Times New Roman"/>
+                          <a:cs typeface="Times New Roman"/>
+                        </a:rPr>
+                        <a:t>20</a:t>
+                      </a:r>
+                      <a:endParaRPr lang="en-US" b="0" dirty="0">
+                        <a:solidFill>
+                          <a:schemeClr val="tx1"/>
+                        </a:solidFill>
+                        <a:latin typeface="Times New Roman"/>
+                        <a:cs typeface="Times New Roman"/>
+                      </a:endParaRPr>
+                    </a:p>
+                  </a:txBody>
+                  <a:tcPr anchor="ctr">
+                    <a:lnL w="12700" cap="flat" cmpd="sng" algn="ctr">
+                      <a:solidFill>
+                        <a:scrgbClr r="0" g="0" b="0"/>
+                      </a:solidFill>
+                      <a:prstDash val="solid"/>
+                      <a:round/>
+                      <a:headEnd type="none" w="med" len="med"/>
+                      <a:tailEnd type="none" w="med" len="med"/>
+                    </a:lnL>
+                    <a:lnR w="12700" cap="flat" cmpd="sng" algn="ctr">
+                      <a:solidFill>
+                        <a:scrgbClr r="0" g="0" b="0"/>
+                      </a:solidFill>
+                      <a:prstDash val="solid"/>
+                      <a:round/>
+                      <a:headEnd type="none" w="med" len="med"/>
+                      <a:tailEnd type="none" w="med" len="med"/>
+                    </a:lnR>
+                    <a:lnT w="12700" cap="flat" cmpd="sng" algn="ctr">
+                      <a:solidFill>
+                        <a:scrgbClr r="0" g="0" b="0"/>
+                      </a:solidFill>
+                      <a:prstDash val="solid"/>
+                      <a:round/>
+                      <a:headEnd type="none" w="med" len="med"/>
+                      <a:tailEnd type="none" w="med" len="med"/>
+                    </a:lnT>
+                    <a:lnB w="12700" cap="flat" cmpd="sng" algn="ctr">
+                      <a:solidFill>
+                        <a:scrgbClr r="0" g="0" b="0"/>
+                      </a:solidFill>
+                      <a:prstDash val="solid"/>
+                      <a:round/>
+                      <a:headEnd type="none" w="med" len="med"/>
+                      <a:tailEnd type="none" w="med" len="med"/>
+                    </a:lnB>
+                    <a:lnTlToBr w="12700" cmpd="sng">
+                      <a:noFill/>
+                      <a:prstDash val="solid"/>
+                    </a:lnTlToBr>
+                    <a:lnBlToTr w="12700" cmpd="sng">
+                      <a:noFill/>
+                      <a:prstDash val="solid"/>
+                    </a:lnBlToTr>
+                    <a:solidFill>
+                      <a:schemeClr val="bg1"/>
+                    </a:solidFill>
+                  </a:tcPr>
+                </a:tc>
+                <a:tc>
+                  <a:txBody>
+                    <a:bodyPr/>
+                    <a:lstStyle/>
+                    <a:p>
+                      <a:pPr algn="ctr"/>
+                      <a:r>
+                        <a:rPr lang="en-US" b="0" dirty="0" smtClean="0">
+                          <a:solidFill>
+                            <a:schemeClr val="tx1"/>
+                          </a:solidFill>
+                          <a:latin typeface="Times New Roman"/>
+                          <a:cs typeface="Times New Roman"/>
+                        </a:rPr>
+                        <a:t>10</a:t>
+                      </a:r>
+                      <a:endParaRPr lang="en-US" b="0" dirty="0">
+                        <a:solidFill>
+                          <a:schemeClr val="tx1"/>
+                        </a:solidFill>
+                        <a:latin typeface="Times New Roman"/>
+                        <a:cs typeface="Times New Roman"/>
+                      </a:endParaRPr>
+                    </a:p>
+                  </a:txBody>
+                  <a:tcPr anchor="ctr">
+                    <a:lnL w="12700" cap="flat" cmpd="sng" algn="ctr">
+                      <a:solidFill>
+                        <a:scrgbClr r="0" g="0" b="0"/>
+                      </a:solidFill>
+                      <a:prstDash val="solid"/>
+                      <a:round/>
+                      <a:headEnd type="none" w="med" len="med"/>
+                      <a:tailEnd type="none" w="med" len="med"/>
+                    </a:lnL>
+                    <a:lnR w="12700" cap="flat" cmpd="sng" algn="ctr">
+                      <a:solidFill>
+                        <a:scrgbClr r="0" g="0" b="0"/>
+                      </a:solidFill>
+                      <a:prstDash val="solid"/>
+                      <a:round/>
+                      <a:headEnd type="none" w="med" len="med"/>
+                      <a:tailEnd type="none" w="med" len="med"/>
+                    </a:lnR>
+                    <a:lnT w="12700" cap="flat" cmpd="sng" algn="ctr">
+                      <a:solidFill>
+                        <a:scrgbClr r="0" g="0" b="0"/>
+                      </a:solidFill>
+                      <a:prstDash val="solid"/>
+                      <a:round/>
+                      <a:headEnd type="none" w="med" len="med"/>
+                      <a:tailEnd type="none" w="med" len="med"/>
+                    </a:lnT>
+                    <a:lnB w="12700" cap="flat" cmpd="sng" algn="ctr">
+                      <a:solidFill>
+                        <a:scrgbClr r="0" g="0" b="0"/>
+                      </a:solidFill>
+                      <a:prstDash val="solid"/>
+                      <a:round/>
+                      <a:headEnd type="none" w="med" len="med"/>
+                      <a:tailEnd type="none" w="med" len="med"/>
+                    </a:lnB>
+                    <a:lnTlToBr w="12700" cmpd="sng">
+                      <a:noFill/>
+                      <a:prstDash val="solid"/>
+                    </a:lnTlToBr>
+                    <a:lnBlToTr w="12700" cmpd="sng">
+                      <a:noFill/>
+                      <a:prstDash val="solid"/>
+                    </a:lnBlToTr>
+                    <a:solidFill>
+                      <a:schemeClr val="bg1"/>
+                    </a:solidFill>
+                  </a:tcPr>
+                </a:tc>
+                <a:tc>
+                  <a:txBody>
+                    <a:bodyPr/>
+                    <a:lstStyle/>
+                    <a:p>
+                      <a:pPr algn="ctr"/>
+                      <a:r>
+                        <a:rPr lang="en-US" b="0" dirty="0" smtClean="0">
+                          <a:solidFill>
+                            <a:schemeClr val="tx1"/>
+                          </a:solidFill>
+                          <a:latin typeface="Times New Roman"/>
+                          <a:cs typeface="Times New Roman"/>
+                        </a:rPr>
+                        <a:t>0</a:t>
+                      </a:r>
+                      <a:endParaRPr lang="en-US" b="0" dirty="0">
+                        <a:solidFill>
+                          <a:schemeClr val="tx1"/>
+                        </a:solidFill>
+                        <a:latin typeface="Times New Roman"/>
+                        <a:cs typeface="Times New Roman"/>
+                      </a:endParaRPr>
+                    </a:p>
+                  </a:txBody>
+                  <a:tcPr anchor="ctr">
+                    <a:lnL w="12700" cap="flat" cmpd="sng" algn="ctr">
+                      <a:solidFill>
+                        <a:scrgbClr r="0" g="0" b="0"/>
+                      </a:solidFill>
+                      <a:prstDash val="solid"/>
+                      <a:round/>
+                      <a:headEnd type="none" w="med" len="med"/>
+                      <a:tailEnd type="none" w="med" len="med"/>
+                    </a:lnL>
+                    <a:lnR w="12700" cmpd="sng">
+                      <a:noFill/>
+                    </a:lnR>
+                    <a:lnT w="12700" cap="flat" cmpd="sng" algn="ctr">
+                      <a:solidFill>
+                        <a:scrgbClr r="0" g="0" b="0"/>
+                      </a:solidFill>
+                      <a:prstDash val="solid"/>
+                      <a:round/>
+                      <a:headEnd type="none" w="med" len="med"/>
+                      <a:tailEnd type="none" w="med" len="med"/>
+                    </a:lnT>
+                    <a:lnB w="12700" cap="flat" cmpd="sng" algn="ctr">
+                      <a:solidFill>
+                        <a:scrgbClr r="0" g="0" b="0"/>
+                      </a:solidFill>
+                      <a:prstDash val="solid"/>
+                      <a:round/>
+                      <a:headEnd type="none" w="med" len="med"/>
+                      <a:tailEnd type="none" w="med" len="med"/>
+                    </a:lnB>
+                    <a:lnTlToBr w="12700" cmpd="sng">
+                      <a:noFill/>
+                      <a:prstDash val="solid"/>
+                    </a:lnTlToBr>
+                    <a:lnBlToTr w="12700" cmpd="sng">
+                      <a:noFill/>
+                      <a:prstDash val="solid"/>
+                    </a:lnBlToTr>
+                    <a:solidFill>
+                      <a:schemeClr val="bg1"/>
+                    </a:solidFill>
+                  </a:tcPr>
+                </a:tc>
+              </a:tr>
+              <a:tr h="283407">
+                <a:tc>
+                  <a:txBody>
+                    <a:bodyPr/>
+                    <a:lstStyle/>
+                    <a:p>
+                      <a:pPr algn="ctr"/>
+                      <a:r>
+                        <a:rPr lang="en-US" b="0" dirty="0" smtClean="0">
+                          <a:solidFill>
+                            <a:schemeClr val="tx1"/>
+                          </a:solidFill>
+                          <a:latin typeface="Times New Roman"/>
+                          <a:cs typeface="Times New Roman"/>
+                        </a:rPr>
+                        <a:t>site2</a:t>
+                      </a:r>
+                      <a:endParaRPr lang="en-US" b="0" dirty="0">
+                        <a:solidFill>
+                          <a:schemeClr val="tx1"/>
+                        </a:solidFill>
+                        <a:latin typeface="Times New Roman"/>
+                        <a:cs typeface="Times New Roman"/>
+                      </a:endParaRPr>
+                    </a:p>
+                  </a:txBody>
+                  <a:tcPr anchor="ctr">
+                    <a:lnL w="12700" cmpd="sng">
+                      <a:noFill/>
+                    </a:lnL>
+                    <a:lnR w="12700" cap="flat" cmpd="sng" algn="ctr">
+                      <a:solidFill>
+                        <a:scrgbClr r="0" g="0" b="0"/>
+                      </a:solidFill>
+                      <a:prstDash val="solid"/>
+                      <a:round/>
+                      <a:headEnd type="none" w="med" len="med"/>
+                      <a:tailEnd type="none" w="med" len="med"/>
+                    </a:lnR>
+                    <a:lnT w="12700" cap="flat" cmpd="sng" algn="ctr">
+                      <a:solidFill>
+                        <a:scrgbClr r="0" g="0" b="0"/>
+                      </a:solidFill>
+                      <a:prstDash val="solid"/>
+                      <a:round/>
+                      <a:headEnd type="none" w="med" len="med"/>
+                      <a:tailEnd type="none" w="med" len="med"/>
+                    </a:lnT>
+                    <a:lnB w="12700" cap="flat" cmpd="sng" algn="ctr">
+                      <a:solidFill>
+                        <a:scrgbClr r="0" g="0" b="0"/>
+                      </a:solidFill>
+                      <a:prstDash val="solid"/>
+                      <a:round/>
+                      <a:headEnd type="none" w="med" len="med"/>
+                      <a:tailEnd type="none" w="med" len="med"/>
+                    </a:lnB>
+                    <a:lnTlToBr w="12700" cmpd="sng">
+                      <a:noFill/>
+                      <a:prstDash val="solid"/>
+                    </a:lnTlToBr>
+                    <a:lnBlToTr w="12700" cmpd="sng">
+                      <a:noFill/>
+                      <a:prstDash val="solid"/>
+                    </a:lnBlToTr>
+                    <a:solidFill>
+                      <a:schemeClr val="bg1"/>
+                    </a:solidFill>
+                  </a:tcPr>
+                </a:tc>
+                <a:tc>
+                  <a:txBody>
+                    <a:bodyPr/>
+                    <a:lstStyle/>
+                    <a:p>
+                      <a:pPr algn="ctr"/>
+                      <a:r>
+                        <a:rPr lang="en-US" b="0" dirty="0" smtClean="0">
+                          <a:solidFill>
+                            <a:schemeClr val="tx1"/>
+                          </a:solidFill>
+                          <a:latin typeface="Times New Roman"/>
+                          <a:cs typeface="Times New Roman"/>
+                        </a:rPr>
+                        <a:t>5</a:t>
+                      </a:r>
+                      <a:endParaRPr lang="en-US" b="0" dirty="0">
+                        <a:solidFill>
+                          <a:schemeClr val="tx1"/>
+                        </a:solidFill>
+                        <a:latin typeface="Times New Roman"/>
+                        <a:cs typeface="Times New Roman"/>
+                      </a:endParaRPr>
+                    </a:p>
+                  </a:txBody>
+                  <a:tcPr anchor="ctr">
+                    <a:lnL w="12700" cap="flat" cmpd="sng" algn="ctr">
+                      <a:solidFill>
+                        <a:scrgbClr r="0" g="0" b="0"/>
+                      </a:solidFill>
+                      <a:prstDash val="solid"/>
+                      <a:round/>
+                      <a:headEnd type="none" w="med" len="med"/>
+                      <a:tailEnd type="none" w="med" len="med"/>
+                    </a:lnL>
+                    <a:lnR w="12700" cap="flat" cmpd="sng" algn="ctr">
+                      <a:solidFill>
+                        <a:scrgbClr r="0" g="0" b="0"/>
+                      </a:solidFill>
+                      <a:prstDash val="solid"/>
+                      <a:round/>
+                      <a:headEnd type="none" w="med" len="med"/>
+                      <a:tailEnd type="none" w="med" len="med"/>
+                    </a:lnR>
+                    <a:lnT w="12700" cap="flat" cmpd="sng" algn="ctr">
+                      <a:solidFill>
+                        <a:scrgbClr r="0" g="0" b="0"/>
+                      </a:solidFill>
+                      <a:prstDash val="solid"/>
+                      <a:round/>
+                      <a:headEnd type="none" w="med" len="med"/>
+                      <a:tailEnd type="none" w="med" len="med"/>
+                    </a:lnT>
+                    <a:lnB w="12700" cap="flat" cmpd="sng" algn="ctr">
+                      <a:solidFill>
+                        <a:scrgbClr r="0" g="0" b="0"/>
+                      </a:solidFill>
+                      <a:prstDash val="solid"/>
+                      <a:round/>
+                      <a:headEnd type="none" w="med" len="med"/>
+                      <a:tailEnd type="none" w="med" len="med"/>
+                    </a:lnB>
+                    <a:lnTlToBr w="12700" cmpd="sng">
+                      <a:noFill/>
+                      <a:prstDash val="solid"/>
+                    </a:lnTlToBr>
+                    <a:lnBlToTr w="12700" cmpd="sng">
+                      <a:noFill/>
+                      <a:prstDash val="solid"/>
+                    </a:lnBlToTr>
+                    <a:solidFill>
+                      <a:schemeClr val="bg1"/>
+                    </a:solidFill>
+                  </a:tcPr>
+                </a:tc>
+                <a:tc>
+                  <a:txBody>
+                    <a:bodyPr/>
+                    <a:lstStyle/>
+                    <a:p>
+                      <a:pPr algn="ctr"/>
+                      <a:r>
+                        <a:rPr lang="en-US" b="0" dirty="0" smtClean="0">
+                          <a:solidFill>
+                            <a:schemeClr val="tx1"/>
+                          </a:solidFill>
+                          <a:latin typeface="Times New Roman"/>
+                          <a:cs typeface="Times New Roman"/>
+                        </a:rPr>
+                        <a:t>0</a:t>
+                      </a:r>
+                      <a:endParaRPr lang="en-US" b="0" dirty="0">
+                        <a:solidFill>
+                          <a:schemeClr val="tx1"/>
+                        </a:solidFill>
+                        <a:latin typeface="Times New Roman"/>
+                        <a:cs typeface="Times New Roman"/>
+                      </a:endParaRPr>
+                    </a:p>
+                  </a:txBody>
+                  <a:tcPr anchor="ctr">
+                    <a:lnL w="12700" cap="flat" cmpd="sng" algn="ctr">
+                      <a:solidFill>
+                        <a:scrgbClr r="0" g="0" b="0"/>
+                      </a:solidFill>
+                      <a:prstDash val="solid"/>
+                      <a:round/>
+                      <a:headEnd type="none" w="med" len="med"/>
+                      <a:tailEnd type="none" w="med" len="med"/>
+                    </a:lnL>
+                    <a:lnR w="12700" cap="flat" cmpd="sng" algn="ctr">
+                      <a:solidFill>
+                        <a:scrgbClr r="0" g="0" b="0"/>
+                      </a:solidFill>
+                      <a:prstDash val="solid"/>
+                      <a:round/>
+                      <a:headEnd type="none" w="med" len="med"/>
+                      <a:tailEnd type="none" w="med" len="med"/>
+                    </a:lnR>
+                    <a:lnT w="12700" cap="flat" cmpd="sng" algn="ctr">
+                      <a:solidFill>
+                        <a:scrgbClr r="0" g="0" b="0"/>
+                      </a:solidFill>
+                      <a:prstDash val="solid"/>
+                      <a:round/>
+                      <a:headEnd type="none" w="med" len="med"/>
+                      <a:tailEnd type="none" w="med" len="med"/>
+                    </a:lnT>
+                    <a:lnB w="12700" cap="flat" cmpd="sng" algn="ctr">
+                      <a:solidFill>
+                        <a:scrgbClr r="0" g="0" b="0"/>
+                      </a:solidFill>
+                      <a:prstDash val="solid"/>
+                      <a:round/>
+                      <a:headEnd type="none" w="med" len="med"/>
+                      <a:tailEnd type="none" w="med" len="med"/>
+                    </a:lnB>
+                    <a:lnTlToBr w="12700" cmpd="sng">
+                      <a:noFill/>
+                      <a:prstDash val="solid"/>
+                    </a:lnTlToBr>
+                    <a:lnBlToTr w="12700" cmpd="sng">
+                      <a:noFill/>
+                      <a:prstDash val="solid"/>
+                    </a:lnBlToTr>
+                    <a:solidFill>
+                      <a:schemeClr val="bg1"/>
+                    </a:solidFill>
+                  </a:tcPr>
+                </a:tc>
+                <a:tc>
+                  <a:txBody>
+                    <a:bodyPr/>
+                    <a:lstStyle/>
+                    <a:p>
+                      <a:pPr algn="ctr"/>
+                      <a:r>
+                        <a:rPr lang="en-US" b="0" dirty="0" smtClean="0">
+                          <a:solidFill>
+                            <a:schemeClr val="tx1"/>
+                          </a:solidFill>
+                          <a:latin typeface="Times New Roman"/>
+                          <a:cs typeface="Times New Roman"/>
+                        </a:rPr>
+                        <a:t>10</a:t>
+                      </a:r>
+                      <a:endParaRPr lang="en-US" b="0" dirty="0">
+                        <a:solidFill>
+                          <a:schemeClr val="tx1"/>
+                        </a:solidFill>
+                        <a:latin typeface="Times New Roman"/>
+                        <a:cs typeface="Times New Roman"/>
+                      </a:endParaRPr>
+                    </a:p>
+                  </a:txBody>
+                  <a:tcPr anchor="ctr">
+                    <a:lnL w="12700" cap="flat" cmpd="sng" algn="ctr">
+                      <a:solidFill>
+                        <a:scrgbClr r="0" g="0" b="0"/>
+                      </a:solidFill>
+                      <a:prstDash val="solid"/>
+                      <a:round/>
+                      <a:headEnd type="none" w="med" len="med"/>
+                      <a:tailEnd type="none" w="med" len="med"/>
+                    </a:lnL>
+                    <a:lnR w="12700" cmpd="sng">
+                      <a:noFill/>
+                    </a:lnR>
+                    <a:lnT w="12700" cap="flat" cmpd="sng" algn="ctr">
+                      <a:solidFill>
+                        <a:scrgbClr r="0" g="0" b="0"/>
+                      </a:solidFill>
+                      <a:prstDash val="solid"/>
+                      <a:round/>
+                      <a:headEnd type="none" w="med" len="med"/>
+                      <a:tailEnd type="none" w="med" len="med"/>
+                    </a:lnT>
+                    <a:lnB w="12700" cap="flat" cmpd="sng" algn="ctr">
+                      <a:solidFill>
+                        <a:scrgbClr r="0" g="0" b="0"/>
+                      </a:solidFill>
+                      <a:prstDash val="solid"/>
+                      <a:round/>
+                      <a:headEnd type="none" w="med" len="med"/>
+                      <a:tailEnd type="none" w="med" len="med"/>
+                    </a:lnB>
+                    <a:lnTlToBr w="12700" cmpd="sng">
+                      <a:noFill/>
+                      <a:prstDash val="solid"/>
+                    </a:lnTlToBr>
+                    <a:lnBlToTr w="12700" cmpd="sng">
+                      <a:noFill/>
+                      <a:prstDash val="solid"/>
+                    </a:lnBlToTr>
+                    <a:solidFill>
+                      <a:schemeClr val="bg1"/>
+                    </a:solidFill>
+                  </a:tcPr>
+                </a:tc>
+              </a:tr>
+              <a:tr h="283407">
+                <a:tc>
+                  <a:txBody>
+                    <a:bodyPr/>
+                    <a:lstStyle/>
+                    <a:p>
+                      <a:pPr algn="ctr"/>
+                      <a:r>
+                        <a:rPr lang="en-US" b="0" dirty="0" smtClean="0">
+                          <a:solidFill>
+                            <a:schemeClr val="tx1"/>
+                          </a:solidFill>
+                          <a:latin typeface="Times New Roman"/>
+                          <a:cs typeface="Times New Roman"/>
+                        </a:rPr>
+                        <a:t>site3</a:t>
+                      </a:r>
+                      <a:endParaRPr lang="en-US" b="0" dirty="0">
+                        <a:solidFill>
+                          <a:schemeClr val="tx1"/>
+                        </a:solidFill>
+                        <a:latin typeface="Times New Roman"/>
+                        <a:cs typeface="Times New Roman"/>
+                      </a:endParaRPr>
+                    </a:p>
+                  </a:txBody>
+                  <a:tcPr anchor="ctr">
+                    <a:lnL w="12700" cmpd="sng">
+                      <a:noFill/>
+                    </a:lnL>
+                    <a:lnR w="12700" cap="flat" cmpd="sng" algn="ctr">
+                      <a:solidFill>
+                        <a:scrgbClr r="0" g="0" b="0"/>
+                      </a:solidFill>
+                      <a:prstDash val="solid"/>
+                      <a:round/>
+                      <a:headEnd type="none" w="med" len="med"/>
+                      <a:tailEnd type="none" w="med" len="med"/>
+                    </a:lnR>
+                    <a:lnT w="12700" cap="flat" cmpd="sng" algn="ctr">
+                      <a:solidFill>
+                        <a:scrgbClr r="0" g="0" b="0"/>
+                      </a:solidFill>
+                      <a:prstDash val="solid"/>
+                      <a:round/>
+                      <a:headEnd type="none" w="med" len="med"/>
+                      <a:tailEnd type="none" w="med" len="med"/>
+                    </a:lnT>
+                    <a:lnB w="12700" cmpd="sng">
+                      <a:noFill/>
+                    </a:lnB>
+                    <a:lnTlToBr w="12700" cmpd="sng">
+                      <a:noFill/>
+                      <a:prstDash val="solid"/>
+                    </a:lnTlToBr>
+                    <a:lnBlToTr w="12700" cmpd="sng">
+                      <a:noFill/>
+                      <a:prstDash val="solid"/>
+                    </a:lnBlToTr>
+                    <a:solidFill>
+                      <a:schemeClr val="bg1"/>
+                    </a:solidFill>
+                  </a:tcPr>
+                </a:tc>
+                <a:tc>
+                  <a:txBody>
+                    <a:bodyPr/>
+                    <a:lstStyle/>
+                    <a:p>
+                      <a:pPr algn="ctr"/>
+                      <a:r>
+                        <a:rPr lang="en-US" b="0" dirty="0" smtClean="0">
+                          <a:solidFill>
+                            <a:schemeClr val="tx1"/>
+                          </a:solidFill>
+                          <a:latin typeface="Times New Roman"/>
+                          <a:cs typeface="Times New Roman"/>
+                        </a:rPr>
+                        <a:t>0</a:t>
+                      </a:r>
+                      <a:endParaRPr lang="en-US" b="0" dirty="0">
+                        <a:solidFill>
+                          <a:schemeClr val="tx1"/>
+                        </a:solidFill>
+                        <a:latin typeface="Times New Roman"/>
+                        <a:cs typeface="Times New Roman"/>
+                      </a:endParaRPr>
+                    </a:p>
+                  </a:txBody>
+                  <a:tcPr anchor="ctr">
+                    <a:lnL w="12700" cap="flat" cmpd="sng" algn="ctr">
+                      <a:solidFill>
+                        <a:scrgbClr r="0" g="0" b="0"/>
+                      </a:solidFill>
+                      <a:prstDash val="solid"/>
+                      <a:round/>
+                      <a:headEnd type="none" w="med" len="med"/>
+                      <a:tailEnd type="none" w="med" len="med"/>
+                    </a:lnL>
+                    <a:lnR w="12700" cap="flat" cmpd="sng" algn="ctr">
+                      <a:solidFill>
+                        <a:scrgbClr r="0" g="0" b="0"/>
+                      </a:solidFill>
+                      <a:prstDash val="solid"/>
+                      <a:round/>
+                      <a:headEnd type="none" w="med" len="med"/>
+                      <a:tailEnd type="none" w="med" len="med"/>
+                    </a:lnR>
+                    <a:lnT w="12700" cap="flat" cmpd="sng" algn="ctr">
+                      <a:solidFill>
+                        <a:scrgbClr r="0" g="0" b="0"/>
+                      </a:solidFill>
+                      <a:prstDash val="solid"/>
+                      <a:round/>
+                      <a:headEnd type="none" w="med" len="med"/>
+                      <a:tailEnd type="none" w="med" len="med"/>
+                    </a:lnT>
+                    <a:lnB w="12700" cmpd="sng">
+                      <a:noFill/>
+                    </a:lnB>
+                    <a:lnTlToBr w="12700" cmpd="sng">
+                      <a:noFill/>
+                      <a:prstDash val="solid"/>
+                    </a:lnTlToBr>
+                    <a:lnBlToTr w="12700" cmpd="sng">
+                      <a:noFill/>
+                      <a:prstDash val="solid"/>
+                    </a:lnBlToTr>
+                    <a:solidFill>
+                      <a:schemeClr val="bg1"/>
+                    </a:solidFill>
+                  </a:tcPr>
+                </a:tc>
+                <a:tc>
+                  <a:txBody>
+                    <a:bodyPr/>
+                    <a:lstStyle/>
+                    <a:p>
+                      <a:pPr algn="ctr"/>
+                      <a:r>
+                        <a:rPr lang="en-US" b="0" dirty="0" smtClean="0">
+                          <a:solidFill>
+                            <a:schemeClr val="tx1"/>
+                          </a:solidFill>
+                          <a:latin typeface="Times New Roman"/>
+                          <a:cs typeface="Times New Roman"/>
+                        </a:rPr>
+                        <a:t>15</a:t>
+                      </a:r>
+                      <a:endParaRPr lang="en-US" b="0" dirty="0">
+                        <a:solidFill>
+                          <a:schemeClr val="tx1"/>
+                        </a:solidFill>
+                        <a:latin typeface="Times New Roman"/>
+                        <a:cs typeface="Times New Roman"/>
+                      </a:endParaRPr>
+                    </a:p>
+                  </a:txBody>
+                  <a:tcPr anchor="ctr">
+                    <a:lnL w="12700" cap="flat" cmpd="sng" algn="ctr">
+                      <a:solidFill>
+                        <a:scrgbClr r="0" g="0" b="0"/>
+                      </a:solidFill>
+                      <a:prstDash val="solid"/>
+                      <a:round/>
+                      <a:headEnd type="none" w="med" len="med"/>
+                      <a:tailEnd type="none" w="med" len="med"/>
+                    </a:lnL>
+                    <a:lnR w="12700" cap="flat" cmpd="sng" algn="ctr">
+                      <a:solidFill>
+                        <a:scrgbClr r="0" g="0" b="0"/>
+                      </a:solidFill>
+                      <a:prstDash val="solid"/>
+                      <a:round/>
+                      <a:headEnd type="none" w="med" len="med"/>
+                      <a:tailEnd type="none" w="med" len="med"/>
+                    </a:lnR>
+                    <a:lnT w="12700" cap="flat" cmpd="sng" algn="ctr">
+                      <a:solidFill>
+                        <a:scrgbClr r="0" g="0" b="0"/>
+                      </a:solidFill>
+                      <a:prstDash val="solid"/>
+                      <a:round/>
+                      <a:headEnd type="none" w="med" len="med"/>
+                      <a:tailEnd type="none" w="med" len="med"/>
+                    </a:lnT>
+                    <a:lnB w="12700" cmpd="sng">
+                      <a:noFill/>
+                    </a:lnB>
+                    <a:lnTlToBr w="12700" cmpd="sng">
+                      <a:noFill/>
+                      <a:prstDash val="solid"/>
+                    </a:lnTlToBr>
+                    <a:lnBlToTr w="12700" cmpd="sng">
+                      <a:noFill/>
+                      <a:prstDash val="solid"/>
+                    </a:lnBlToTr>
+                    <a:solidFill>
+                      <a:schemeClr val="bg1"/>
+                    </a:solidFill>
+                  </a:tcPr>
+                </a:tc>
+                <a:tc>
+                  <a:txBody>
+                    <a:bodyPr/>
+                    <a:lstStyle/>
+                    <a:p>
+                      <a:pPr algn="ctr"/>
+                      <a:r>
+                        <a:rPr lang="en-US" b="0" dirty="0" smtClean="0">
+                          <a:solidFill>
+                            <a:schemeClr val="tx1"/>
+                          </a:solidFill>
+                          <a:latin typeface="Times New Roman"/>
+                          <a:cs typeface="Times New Roman"/>
+                        </a:rPr>
+                        <a:t>0</a:t>
+                      </a:r>
+                      <a:endParaRPr lang="en-US" b="0" dirty="0">
+                        <a:solidFill>
+                          <a:schemeClr val="tx1"/>
+                        </a:solidFill>
+                        <a:latin typeface="Times New Roman"/>
+                        <a:cs typeface="Times New Roman"/>
+                      </a:endParaRPr>
+                    </a:p>
+                  </a:txBody>
+                  <a:tcPr anchor="ctr">
+                    <a:lnL w="12700" cap="flat" cmpd="sng" algn="ctr">
+                      <a:solidFill>
+                        <a:scrgbClr r="0" g="0" b="0"/>
+                      </a:solidFill>
+                      <a:prstDash val="solid"/>
+                      <a:round/>
+                      <a:headEnd type="none" w="med" len="med"/>
+                      <a:tailEnd type="none" w="med" len="med"/>
+                    </a:lnL>
+                    <a:lnR w="12700" cmpd="sng">
+                      <a:noFill/>
+                    </a:lnR>
+                    <a:lnT w="12700" cap="flat" cmpd="sng" algn="ctr">
+                      <a:solidFill>
+                        <a:scrgbClr r="0" g="0" b="0"/>
+                      </a:solidFill>
+                      <a:prstDash val="solid"/>
+                      <a:round/>
+                      <a:headEnd type="none" w="med" len="med"/>
+                      <a:tailEnd type="none" w="med" len="med"/>
+                    </a:lnT>
+                    <a:lnB w="12700" cmpd="sng">
+                      <a:noFill/>
+                    </a:lnB>
+                    <a:lnTlToBr w="12700" cmpd="sng">
+                      <a:noFill/>
+                      <a:prstDash val="solid"/>
+                    </a:lnTlToBr>
+                    <a:lnBlToTr w="12700" cmpd="sng">
+                      <a:noFill/>
+                      <a:prstDash val="solid"/>
+                    </a:lnBlToTr>
+                    <a:solidFill>
+                      <a:schemeClr val="bg1"/>
+                    </a:solidFill>
+                  </a:tcPr>
+                </a:tc>
+              </a:tr>
+            </a:tbl>
+          </a:graphicData>
+        </a:graphic>
+      </p:graphicFrame>
+      <p:graphicFrame>
+        <p:nvGraphicFramePr>
+          <p:cNvPr id="24" name="Table 23"/>
+          <p:cNvGraphicFramePr>
+            <a:graphicFrameLocks noGrp="1"/>
+          </p:cNvGraphicFramePr>
+          <p:nvPr>
+            <p:extLst>
+              <p:ext uri="{D42A27DB-BD31-4B8C-83A1-F6EECF244321}">
+                <p14:modId xmlns:p14="http://schemas.microsoft.com/office/powerpoint/2010/main" val="326243581"/>
+              </p:ext>
+            </p:extLst>
+          </p:nvPr>
+        </p:nvGraphicFramePr>
+        <p:xfrm>
+          <a:off x="2209598" y="4280148"/>
+          <a:ext cx="2295108" cy="1188720"/>
+        </p:xfrm>
+        <a:graphic>
+          <a:graphicData uri="http://schemas.openxmlformats.org/drawingml/2006/table">
+            <a:tbl>
+              <a:tblPr firstRow="1" bandRow="1">
+                <a:tableStyleId>{5C22544A-7EE6-4342-B048-85BDC9FD1C3A}</a:tableStyleId>
+              </a:tblPr>
+              <a:tblGrid>
+                <a:gridCol w="573777"/>
+                <a:gridCol w="573777"/>
+                <a:gridCol w="573777"/>
+                <a:gridCol w="573777"/>
+              </a:tblGrid>
+              <a:tr h="283407">
+                <a:tc>
+                  <a:txBody>
+                    <a:bodyPr/>
+                    <a:lstStyle/>
+                    <a:p>
+                      <a:pPr algn="ctr"/>
+                      <a:r>
+                        <a:rPr lang="en-US" b="0" dirty="0" smtClean="0">
+                          <a:solidFill>
+                            <a:schemeClr val="tx1"/>
+                          </a:solidFill>
+                          <a:latin typeface="Times New Roman"/>
+                          <a:cs typeface="Times New Roman"/>
+                        </a:rPr>
+                        <a:t>site</a:t>
+                      </a:r>
+                      <a:endParaRPr lang="en-US" b="0" dirty="0">
+                        <a:solidFill>
+                          <a:schemeClr val="tx1"/>
+                        </a:solidFill>
+                        <a:latin typeface="Times New Roman"/>
+                        <a:cs typeface="Times New Roman"/>
+                      </a:endParaRPr>
+                    </a:p>
+                  </a:txBody>
+                  <a:tcPr anchor="ctr">
+                    <a:lnL w="12700" cmpd="sng">
+                      <a:noFill/>
+                    </a:lnL>
+                    <a:lnR w="12700" cap="flat" cmpd="sng" algn="ctr">
+                      <a:solidFill>
+                        <a:scrgbClr r="0" g="0" b="0"/>
+                      </a:solidFill>
+                      <a:prstDash val="solid"/>
+                      <a:round/>
+                      <a:headEnd type="none" w="med" len="med"/>
+                      <a:tailEnd type="none" w="med" len="med"/>
+                    </a:lnR>
+                    <a:lnT w="12700" cmpd="sng">
+                      <a:noFill/>
+                    </a:lnT>
+                    <a:lnB w="12700" cap="flat" cmpd="sng" algn="ctr">
+                      <a:solidFill>
+                        <a:scrgbClr r="0" g="0" b="0"/>
+                      </a:solidFill>
+                      <a:prstDash val="solid"/>
+                      <a:round/>
+                      <a:headEnd type="none" w="med" len="med"/>
+                      <a:tailEnd type="none" w="med" len="med"/>
+                    </a:lnB>
+                    <a:lnTlToBr w="12700" cmpd="sng">
+                      <a:noFill/>
+                      <a:prstDash val="solid"/>
+                    </a:lnTlToBr>
+                    <a:lnBlToTr w="12700" cmpd="sng">
+                      <a:noFill/>
+                      <a:prstDash val="solid"/>
+                    </a:lnBlToTr>
+                    <a:solidFill>
+                      <a:schemeClr val="bg1"/>
+                    </a:solidFill>
+                  </a:tcPr>
+                </a:tc>
+                <a:tc>
+                  <a:txBody>
+                    <a:bodyPr/>
+                    <a:lstStyle/>
+                    <a:p>
+                      <a:pPr algn="ctr"/>
+                      <a:r>
+                        <a:rPr lang="en-US" b="0" dirty="0" smtClean="0">
+                          <a:solidFill>
+                            <a:schemeClr val="tx1"/>
+                          </a:solidFill>
+                          <a:latin typeface="Times New Roman"/>
+                          <a:cs typeface="Times New Roman"/>
+                        </a:rPr>
+                        <a:t>sp1</a:t>
+                      </a:r>
+                      <a:endParaRPr lang="en-US" b="0" dirty="0">
+                        <a:solidFill>
+                          <a:schemeClr val="tx1"/>
+                        </a:solidFill>
+                        <a:latin typeface="Times New Roman"/>
+                        <a:cs typeface="Times New Roman"/>
+                      </a:endParaRPr>
+                    </a:p>
+                  </a:txBody>
+                  <a:tcPr anchor="ctr">
+                    <a:lnL w="12700" cap="flat" cmpd="sng" algn="ctr">
+                      <a:solidFill>
+                        <a:scrgbClr r="0" g="0" b="0"/>
+                      </a:solidFill>
+                      <a:prstDash val="solid"/>
+                      <a:round/>
+                      <a:headEnd type="none" w="med" len="med"/>
+                      <a:tailEnd type="none" w="med" len="med"/>
+                    </a:lnL>
+                    <a:lnR w="12700" cap="flat" cmpd="sng" algn="ctr">
+                      <a:solidFill>
+                        <a:scrgbClr r="0" g="0" b="0"/>
+                      </a:solidFill>
+                      <a:prstDash val="solid"/>
+                      <a:round/>
+                      <a:headEnd type="none" w="med" len="med"/>
+                      <a:tailEnd type="none" w="med" len="med"/>
+                    </a:lnR>
+                    <a:lnT w="12700" cmpd="sng">
+                      <a:noFill/>
+                    </a:lnT>
+                    <a:lnB w="12700" cap="flat" cmpd="sng" algn="ctr">
+                      <a:solidFill>
+                        <a:scrgbClr r="0" g="0" b="0"/>
+                      </a:solidFill>
+                      <a:prstDash val="solid"/>
+                      <a:round/>
+                      <a:headEnd type="none" w="med" len="med"/>
+                      <a:tailEnd type="none" w="med" len="med"/>
+                    </a:lnB>
+                    <a:lnTlToBr w="12700" cmpd="sng">
+                      <a:noFill/>
+                      <a:prstDash val="solid"/>
+                    </a:lnTlToBr>
+                    <a:lnBlToTr w="12700" cmpd="sng">
+                      <a:noFill/>
+                      <a:prstDash val="solid"/>
+                    </a:lnBlToTr>
+                    <a:solidFill>
+                      <a:schemeClr val="bg1"/>
+                    </a:solidFill>
+                  </a:tcPr>
+                </a:tc>
+                <a:tc>
+                  <a:txBody>
+                    <a:bodyPr/>
+                    <a:lstStyle/>
+                    <a:p>
+                      <a:pPr algn="ctr"/>
+                      <a:r>
+                        <a:rPr lang="en-US" b="0" dirty="0" smtClean="0">
+                          <a:solidFill>
+                            <a:schemeClr val="tx1"/>
+                          </a:solidFill>
+                          <a:latin typeface="Times New Roman"/>
+                          <a:cs typeface="Times New Roman"/>
+                        </a:rPr>
+                        <a:t>sp2</a:t>
+                      </a:r>
+                      <a:endParaRPr lang="en-US" b="0" dirty="0">
+                        <a:solidFill>
+                          <a:schemeClr val="tx1"/>
+                        </a:solidFill>
+                        <a:latin typeface="Times New Roman"/>
+                        <a:cs typeface="Times New Roman"/>
+                      </a:endParaRPr>
+                    </a:p>
+                  </a:txBody>
+                  <a:tcPr anchor="ctr">
+                    <a:lnL w="12700" cap="flat" cmpd="sng" algn="ctr">
+                      <a:solidFill>
+                        <a:scrgbClr r="0" g="0" b="0"/>
+                      </a:solidFill>
+                      <a:prstDash val="solid"/>
+                      <a:round/>
+                      <a:headEnd type="none" w="med" len="med"/>
+                      <a:tailEnd type="none" w="med" len="med"/>
+                    </a:lnL>
+                    <a:lnR w="12700" cap="flat" cmpd="sng" algn="ctr">
+                      <a:solidFill>
+                        <a:scrgbClr r="0" g="0" b="0"/>
+                      </a:solidFill>
+                      <a:prstDash val="solid"/>
+                      <a:round/>
+                      <a:headEnd type="none" w="med" len="med"/>
+                      <a:tailEnd type="none" w="med" len="med"/>
+                    </a:lnR>
+                    <a:lnT w="12700" cmpd="sng">
+                      <a:noFill/>
+                    </a:lnT>
+                    <a:lnB w="12700" cap="flat" cmpd="sng" algn="ctr">
+                      <a:solidFill>
+                        <a:scrgbClr r="0" g="0" b="0"/>
+                      </a:solidFill>
+                      <a:prstDash val="solid"/>
+                      <a:round/>
+                      <a:headEnd type="none" w="med" len="med"/>
+                      <a:tailEnd type="none" w="med" len="med"/>
+                    </a:lnB>
+                    <a:lnTlToBr w="12700" cmpd="sng">
+                      <a:noFill/>
+                      <a:prstDash val="solid"/>
+                    </a:lnTlToBr>
+                    <a:lnBlToTr w="12700" cmpd="sng">
+                      <a:noFill/>
+                      <a:prstDash val="solid"/>
+                    </a:lnBlToTr>
+                    <a:solidFill>
+                      <a:schemeClr val="bg1"/>
+                    </a:solidFill>
+                  </a:tcPr>
+                </a:tc>
+                <a:tc>
+                  <a:txBody>
+                    <a:bodyPr/>
+                    <a:lstStyle/>
+                    <a:p>
+                      <a:pPr algn="ctr"/>
+                      <a:r>
+                        <a:rPr lang="en-US" b="0" dirty="0" smtClean="0">
+                          <a:solidFill>
+                            <a:schemeClr val="tx1"/>
+                          </a:solidFill>
+                          <a:latin typeface="Times New Roman"/>
+                          <a:cs typeface="Times New Roman"/>
+                        </a:rPr>
+                        <a:t>sp3</a:t>
+                      </a:r>
+                      <a:endParaRPr lang="en-US" b="0" dirty="0">
+                        <a:solidFill>
+                          <a:schemeClr val="tx1"/>
+                        </a:solidFill>
+                        <a:latin typeface="Times New Roman"/>
+                        <a:cs typeface="Times New Roman"/>
+                      </a:endParaRPr>
+                    </a:p>
+                  </a:txBody>
+                  <a:tcPr anchor="ctr">
+                    <a:lnL w="12700" cap="flat" cmpd="sng" algn="ctr">
+                      <a:solidFill>
+                        <a:scrgbClr r="0" g="0" b="0"/>
+                      </a:solidFill>
+                      <a:prstDash val="solid"/>
+                      <a:round/>
+                      <a:headEnd type="none" w="med" len="med"/>
+                      <a:tailEnd type="none" w="med" len="med"/>
+                    </a:lnL>
+                    <a:lnR w="12700" cmpd="sng">
+                      <a:noFill/>
+                    </a:lnR>
+                    <a:lnT w="12700" cmpd="sng">
+                      <a:noFill/>
+                    </a:lnT>
+                    <a:lnB w="12700" cap="flat" cmpd="sng" algn="ctr">
+                      <a:solidFill>
+                        <a:scrgbClr r="0" g="0" b="0"/>
+                      </a:solidFill>
+                      <a:prstDash val="solid"/>
+                      <a:round/>
+                      <a:headEnd type="none" w="med" len="med"/>
+                      <a:tailEnd type="none" w="med" len="med"/>
+                    </a:lnB>
+                    <a:lnTlToBr w="12700" cmpd="sng">
+                      <a:noFill/>
+                      <a:prstDash val="solid"/>
+                    </a:lnTlToBr>
+                    <a:lnBlToTr w="12700" cmpd="sng">
+                      <a:noFill/>
+                      <a:prstDash val="solid"/>
+                    </a:lnBlToTr>
+                    <a:solidFill>
+                      <a:schemeClr val="bg1"/>
+                    </a:solidFill>
+                  </a:tcPr>
+                </a:tc>
+              </a:tr>
+              <a:tr h="283407">
+                <a:tc>
+                  <a:txBody>
+                    <a:bodyPr/>
+                    <a:lstStyle/>
+                    <a:p>
+                      <a:pPr algn="ctr"/>
+                      <a:r>
+                        <a:rPr lang="en-US" b="0" dirty="0" smtClean="0">
+                          <a:solidFill>
+                            <a:schemeClr val="tx1"/>
+                          </a:solidFill>
+                          <a:latin typeface="Times New Roman"/>
+                          <a:cs typeface="Times New Roman"/>
+                        </a:rPr>
+                        <a:t>site1</a:t>
+                      </a:r>
+                      <a:endParaRPr lang="en-US" b="0" dirty="0">
+                        <a:solidFill>
+                          <a:schemeClr val="tx1"/>
+                        </a:solidFill>
+                        <a:latin typeface="Times New Roman"/>
+                        <a:cs typeface="Times New Roman"/>
+                      </a:endParaRPr>
+                    </a:p>
+                  </a:txBody>
+                  <a:tcPr anchor="ctr">
+                    <a:lnL w="12700" cmpd="sng">
+                      <a:noFill/>
+                    </a:lnL>
+                    <a:lnR w="12700" cap="flat" cmpd="sng" algn="ctr">
+                      <a:solidFill>
+                        <a:scrgbClr r="0" g="0" b="0"/>
+                      </a:solidFill>
+                      <a:prstDash val="solid"/>
+                      <a:round/>
+                      <a:headEnd type="none" w="med" len="med"/>
+                      <a:tailEnd type="none" w="med" len="med"/>
+                    </a:lnR>
+                    <a:lnT w="12700" cap="flat" cmpd="sng" algn="ctr">
+                      <a:solidFill>
+                        <a:scrgbClr r="0" g="0" b="0"/>
+                      </a:solidFill>
+                      <a:prstDash val="solid"/>
+                      <a:round/>
+                      <a:headEnd type="none" w="med" len="med"/>
+                      <a:tailEnd type="none" w="med" len="med"/>
+                    </a:lnT>
+                    <a:lnB w="12700" cap="flat" cmpd="sng" algn="ctr">
+                      <a:solidFill>
+                        <a:scrgbClr r="0" g="0" b="0"/>
+                      </a:solidFill>
+                      <a:prstDash val="solid"/>
+                      <a:round/>
+                      <a:headEnd type="none" w="med" len="med"/>
+                      <a:tailEnd type="none" w="med" len="med"/>
+                    </a:lnB>
+                    <a:lnTlToBr w="12700" cmpd="sng">
+                      <a:noFill/>
+                      <a:prstDash val="solid"/>
+                    </a:lnTlToBr>
+                    <a:lnBlToTr w="12700" cmpd="sng">
+                      <a:noFill/>
+                      <a:prstDash val="solid"/>
+                    </a:lnBlToTr>
+                    <a:solidFill>
+                      <a:schemeClr val="bg1"/>
+                    </a:solidFill>
+                  </a:tcPr>
+                </a:tc>
+                <a:tc>
+                  <a:txBody>
+                    <a:bodyPr/>
+                    <a:lstStyle/>
+                    <a:p>
+                      <a:pPr algn="ctr"/>
+                      <a:r>
+                        <a:rPr lang="en-US" b="0" dirty="0" smtClean="0">
+                          <a:solidFill>
+                            <a:schemeClr val="tx1"/>
+                          </a:solidFill>
+                          <a:latin typeface="Times New Roman"/>
+                          <a:cs typeface="Times New Roman"/>
+                        </a:rPr>
+                        <a:t>1</a:t>
+                      </a:r>
+                      <a:endParaRPr lang="en-US" b="0" dirty="0">
+                        <a:solidFill>
+                          <a:schemeClr val="tx1"/>
+                        </a:solidFill>
+                        <a:latin typeface="Times New Roman"/>
+                        <a:cs typeface="Times New Roman"/>
+                      </a:endParaRPr>
+                    </a:p>
+                  </a:txBody>
+                  <a:tcPr anchor="ctr">
+                    <a:lnL w="12700" cap="flat" cmpd="sng" algn="ctr">
+                      <a:solidFill>
+                        <a:scrgbClr r="0" g="0" b="0"/>
+                      </a:solidFill>
+                      <a:prstDash val="solid"/>
+                      <a:round/>
+                      <a:headEnd type="none" w="med" len="med"/>
+                      <a:tailEnd type="none" w="med" len="med"/>
+                    </a:lnL>
+                    <a:lnR w="12700" cap="flat" cmpd="sng" algn="ctr">
+                      <a:solidFill>
+                        <a:scrgbClr r="0" g="0" b="0"/>
+                      </a:solidFill>
+                      <a:prstDash val="solid"/>
+                      <a:round/>
+                      <a:headEnd type="none" w="med" len="med"/>
+                      <a:tailEnd type="none" w="med" len="med"/>
+                    </a:lnR>
+                    <a:lnT w="12700" cap="flat" cmpd="sng" algn="ctr">
+                      <a:solidFill>
+                        <a:scrgbClr r="0" g="0" b="0"/>
+                      </a:solidFill>
+                      <a:prstDash val="solid"/>
+                      <a:round/>
+                      <a:headEnd type="none" w="med" len="med"/>
+                      <a:tailEnd type="none" w="med" len="med"/>
+                    </a:lnT>
+                    <a:lnB w="12700" cap="flat" cmpd="sng" algn="ctr">
+                      <a:solidFill>
+                        <a:scrgbClr r="0" g="0" b="0"/>
+                      </a:solidFill>
+                      <a:prstDash val="solid"/>
+                      <a:round/>
+                      <a:headEnd type="none" w="med" len="med"/>
+                      <a:tailEnd type="none" w="med" len="med"/>
+                    </a:lnB>
+                    <a:lnTlToBr w="12700" cmpd="sng">
+                      <a:noFill/>
+                      <a:prstDash val="solid"/>
+                    </a:lnTlToBr>
+                    <a:lnBlToTr w="12700" cmpd="sng">
+                      <a:noFill/>
+                      <a:prstDash val="solid"/>
+                    </a:lnBlToTr>
+                    <a:solidFill>
+                      <a:schemeClr val="bg1"/>
+                    </a:solidFill>
+                  </a:tcPr>
+                </a:tc>
+                <a:tc>
+                  <a:txBody>
+                    <a:bodyPr/>
+                    <a:lstStyle/>
+                    <a:p>
+                      <a:pPr algn="ctr"/>
+                      <a:r>
+                        <a:rPr lang="en-US" b="0" dirty="0" smtClean="0">
+                          <a:solidFill>
+                            <a:schemeClr val="tx1"/>
+                          </a:solidFill>
+                          <a:latin typeface="Times New Roman"/>
+                          <a:cs typeface="Times New Roman"/>
+                        </a:rPr>
+                        <a:t>1</a:t>
+                      </a:r>
+                      <a:endParaRPr lang="en-US" b="0" dirty="0">
+                        <a:solidFill>
+                          <a:schemeClr val="tx1"/>
+                        </a:solidFill>
+                        <a:latin typeface="Times New Roman"/>
+                        <a:cs typeface="Times New Roman"/>
+                      </a:endParaRPr>
+                    </a:p>
+                  </a:txBody>
+                  <a:tcPr anchor="ctr">
+                    <a:lnL w="12700" cap="flat" cmpd="sng" algn="ctr">
+                      <a:solidFill>
+                        <a:scrgbClr r="0" g="0" b="0"/>
+                      </a:solidFill>
+                      <a:prstDash val="solid"/>
+                      <a:round/>
+                      <a:headEnd type="none" w="med" len="med"/>
+                      <a:tailEnd type="none" w="med" len="med"/>
+                    </a:lnL>
+                    <a:lnR w="12700" cap="flat" cmpd="sng" algn="ctr">
+                      <a:solidFill>
+                        <a:scrgbClr r="0" g="0" b="0"/>
+                      </a:solidFill>
+                      <a:prstDash val="solid"/>
+                      <a:round/>
+                      <a:headEnd type="none" w="med" len="med"/>
+                      <a:tailEnd type="none" w="med" len="med"/>
+                    </a:lnR>
+                    <a:lnT w="12700" cap="flat" cmpd="sng" algn="ctr">
+                      <a:solidFill>
+                        <a:scrgbClr r="0" g="0" b="0"/>
+                      </a:solidFill>
+                      <a:prstDash val="solid"/>
+                      <a:round/>
+                      <a:headEnd type="none" w="med" len="med"/>
+                      <a:tailEnd type="none" w="med" len="med"/>
+                    </a:lnT>
+                    <a:lnB w="12700" cap="flat" cmpd="sng" algn="ctr">
+                      <a:solidFill>
+                        <a:scrgbClr r="0" g="0" b="0"/>
+                      </a:solidFill>
+                      <a:prstDash val="solid"/>
+                      <a:round/>
+                      <a:headEnd type="none" w="med" len="med"/>
+                      <a:tailEnd type="none" w="med" len="med"/>
+                    </a:lnB>
+                    <a:lnTlToBr w="12700" cmpd="sng">
+                      <a:noFill/>
+                      <a:prstDash val="solid"/>
+                    </a:lnTlToBr>
+                    <a:lnBlToTr w="12700" cmpd="sng">
+                      <a:noFill/>
+                      <a:prstDash val="solid"/>
+                    </a:lnBlToTr>
+                    <a:solidFill>
+                      <a:schemeClr val="bg1"/>
+                    </a:solidFill>
+                  </a:tcPr>
+                </a:tc>
+                <a:tc>
+                  <a:txBody>
+                    <a:bodyPr/>
+                    <a:lstStyle/>
+                    <a:p>
+                      <a:pPr algn="ctr"/>
+                      <a:r>
+                        <a:rPr lang="en-US" b="0" dirty="0" smtClean="0">
+                          <a:solidFill>
+                            <a:schemeClr val="tx1"/>
+                          </a:solidFill>
+                          <a:latin typeface="Times New Roman"/>
+                          <a:cs typeface="Times New Roman"/>
+                        </a:rPr>
+                        <a:t>0</a:t>
+                      </a:r>
+                      <a:endParaRPr lang="en-US" b="0" dirty="0">
+                        <a:solidFill>
+                          <a:schemeClr val="tx1"/>
+                        </a:solidFill>
+                        <a:latin typeface="Times New Roman"/>
+                        <a:cs typeface="Times New Roman"/>
+                      </a:endParaRPr>
+                    </a:p>
+                  </a:txBody>
+                  <a:tcPr anchor="ctr">
+                    <a:lnL w="12700" cap="flat" cmpd="sng" algn="ctr">
+                      <a:solidFill>
+                        <a:scrgbClr r="0" g="0" b="0"/>
+                      </a:solidFill>
+                      <a:prstDash val="solid"/>
+                      <a:round/>
+                      <a:headEnd type="none" w="med" len="med"/>
+                      <a:tailEnd type="none" w="med" len="med"/>
+                    </a:lnL>
+                    <a:lnR w="12700" cmpd="sng">
+                      <a:noFill/>
+                    </a:lnR>
+                    <a:lnT w="12700" cap="flat" cmpd="sng" algn="ctr">
+                      <a:solidFill>
+                        <a:scrgbClr r="0" g="0" b="0"/>
+                      </a:solidFill>
+                      <a:prstDash val="solid"/>
+                      <a:round/>
+                      <a:headEnd type="none" w="med" len="med"/>
+                      <a:tailEnd type="none" w="med" len="med"/>
+                    </a:lnT>
+                    <a:lnB w="12700" cap="flat" cmpd="sng" algn="ctr">
+                      <a:solidFill>
+                        <a:scrgbClr r="0" g="0" b="0"/>
+                      </a:solidFill>
+                      <a:prstDash val="solid"/>
+                      <a:round/>
+                      <a:headEnd type="none" w="med" len="med"/>
+                      <a:tailEnd type="none" w="med" len="med"/>
+                    </a:lnB>
+                    <a:lnTlToBr w="12700" cmpd="sng">
+                      <a:noFill/>
+                      <a:prstDash val="solid"/>
+                    </a:lnTlToBr>
+                    <a:lnBlToTr w="12700" cmpd="sng">
+                      <a:noFill/>
+                      <a:prstDash val="solid"/>
+                    </a:lnBlToTr>
+                    <a:solidFill>
+                      <a:schemeClr val="bg1"/>
+                    </a:solidFill>
+                  </a:tcPr>
+                </a:tc>
+              </a:tr>
+              <a:tr h="283407">
+                <a:tc>
+                  <a:txBody>
+                    <a:bodyPr/>
+                    <a:lstStyle/>
+                    <a:p>
+                      <a:pPr algn="ctr"/>
+                      <a:r>
+                        <a:rPr lang="en-US" b="0" dirty="0" smtClean="0">
+                          <a:solidFill>
+                            <a:schemeClr val="tx1"/>
+                          </a:solidFill>
+                          <a:latin typeface="Times New Roman"/>
+                          <a:cs typeface="Times New Roman"/>
+                        </a:rPr>
+                        <a:t>site2</a:t>
+                      </a:r>
+                      <a:endParaRPr lang="en-US" b="0" dirty="0">
+                        <a:solidFill>
+                          <a:schemeClr val="tx1"/>
+                        </a:solidFill>
+                        <a:latin typeface="Times New Roman"/>
+                        <a:cs typeface="Times New Roman"/>
+                      </a:endParaRPr>
+                    </a:p>
+                  </a:txBody>
+                  <a:tcPr anchor="ctr">
+                    <a:lnL w="12700" cmpd="sng">
+                      <a:noFill/>
+                    </a:lnL>
+                    <a:lnR w="12700" cap="flat" cmpd="sng" algn="ctr">
+                      <a:solidFill>
+                        <a:scrgbClr r="0" g="0" b="0"/>
+                      </a:solidFill>
+                      <a:prstDash val="solid"/>
+                      <a:round/>
+                      <a:headEnd type="none" w="med" len="med"/>
+                      <a:tailEnd type="none" w="med" len="med"/>
+                    </a:lnR>
+                    <a:lnT w="12700" cap="flat" cmpd="sng" algn="ctr">
+                      <a:solidFill>
+                        <a:scrgbClr r="0" g="0" b="0"/>
+                      </a:solidFill>
+                      <a:prstDash val="solid"/>
+                      <a:round/>
+                      <a:headEnd type="none" w="med" len="med"/>
+                      <a:tailEnd type="none" w="med" len="med"/>
+                    </a:lnT>
+                    <a:lnB w="12700" cap="flat" cmpd="sng" algn="ctr">
+                      <a:solidFill>
+                        <a:scrgbClr r="0" g="0" b="0"/>
+                      </a:solidFill>
+                      <a:prstDash val="solid"/>
+                      <a:round/>
+                      <a:headEnd type="none" w="med" len="med"/>
+                      <a:tailEnd type="none" w="med" len="med"/>
+                    </a:lnB>
+                    <a:lnTlToBr w="12700" cmpd="sng">
+                      <a:noFill/>
+                      <a:prstDash val="solid"/>
+                    </a:lnTlToBr>
+                    <a:lnBlToTr w="12700" cmpd="sng">
+                      <a:noFill/>
+                      <a:prstDash val="solid"/>
+                    </a:lnBlToTr>
+                    <a:solidFill>
+                      <a:schemeClr val="bg1"/>
+                    </a:solidFill>
+                  </a:tcPr>
+                </a:tc>
+                <a:tc>
+                  <a:txBody>
+                    <a:bodyPr/>
+                    <a:lstStyle/>
+                    <a:p>
+                      <a:pPr algn="ctr"/>
+                      <a:r>
+                        <a:rPr lang="en-US" b="0" dirty="0" smtClean="0">
+                          <a:solidFill>
+                            <a:schemeClr val="tx1"/>
+                          </a:solidFill>
+                          <a:latin typeface="Times New Roman"/>
+                          <a:cs typeface="Times New Roman"/>
+                        </a:rPr>
+                        <a:t>1</a:t>
+                      </a:r>
+                      <a:endParaRPr lang="en-US" b="0" dirty="0">
+                        <a:solidFill>
+                          <a:schemeClr val="tx1"/>
+                        </a:solidFill>
+                        <a:latin typeface="Times New Roman"/>
+                        <a:cs typeface="Times New Roman"/>
+                      </a:endParaRPr>
+                    </a:p>
+                  </a:txBody>
+                  <a:tcPr anchor="ctr">
+                    <a:lnL w="12700" cap="flat" cmpd="sng" algn="ctr">
+                      <a:solidFill>
+                        <a:scrgbClr r="0" g="0" b="0"/>
+                      </a:solidFill>
+                      <a:prstDash val="solid"/>
+                      <a:round/>
+                      <a:headEnd type="none" w="med" len="med"/>
+                      <a:tailEnd type="none" w="med" len="med"/>
+                    </a:lnL>
+                    <a:lnR w="12700" cap="flat" cmpd="sng" algn="ctr">
+                      <a:solidFill>
+                        <a:scrgbClr r="0" g="0" b="0"/>
+                      </a:solidFill>
+                      <a:prstDash val="solid"/>
+                      <a:round/>
+                      <a:headEnd type="none" w="med" len="med"/>
+                      <a:tailEnd type="none" w="med" len="med"/>
+                    </a:lnR>
+                    <a:lnT w="12700" cap="flat" cmpd="sng" algn="ctr">
+                      <a:solidFill>
+                        <a:scrgbClr r="0" g="0" b="0"/>
+                      </a:solidFill>
+                      <a:prstDash val="solid"/>
+                      <a:round/>
+                      <a:headEnd type="none" w="med" len="med"/>
+                      <a:tailEnd type="none" w="med" len="med"/>
+                    </a:lnT>
+                    <a:lnB w="12700" cap="flat" cmpd="sng" algn="ctr">
+                      <a:solidFill>
+                        <a:scrgbClr r="0" g="0" b="0"/>
+                      </a:solidFill>
+                      <a:prstDash val="solid"/>
+                      <a:round/>
+                      <a:headEnd type="none" w="med" len="med"/>
+                      <a:tailEnd type="none" w="med" len="med"/>
+                    </a:lnB>
+                    <a:lnTlToBr w="12700" cmpd="sng">
+                      <a:noFill/>
+                      <a:prstDash val="solid"/>
+                    </a:lnTlToBr>
+                    <a:lnBlToTr w="12700" cmpd="sng">
+                      <a:noFill/>
+                      <a:prstDash val="solid"/>
+                    </a:lnBlToTr>
+                    <a:solidFill>
+                      <a:schemeClr val="bg1"/>
+                    </a:solidFill>
+                  </a:tcPr>
+                </a:tc>
+                <a:tc>
+                  <a:txBody>
+                    <a:bodyPr/>
+                    <a:lstStyle/>
+                    <a:p>
+                      <a:pPr algn="ctr"/>
+                      <a:r>
+                        <a:rPr lang="en-US" b="0" dirty="0" smtClean="0">
+                          <a:solidFill>
+                            <a:schemeClr val="tx1"/>
+                          </a:solidFill>
+                          <a:latin typeface="Times New Roman"/>
+                          <a:cs typeface="Times New Roman"/>
+                        </a:rPr>
+                        <a:t>0</a:t>
+                      </a:r>
+                      <a:endParaRPr lang="en-US" b="0" dirty="0">
+                        <a:solidFill>
+                          <a:schemeClr val="tx1"/>
+                        </a:solidFill>
+                        <a:latin typeface="Times New Roman"/>
+                        <a:cs typeface="Times New Roman"/>
+                      </a:endParaRPr>
+                    </a:p>
+                  </a:txBody>
+                  <a:tcPr anchor="ctr">
+                    <a:lnL w="12700" cap="flat" cmpd="sng" algn="ctr">
+                      <a:solidFill>
+                        <a:scrgbClr r="0" g="0" b="0"/>
+                      </a:solidFill>
+                      <a:prstDash val="solid"/>
+                      <a:round/>
+                      <a:headEnd type="none" w="med" len="med"/>
+                      <a:tailEnd type="none" w="med" len="med"/>
+                    </a:lnL>
+                    <a:lnR w="12700" cap="flat" cmpd="sng" algn="ctr">
+                      <a:solidFill>
+                        <a:scrgbClr r="0" g="0" b="0"/>
+                      </a:solidFill>
+                      <a:prstDash val="solid"/>
+                      <a:round/>
+                      <a:headEnd type="none" w="med" len="med"/>
+                      <a:tailEnd type="none" w="med" len="med"/>
+                    </a:lnR>
+                    <a:lnT w="12700" cap="flat" cmpd="sng" algn="ctr">
+                      <a:solidFill>
+                        <a:scrgbClr r="0" g="0" b="0"/>
+                      </a:solidFill>
+                      <a:prstDash val="solid"/>
+                      <a:round/>
+                      <a:headEnd type="none" w="med" len="med"/>
+                      <a:tailEnd type="none" w="med" len="med"/>
+                    </a:lnT>
+                    <a:lnB w="12700" cap="flat" cmpd="sng" algn="ctr">
+                      <a:solidFill>
+                        <a:scrgbClr r="0" g="0" b="0"/>
+                      </a:solidFill>
+                      <a:prstDash val="solid"/>
+                      <a:round/>
+                      <a:headEnd type="none" w="med" len="med"/>
+                      <a:tailEnd type="none" w="med" len="med"/>
+                    </a:lnB>
+                    <a:lnTlToBr w="12700" cmpd="sng">
+                      <a:noFill/>
+                      <a:prstDash val="solid"/>
+                    </a:lnTlToBr>
+                    <a:lnBlToTr w="12700" cmpd="sng">
+                      <a:noFill/>
+                      <a:prstDash val="solid"/>
+                    </a:lnBlToTr>
+                    <a:solidFill>
+                      <a:schemeClr val="bg1"/>
+                    </a:solidFill>
+                  </a:tcPr>
+                </a:tc>
+                <a:tc>
+                  <a:txBody>
+                    <a:bodyPr/>
+                    <a:lstStyle/>
+                    <a:p>
+                      <a:pPr algn="ctr"/>
+                      <a:r>
+                        <a:rPr lang="en-US" b="0" dirty="0" smtClean="0">
+                          <a:solidFill>
+                            <a:schemeClr val="tx1"/>
+                          </a:solidFill>
+                          <a:latin typeface="Times New Roman"/>
+                          <a:cs typeface="Times New Roman"/>
+                        </a:rPr>
+                        <a:t>1</a:t>
+                      </a:r>
+                      <a:endParaRPr lang="en-US" b="0" dirty="0">
+                        <a:solidFill>
+                          <a:schemeClr val="tx1"/>
+                        </a:solidFill>
+                        <a:latin typeface="Times New Roman"/>
+                        <a:cs typeface="Times New Roman"/>
+                      </a:endParaRPr>
+                    </a:p>
+                  </a:txBody>
+                  <a:tcPr anchor="ctr">
+                    <a:lnL w="12700" cap="flat" cmpd="sng" algn="ctr">
+                      <a:solidFill>
+                        <a:scrgbClr r="0" g="0" b="0"/>
+                      </a:solidFill>
+                      <a:prstDash val="solid"/>
+                      <a:round/>
+                      <a:headEnd type="none" w="med" len="med"/>
+                      <a:tailEnd type="none" w="med" len="med"/>
+                    </a:lnL>
+                    <a:lnR w="12700" cmpd="sng">
+                      <a:noFill/>
+                    </a:lnR>
+                    <a:lnT w="12700" cap="flat" cmpd="sng" algn="ctr">
+                      <a:solidFill>
+                        <a:scrgbClr r="0" g="0" b="0"/>
+                      </a:solidFill>
+                      <a:prstDash val="solid"/>
+                      <a:round/>
+                      <a:headEnd type="none" w="med" len="med"/>
+                      <a:tailEnd type="none" w="med" len="med"/>
+                    </a:lnT>
+                    <a:lnB w="12700" cap="flat" cmpd="sng" algn="ctr">
+                      <a:solidFill>
+                        <a:scrgbClr r="0" g="0" b="0"/>
+                      </a:solidFill>
+                      <a:prstDash val="solid"/>
+                      <a:round/>
+                      <a:headEnd type="none" w="med" len="med"/>
+                      <a:tailEnd type="none" w="med" len="med"/>
+                    </a:lnB>
+                    <a:lnTlToBr w="12700" cmpd="sng">
+                      <a:noFill/>
+                      <a:prstDash val="solid"/>
+                    </a:lnTlToBr>
+                    <a:lnBlToTr w="12700" cmpd="sng">
+                      <a:noFill/>
+                      <a:prstDash val="solid"/>
+                    </a:lnBlToTr>
+                    <a:solidFill>
+                      <a:schemeClr val="bg1"/>
+                    </a:solidFill>
+                  </a:tcPr>
+                </a:tc>
+              </a:tr>
+              <a:tr h="283407">
+                <a:tc>
+                  <a:txBody>
+                    <a:bodyPr/>
+                    <a:lstStyle/>
+                    <a:p>
+                      <a:pPr algn="ctr"/>
+                      <a:r>
+                        <a:rPr lang="en-US" b="0" dirty="0" smtClean="0">
+                          <a:solidFill>
+                            <a:schemeClr val="tx1"/>
+                          </a:solidFill>
+                          <a:latin typeface="Times New Roman"/>
+                          <a:cs typeface="Times New Roman"/>
+                        </a:rPr>
+                        <a:t>site3</a:t>
+                      </a:r>
+                      <a:endParaRPr lang="en-US" b="0" dirty="0">
+                        <a:solidFill>
+                          <a:schemeClr val="tx1"/>
+                        </a:solidFill>
+                        <a:latin typeface="Times New Roman"/>
+                        <a:cs typeface="Times New Roman"/>
+                      </a:endParaRPr>
+                    </a:p>
+                  </a:txBody>
+                  <a:tcPr anchor="ctr">
+                    <a:lnL w="12700" cmpd="sng">
+                      <a:noFill/>
+                    </a:lnL>
+                    <a:lnR w="12700" cap="flat" cmpd="sng" algn="ctr">
+                      <a:solidFill>
+                        <a:scrgbClr r="0" g="0" b="0"/>
+                      </a:solidFill>
+                      <a:prstDash val="solid"/>
+                      <a:round/>
+                      <a:headEnd type="none" w="med" len="med"/>
+                      <a:tailEnd type="none" w="med" len="med"/>
+                    </a:lnR>
+                    <a:lnT w="12700" cap="flat" cmpd="sng" algn="ctr">
+                      <a:solidFill>
+                        <a:scrgbClr r="0" g="0" b="0"/>
+                      </a:solidFill>
+                      <a:prstDash val="solid"/>
+                      <a:round/>
+                      <a:headEnd type="none" w="med" len="med"/>
+                      <a:tailEnd type="none" w="med" len="med"/>
+                    </a:lnT>
+                    <a:lnB w="12700" cmpd="sng">
+                      <a:noFill/>
+                    </a:lnB>
+                    <a:lnTlToBr w="12700" cmpd="sng">
+                      <a:noFill/>
+                      <a:prstDash val="solid"/>
+                    </a:lnTlToBr>
+                    <a:lnBlToTr w="12700" cmpd="sng">
+                      <a:noFill/>
+                      <a:prstDash val="solid"/>
+                    </a:lnBlToTr>
+                    <a:solidFill>
+                      <a:schemeClr val="bg1"/>
+                    </a:solidFill>
+                  </a:tcPr>
+                </a:tc>
+                <a:tc>
+                  <a:txBody>
+                    <a:bodyPr/>
+                    <a:lstStyle/>
+                    <a:p>
+                      <a:pPr algn="ctr"/>
+                      <a:r>
+                        <a:rPr lang="en-US" b="0" dirty="0" smtClean="0">
+                          <a:solidFill>
+                            <a:schemeClr val="tx1"/>
+                          </a:solidFill>
+                          <a:latin typeface="Times New Roman"/>
+                          <a:cs typeface="Times New Roman"/>
+                        </a:rPr>
+                        <a:t>0</a:t>
+                      </a:r>
+                      <a:endParaRPr lang="en-US" b="0" dirty="0">
+                        <a:solidFill>
+                          <a:schemeClr val="tx1"/>
+                        </a:solidFill>
+                        <a:latin typeface="Times New Roman"/>
+                        <a:cs typeface="Times New Roman"/>
+                      </a:endParaRPr>
+                    </a:p>
+                  </a:txBody>
+                  <a:tcPr anchor="ctr">
+                    <a:lnL w="12700" cap="flat" cmpd="sng" algn="ctr">
+                      <a:solidFill>
+                        <a:scrgbClr r="0" g="0" b="0"/>
+                      </a:solidFill>
+                      <a:prstDash val="solid"/>
+                      <a:round/>
+                      <a:headEnd type="none" w="med" len="med"/>
+                      <a:tailEnd type="none" w="med" len="med"/>
+                    </a:lnL>
+                    <a:lnR w="12700" cap="flat" cmpd="sng" algn="ctr">
+                      <a:solidFill>
+                        <a:scrgbClr r="0" g="0" b="0"/>
+                      </a:solidFill>
+                      <a:prstDash val="solid"/>
+                      <a:round/>
+                      <a:headEnd type="none" w="med" len="med"/>
+                      <a:tailEnd type="none" w="med" len="med"/>
+                    </a:lnR>
+                    <a:lnT w="12700" cap="flat" cmpd="sng" algn="ctr">
+                      <a:solidFill>
+                        <a:scrgbClr r="0" g="0" b="0"/>
+                      </a:solidFill>
+                      <a:prstDash val="solid"/>
+                      <a:round/>
+                      <a:headEnd type="none" w="med" len="med"/>
+                      <a:tailEnd type="none" w="med" len="med"/>
+                    </a:lnT>
+                    <a:lnB w="12700" cmpd="sng">
+                      <a:noFill/>
+                    </a:lnB>
+                    <a:lnTlToBr w="12700" cmpd="sng">
+                      <a:noFill/>
+                      <a:prstDash val="solid"/>
+                    </a:lnTlToBr>
+                    <a:lnBlToTr w="12700" cmpd="sng">
+                      <a:noFill/>
+                      <a:prstDash val="solid"/>
+                    </a:lnBlToTr>
+                    <a:solidFill>
+                      <a:schemeClr val="bg1"/>
+                    </a:solidFill>
+                  </a:tcPr>
+                </a:tc>
+                <a:tc>
+                  <a:txBody>
+                    <a:bodyPr/>
+                    <a:lstStyle/>
+                    <a:p>
+                      <a:pPr algn="ctr"/>
+                      <a:r>
+                        <a:rPr lang="en-US" b="0" dirty="0" smtClean="0">
+                          <a:solidFill>
+                            <a:schemeClr val="tx1"/>
+                          </a:solidFill>
+                          <a:latin typeface="Times New Roman"/>
+                          <a:cs typeface="Times New Roman"/>
+                        </a:rPr>
+                        <a:t>1</a:t>
+                      </a:r>
+                      <a:endParaRPr lang="en-US" b="0" dirty="0">
+                        <a:solidFill>
+                          <a:schemeClr val="tx1"/>
+                        </a:solidFill>
+                        <a:latin typeface="Times New Roman"/>
+                        <a:cs typeface="Times New Roman"/>
+                      </a:endParaRPr>
+                    </a:p>
+                  </a:txBody>
+                  <a:tcPr anchor="ctr">
+                    <a:lnL w="12700" cap="flat" cmpd="sng" algn="ctr">
+                      <a:solidFill>
+                        <a:scrgbClr r="0" g="0" b="0"/>
+                      </a:solidFill>
+                      <a:prstDash val="solid"/>
+                      <a:round/>
+                      <a:headEnd type="none" w="med" len="med"/>
+                      <a:tailEnd type="none" w="med" len="med"/>
+                    </a:lnL>
+                    <a:lnR w="12700" cap="flat" cmpd="sng" algn="ctr">
+                      <a:solidFill>
+                        <a:scrgbClr r="0" g="0" b="0"/>
+                      </a:solidFill>
+                      <a:prstDash val="solid"/>
+                      <a:round/>
+                      <a:headEnd type="none" w="med" len="med"/>
+                      <a:tailEnd type="none" w="med" len="med"/>
+                    </a:lnR>
+                    <a:lnT w="12700" cap="flat" cmpd="sng" algn="ctr">
+                      <a:solidFill>
+                        <a:scrgbClr r="0" g="0" b="0"/>
+                      </a:solidFill>
+                      <a:prstDash val="solid"/>
+                      <a:round/>
+                      <a:headEnd type="none" w="med" len="med"/>
+                      <a:tailEnd type="none" w="med" len="med"/>
+                    </a:lnT>
+                    <a:lnB w="12700" cmpd="sng">
+                      <a:noFill/>
+                    </a:lnB>
+                    <a:lnTlToBr w="12700" cmpd="sng">
+                      <a:noFill/>
+                      <a:prstDash val="solid"/>
+                    </a:lnTlToBr>
+                    <a:lnBlToTr w="12700" cmpd="sng">
+                      <a:noFill/>
+                      <a:prstDash val="solid"/>
+                    </a:lnBlToTr>
+                    <a:solidFill>
+                      <a:schemeClr val="bg1"/>
+                    </a:solidFill>
+                  </a:tcPr>
+                </a:tc>
+                <a:tc>
+                  <a:txBody>
+                    <a:bodyPr/>
+                    <a:lstStyle/>
+                    <a:p>
+                      <a:pPr algn="ctr"/>
+                      <a:r>
+                        <a:rPr lang="en-US" b="0" dirty="0" smtClean="0">
+                          <a:solidFill>
+                            <a:schemeClr val="tx1"/>
+                          </a:solidFill>
+                          <a:latin typeface="Times New Roman"/>
+                          <a:cs typeface="Times New Roman"/>
+                        </a:rPr>
+                        <a:t>0</a:t>
+                      </a:r>
+                      <a:endParaRPr lang="en-US" b="0" dirty="0">
+                        <a:solidFill>
+                          <a:schemeClr val="tx1"/>
+                        </a:solidFill>
+                        <a:latin typeface="Times New Roman"/>
+                        <a:cs typeface="Times New Roman"/>
+                      </a:endParaRPr>
+                    </a:p>
+                  </a:txBody>
+                  <a:tcPr anchor="ctr">
+                    <a:lnL w="12700" cap="flat" cmpd="sng" algn="ctr">
+                      <a:solidFill>
+                        <a:scrgbClr r="0" g="0" b="0"/>
+                      </a:solidFill>
+                      <a:prstDash val="solid"/>
+                      <a:round/>
+                      <a:headEnd type="none" w="med" len="med"/>
+                      <a:tailEnd type="none" w="med" len="med"/>
+                    </a:lnL>
+                    <a:lnR w="12700" cmpd="sng">
+                      <a:noFill/>
+                    </a:lnR>
+                    <a:lnT w="12700" cap="flat" cmpd="sng" algn="ctr">
+                      <a:solidFill>
+                        <a:scrgbClr r="0" g="0" b="0"/>
+                      </a:solidFill>
+                      <a:prstDash val="solid"/>
+                      <a:round/>
+                      <a:headEnd type="none" w="med" len="med"/>
+                      <a:tailEnd type="none" w="med" len="med"/>
+                    </a:lnT>
+                    <a:lnB w="12700" cmpd="sng">
+                      <a:noFill/>
+                    </a:lnB>
+                    <a:lnTlToBr w="12700" cmpd="sng">
+                      <a:noFill/>
+                      <a:prstDash val="solid"/>
+                    </a:lnTlToBr>
+                    <a:lnBlToTr w="12700" cmpd="sng">
+                      <a:noFill/>
+                      <a:prstDash val="solid"/>
+                    </a:lnBlToTr>
+                    <a:solidFill>
+                      <a:schemeClr val="bg1"/>
+                    </a:solidFill>
+                  </a:tcPr>
+                </a:tc>
+              </a:tr>
+            </a:tbl>
+          </a:graphicData>
+        </a:graphic>
+      </p:graphicFrame>
+      <p:graphicFrame>
+        <p:nvGraphicFramePr>
+          <p:cNvPr id="5" name="Table 4"/>
+          <p:cNvGraphicFramePr>
+            <a:graphicFrameLocks noGrp="1"/>
+          </p:cNvGraphicFramePr>
+          <p:nvPr>
+            <p:extLst>
+              <p:ext uri="{D42A27DB-BD31-4B8C-83A1-F6EECF244321}">
+                <p14:modId xmlns:p14="http://schemas.microsoft.com/office/powerpoint/2010/main" val="1049442894"/>
+              </p:ext>
+            </p:extLst>
+          </p:nvPr>
+        </p:nvGraphicFramePr>
+        <p:xfrm>
+          <a:off x="4809353" y="1056517"/>
+          <a:ext cx="2250150" cy="2225040"/>
+        </p:xfrm>
+        <a:graphic>
+          <a:graphicData uri="http://schemas.openxmlformats.org/drawingml/2006/table">
+            <a:tbl>
+              <a:tblPr firstRow="1" bandRow="1">
+                <a:tableStyleId>{5C22544A-7EE6-4342-B048-85BDC9FD1C3A}</a:tableStyleId>
+              </a:tblPr>
+              <a:tblGrid>
+                <a:gridCol w="506692"/>
+                <a:gridCol w="696978"/>
+                <a:gridCol w="1046480"/>
+              </a:tblGrid>
+              <a:tr h="370840">
+                <a:tc>
+                  <a:txBody>
+                    <a:bodyPr/>
+                    <a:lstStyle/>
+                    <a:p>
+                      <a:pPr algn="ctr"/>
+                      <a:r>
+                        <a:rPr lang="en-US" dirty="0" smtClean="0">
+                          <a:solidFill>
+                            <a:srgbClr val="000000"/>
+                          </a:solidFill>
+                          <a:latin typeface="Times New Roman"/>
+                          <a:cs typeface="Times New Roman"/>
+                        </a:rPr>
+                        <a:t>site</a:t>
+                      </a:r>
+                      <a:endParaRPr lang="en-US" dirty="0">
+                        <a:solidFill>
+                          <a:srgbClr val="000000"/>
+                        </a:solidFill>
+                        <a:latin typeface="Times New Roman"/>
+                        <a:cs typeface="Times New Roman"/>
+                      </a:endParaRPr>
+                    </a:p>
+                  </a:txBody>
+                  <a:tcPr anchor="ctr">
+                    <a:lnR w="12700" cap="flat" cmpd="sng" algn="ctr">
+                      <a:solidFill>
+                        <a:scrgbClr r="0" g="0" b="0"/>
+                      </a:solidFill>
+                      <a:prstDash val="solid"/>
+                      <a:round/>
+                      <a:headEnd type="none" w="med" len="med"/>
+                      <a:tailEnd type="none" w="med" len="med"/>
+                    </a:lnR>
+                    <a:lnB w="12700" cap="flat" cmpd="sng" algn="ctr">
+                      <a:solidFill>
+                        <a:scrgbClr r="0" g="0" b="0"/>
+                      </a:solidFill>
+                      <a:prstDash val="solid"/>
+                      <a:round/>
+                      <a:headEnd type="none" w="med" len="med"/>
+                      <a:tailEnd type="none" w="med" len="med"/>
+                    </a:lnB>
+                    <a:solidFill>
+                      <a:srgbClr val="FFFFFF"/>
+                    </a:solidFill>
+                  </a:tcPr>
+                </a:tc>
+                <a:tc>
+                  <a:txBody>
+                    <a:bodyPr/>
+                    <a:lstStyle/>
+                    <a:p>
+                      <a:pPr algn="ctr"/>
+                      <a:r>
+                        <a:rPr lang="en-US" dirty="0" err="1" smtClean="0">
+                          <a:solidFill>
+                            <a:srgbClr val="000000"/>
+                          </a:solidFill>
+                          <a:latin typeface="Times New Roman"/>
+                          <a:cs typeface="Times New Roman"/>
+                        </a:rPr>
+                        <a:t>especie</a:t>
+                      </a:r>
+                      <a:endParaRPr lang="en-US" dirty="0">
+                        <a:solidFill>
+                          <a:srgbClr val="000000"/>
+                        </a:solidFill>
+                        <a:latin typeface="Times New Roman"/>
+                        <a:cs typeface="Times New Roman"/>
+                      </a:endParaRPr>
+                    </a:p>
+                  </a:txBody>
+                  <a:tcPr anchor="ctr">
+                    <a:lnL w="12700" cap="flat" cmpd="sng" algn="ctr">
+                      <a:solidFill>
+                        <a:scrgbClr r="0" g="0" b="0"/>
+                      </a:solidFill>
+                      <a:prstDash val="solid"/>
+                      <a:round/>
+                      <a:headEnd type="none" w="med" len="med"/>
+                      <a:tailEnd type="none" w="med" len="med"/>
+                    </a:lnL>
+                    <a:lnR w="12700" cap="flat" cmpd="sng" algn="ctr">
+                      <a:solidFill>
+                        <a:scrgbClr r="0" g="0" b="0"/>
+                      </a:solidFill>
+                      <a:prstDash val="solid"/>
+                      <a:round/>
+                      <a:headEnd type="none" w="med" len="med"/>
+                      <a:tailEnd type="none" w="med" len="med"/>
+                    </a:lnR>
+                    <a:lnB w="12700" cap="flat" cmpd="sng" algn="ctr">
+                      <a:solidFill>
+                        <a:scrgbClr r="0" g="0" b="0"/>
+                      </a:solidFill>
+                      <a:prstDash val="solid"/>
+                      <a:round/>
+                      <a:headEnd type="none" w="med" len="med"/>
+                      <a:tailEnd type="none" w="med" len="med"/>
+                    </a:lnB>
+                    <a:solidFill>
+                      <a:srgbClr val="FFFFFF"/>
+                    </a:solidFill>
+                  </a:tcPr>
+                </a:tc>
+                <a:tc>
+                  <a:txBody>
+                    <a:bodyPr/>
+                    <a:lstStyle/>
+                    <a:p>
+                      <a:pPr algn="ctr"/>
+                      <a:r>
+                        <a:rPr lang="en-US" dirty="0" err="1" smtClean="0">
+                          <a:solidFill>
+                            <a:srgbClr val="000000"/>
+                          </a:solidFill>
+                          <a:latin typeface="Times New Roman"/>
+                          <a:cs typeface="Times New Roman"/>
+                        </a:rPr>
+                        <a:t>abundancia</a:t>
+                      </a:r>
+                      <a:endParaRPr lang="en-US" dirty="0">
+                        <a:solidFill>
+                          <a:srgbClr val="000000"/>
+                        </a:solidFill>
+                        <a:latin typeface="Times New Roman"/>
+                        <a:cs typeface="Times New Roman"/>
+                      </a:endParaRPr>
+                    </a:p>
+                  </a:txBody>
+                  <a:tcPr anchor="ctr">
+                    <a:lnL w="12700" cap="flat" cmpd="sng" algn="ctr">
+                      <a:solidFill>
+                        <a:scrgbClr r="0" g="0" b="0"/>
+                      </a:solidFill>
+                      <a:prstDash val="solid"/>
+                      <a:round/>
+                      <a:headEnd type="none" w="med" len="med"/>
+                      <a:tailEnd type="none" w="med" len="med"/>
+                    </a:lnL>
+                    <a:lnB w="12700" cap="flat" cmpd="sng" algn="ctr">
+                      <a:solidFill>
+                        <a:scrgbClr r="0" g="0" b="0"/>
+                      </a:solidFill>
+                      <a:prstDash val="solid"/>
+                      <a:round/>
+                      <a:headEnd type="none" w="med" len="med"/>
+                      <a:tailEnd type="none" w="med" len="med"/>
+                    </a:lnB>
+                    <a:solidFill>
+                      <a:srgbClr val="FFFFFF"/>
+                    </a:solidFill>
+                  </a:tcPr>
+                </a:tc>
+              </a:tr>
+              <a:tr h="370840">
+                <a:tc>
+                  <a:txBody>
+                    <a:bodyPr/>
+                    <a:lstStyle/>
+                    <a:p>
+                      <a:pPr algn="ctr"/>
+                      <a:r>
+                        <a:rPr lang="en-US" dirty="0" smtClean="0">
+                          <a:solidFill>
+                            <a:srgbClr val="000000"/>
+                          </a:solidFill>
+                          <a:latin typeface="Times New Roman"/>
+                          <a:cs typeface="Times New Roman"/>
+                        </a:rPr>
+                        <a:t>site1</a:t>
+                      </a:r>
+                      <a:endParaRPr lang="en-US" dirty="0">
+                        <a:solidFill>
+                          <a:srgbClr val="000000"/>
+                        </a:solidFill>
+                        <a:latin typeface="Times New Roman"/>
+                        <a:cs typeface="Times New Roman"/>
+                      </a:endParaRPr>
+                    </a:p>
+                  </a:txBody>
+                  <a:tcPr anchor="ctr">
+                    <a:lnR w="12700" cap="flat" cmpd="sng" algn="ctr">
+                      <a:solidFill>
+                        <a:scrgbClr r="0" g="0" b="0"/>
+                      </a:solidFill>
+                      <a:prstDash val="solid"/>
+                      <a:round/>
+                      <a:headEnd type="none" w="med" len="med"/>
+                      <a:tailEnd type="none" w="med" len="med"/>
+                    </a:lnR>
+                    <a:lnT w="12700" cap="flat" cmpd="sng" algn="ctr">
+                      <a:solidFill>
+                        <a:scrgbClr r="0" g="0" b="0"/>
+                      </a:solidFill>
+                      <a:prstDash val="solid"/>
+                      <a:round/>
+                      <a:headEnd type="none" w="med" len="med"/>
+                      <a:tailEnd type="none" w="med" len="med"/>
+                    </a:lnT>
+                    <a:lnB w="12700" cap="flat" cmpd="sng" algn="ctr">
+                      <a:solidFill>
+                        <a:scrgbClr r="0" g="0" b="0"/>
+                      </a:solidFill>
+                      <a:prstDash val="solid"/>
+                      <a:round/>
+                      <a:headEnd type="none" w="med" len="med"/>
+                      <a:tailEnd type="none" w="med" len="med"/>
+                    </a:lnB>
+                    <a:solidFill>
+                      <a:srgbClr val="FFFFFF"/>
+                    </a:solidFill>
+                  </a:tcPr>
+                </a:tc>
+                <a:tc>
+                  <a:txBody>
+                    <a:bodyPr/>
+                    <a:lstStyle/>
+                    <a:p>
+                      <a:pPr algn="ctr"/>
+                      <a:r>
+                        <a:rPr lang="en-US" dirty="0" smtClean="0">
+                          <a:solidFill>
+                            <a:srgbClr val="000000"/>
+                          </a:solidFill>
+                          <a:latin typeface="Times New Roman"/>
+                          <a:cs typeface="Times New Roman"/>
+                        </a:rPr>
+                        <a:t>sp1</a:t>
+                      </a:r>
+                      <a:endParaRPr lang="en-US" dirty="0">
+                        <a:solidFill>
+                          <a:srgbClr val="000000"/>
+                        </a:solidFill>
+                        <a:latin typeface="Times New Roman"/>
+                        <a:cs typeface="Times New Roman"/>
+                      </a:endParaRPr>
+                    </a:p>
+                  </a:txBody>
+                  <a:tcPr anchor="ctr">
+                    <a:lnL w="12700" cap="flat" cmpd="sng" algn="ctr">
+                      <a:solidFill>
+                        <a:scrgbClr r="0" g="0" b="0"/>
+                      </a:solidFill>
+                      <a:prstDash val="solid"/>
+                      <a:round/>
+                      <a:headEnd type="none" w="med" len="med"/>
+                      <a:tailEnd type="none" w="med" len="med"/>
+                    </a:lnL>
+                    <a:lnR w="12700" cap="flat" cmpd="sng" algn="ctr">
+                      <a:solidFill>
+                        <a:scrgbClr r="0" g="0" b="0"/>
+                      </a:solidFill>
+                      <a:prstDash val="solid"/>
+                      <a:round/>
+                      <a:headEnd type="none" w="med" len="med"/>
+                      <a:tailEnd type="none" w="med" len="med"/>
+                    </a:lnR>
+                    <a:lnT w="12700" cap="flat" cmpd="sng" algn="ctr">
+                      <a:solidFill>
+                        <a:scrgbClr r="0" g="0" b="0"/>
+                      </a:solidFill>
+                      <a:prstDash val="solid"/>
+                      <a:round/>
+                      <a:headEnd type="none" w="med" len="med"/>
+                      <a:tailEnd type="none" w="med" len="med"/>
+                    </a:lnT>
+                    <a:lnB w="12700" cap="flat" cmpd="sng" algn="ctr">
+                      <a:solidFill>
+                        <a:scrgbClr r="0" g="0" b="0"/>
+                      </a:solidFill>
+                      <a:prstDash val="solid"/>
+                      <a:round/>
+                      <a:headEnd type="none" w="med" len="med"/>
+                      <a:tailEnd type="none" w="med" len="med"/>
+                    </a:lnB>
+                    <a:solidFill>
+                      <a:srgbClr val="FFFFFF"/>
+                    </a:solidFill>
+                  </a:tcPr>
+                </a:tc>
+                <a:tc>
+                  <a:txBody>
+                    <a:bodyPr/>
+                    <a:lstStyle/>
+                    <a:p>
+                      <a:pPr algn="ctr"/>
+                      <a:r>
+                        <a:rPr lang="en-US" dirty="0" smtClean="0">
+                          <a:solidFill>
+                            <a:srgbClr val="000000"/>
+                          </a:solidFill>
+                          <a:latin typeface="Times New Roman"/>
+                          <a:cs typeface="Times New Roman"/>
+                        </a:rPr>
+                        <a:t>20</a:t>
+                      </a:r>
+                      <a:endParaRPr lang="en-US" dirty="0">
+                        <a:solidFill>
+                          <a:srgbClr val="000000"/>
+                        </a:solidFill>
+                        <a:latin typeface="Times New Roman"/>
+                        <a:cs typeface="Times New Roman"/>
+                      </a:endParaRPr>
+                    </a:p>
+                  </a:txBody>
+                  <a:tcPr anchor="ctr">
+                    <a:lnL w="12700" cap="flat" cmpd="sng" algn="ctr">
+                      <a:solidFill>
+                        <a:scrgbClr r="0" g="0" b="0"/>
+                      </a:solidFill>
+                      <a:prstDash val="solid"/>
+                      <a:round/>
+                      <a:headEnd type="none" w="med" len="med"/>
+                      <a:tailEnd type="none" w="med" len="med"/>
+                    </a:lnL>
+                    <a:lnT w="12700" cap="flat" cmpd="sng" algn="ctr">
+                      <a:solidFill>
+                        <a:scrgbClr r="0" g="0" b="0"/>
+                      </a:solidFill>
+                      <a:prstDash val="solid"/>
+                      <a:round/>
+                      <a:headEnd type="none" w="med" len="med"/>
+                      <a:tailEnd type="none" w="med" len="med"/>
+                    </a:lnT>
+                    <a:lnB w="12700" cap="flat" cmpd="sng" algn="ctr">
+                      <a:solidFill>
+                        <a:scrgbClr r="0" g="0" b="0"/>
+                      </a:solidFill>
+                      <a:prstDash val="solid"/>
+                      <a:round/>
+                      <a:headEnd type="none" w="med" len="med"/>
+                      <a:tailEnd type="none" w="med" len="med"/>
+                    </a:lnB>
+                    <a:solidFill>
+                      <a:srgbClr val="FFFFFF"/>
+                    </a:solidFill>
+                  </a:tcPr>
+                </a:tc>
+              </a:tr>
+              <a:tr h="370840">
+                <a:tc>
+                  <a:txBody>
+                    <a:bodyPr/>
+                    <a:lstStyle/>
+                    <a:p>
+                      <a:pPr algn="ctr"/>
+                      <a:r>
+                        <a:rPr lang="en-US" dirty="0" smtClean="0">
+                          <a:solidFill>
+                            <a:srgbClr val="000000"/>
+                          </a:solidFill>
+                          <a:latin typeface="Times New Roman"/>
+                          <a:cs typeface="Times New Roman"/>
+                        </a:rPr>
+                        <a:t>site1</a:t>
+                      </a:r>
+                      <a:endParaRPr lang="en-US" dirty="0">
+                        <a:solidFill>
+                          <a:srgbClr val="000000"/>
+                        </a:solidFill>
+                        <a:latin typeface="Times New Roman"/>
+                        <a:cs typeface="Times New Roman"/>
+                      </a:endParaRPr>
+                    </a:p>
+                  </a:txBody>
+                  <a:tcPr anchor="ctr">
+                    <a:lnR w="12700" cap="flat" cmpd="sng" algn="ctr">
+                      <a:solidFill>
+                        <a:scrgbClr r="0" g="0" b="0"/>
+                      </a:solidFill>
+                      <a:prstDash val="solid"/>
+                      <a:round/>
+                      <a:headEnd type="none" w="med" len="med"/>
+                      <a:tailEnd type="none" w="med" len="med"/>
+                    </a:lnR>
+                    <a:lnT w="12700" cap="flat" cmpd="sng" algn="ctr">
+                      <a:solidFill>
+                        <a:scrgbClr r="0" g="0" b="0"/>
+                      </a:solidFill>
+                      <a:prstDash val="solid"/>
+                      <a:round/>
+                      <a:headEnd type="none" w="med" len="med"/>
+                      <a:tailEnd type="none" w="med" len="med"/>
+                    </a:lnT>
+                    <a:lnB w="12700" cap="flat" cmpd="sng" algn="ctr">
+                      <a:solidFill>
+                        <a:scrgbClr r="0" g="0" b="0"/>
+                      </a:solidFill>
+                      <a:prstDash val="solid"/>
+                      <a:round/>
+                      <a:headEnd type="none" w="med" len="med"/>
+                      <a:tailEnd type="none" w="med" len="med"/>
+                    </a:lnB>
+                    <a:solidFill>
+                      <a:srgbClr val="FFFFFF"/>
+                    </a:solidFill>
+                  </a:tcPr>
+                </a:tc>
+                <a:tc>
+                  <a:txBody>
+                    <a:bodyPr/>
+                    <a:lstStyle/>
+                    <a:p>
+                      <a:pPr algn="ctr"/>
+                      <a:r>
+                        <a:rPr lang="en-US" dirty="0" smtClean="0">
+                          <a:solidFill>
+                            <a:srgbClr val="000000"/>
+                          </a:solidFill>
+                          <a:latin typeface="Times New Roman"/>
+                          <a:cs typeface="Times New Roman"/>
+                        </a:rPr>
+                        <a:t>sp2</a:t>
+                      </a:r>
+                      <a:endParaRPr lang="en-US" dirty="0">
+                        <a:solidFill>
+                          <a:srgbClr val="000000"/>
+                        </a:solidFill>
+                        <a:latin typeface="Times New Roman"/>
+                        <a:cs typeface="Times New Roman"/>
+                      </a:endParaRPr>
+                    </a:p>
+                  </a:txBody>
+                  <a:tcPr anchor="ctr">
+                    <a:lnL w="12700" cap="flat" cmpd="sng" algn="ctr">
+                      <a:solidFill>
+                        <a:scrgbClr r="0" g="0" b="0"/>
+                      </a:solidFill>
+                      <a:prstDash val="solid"/>
+                      <a:round/>
+                      <a:headEnd type="none" w="med" len="med"/>
+                      <a:tailEnd type="none" w="med" len="med"/>
+                    </a:lnL>
+                    <a:lnR w="12700" cap="flat" cmpd="sng" algn="ctr">
+                      <a:solidFill>
+                        <a:scrgbClr r="0" g="0" b="0"/>
+                      </a:solidFill>
+                      <a:prstDash val="solid"/>
+                      <a:round/>
+                      <a:headEnd type="none" w="med" len="med"/>
+                      <a:tailEnd type="none" w="med" len="med"/>
+                    </a:lnR>
+                    <a:lnT w="12700" cap="flat" cmpd="sng" algn="ctr">
+                      <a:solidFill>
+                        <a:scrgbClr r="0" g="0" b="0"/>
+                      </a:solidFill>
+                      <a:prstDash val="solid"/>
+                      <a:round/>
+                      <a:headEnd type="none" w="med" len="med"/>
+                      <a:tailEnd type="none" w="med" len="med"/>
+                    </a:lnT>
+                    <a:lnB w="12700" cap="flat" cmpd="sng" algn="ctr">
+                      <a:solidFill>
+                        <a:scrgbClr r="0" g="0" b="0"/>
+                      </a:solidFill>
+                      <a:prstDash val="solid"/>
+                      <a:round/>
+                      <a:headEnd type="none" w="med" len="med"/>
+                      <a:tailEnd type="none" w="med" len="med"/>
+                    </a:lnB>
+                    <a:solidFill>
+                      <a:srgbClr val="FFFFFF"/>
+                    </a:solidFill>
+                  </a:tcPr>
+                </a:tc>
+                <a:tc>
+                  <a:txBody>
+                    <a:bodyPr/>
+                    <a:lstStyle/>
+                    <a:p>
+                      <a:pPr algn="ctr"/>
+                      <a:r>
+                        <a:rPr lang="en-US" dirty="0" smtClean="0">
+                          <a:solidFill>
+                            <a:srgbClr val="000000"/>
+                          </a:solidFill>
+                          <a:latin typeface="Times New Roman"/>
+                          <a:cs typeface="Times New Roman"/>
+                        </a:rPr>
+                        <a:t>10</a:t>
+                      </a:r>
+                      <a:endParaRPr lang="en-US" dirty="0">
+                        <a:solidFill>
+                          <a:srgbClr val="000000"/>
+                        </a:solidFill>
+                        <a:latin typeface="Times New Roman"/>
+                        <a:cs typeface="Times New Roman"/>
+                      </a:endParaRPr>
+                    </a:p>
+                  </a:txBody>
+                  <a:tcPr anchor="ctr">
+                    <a:lnL w="12700" cap="flat" cmpd="sng" algn="ctr">
+                      <a:solidFill>
+                        <a:scrgbClr r="0" g="0" b="0"/>
+                      </a:solidFill>
+                      <a:prstDash val="solid"/>
+                      <a:round/>
+                      <a:headEnd type="none" w="med" len="med"/>
+                      <a:tailEnd type="none" w="med" len="med"/>
+                    </a:lnL>
+                    <a:lnT w="12700" cap="flat" cmpd="sng" algn="ctr">
+                      <a:solidFill>
+                        <a:scrgbClr r="0" g="0" b="0"/>
+                      </a:solidFill>
+                      <a:prstDash val="solid"/>
+                      <a:round/>
+                      <a:headEnd type="none" w="med" len="med"/>
+                      <a:tailEnd type="none" w="med" len="med"/>
+                    </a:lnT>
+                    <a:lnB w="12700" cap="flat" cmpd="sng" algn="ctr">
+                      <a:solidFill>
+                        <a:scrgbClr r="0" g="0" b="0"/>
+                      </a:solidFill>
+                      <a:prstDash val="solid"/>
+                      <a:round/>
+                      <a:headEnd type="none" w="med" len="med"/>
+                      <a:tailEnd type="none" w="med" len="med"/>
+                    </a:lnB>
+                    <a:solidFill>
+                      <a:srgbClr val="FFFFFF"/>
+                    </a:solidFill>
+                  </a:tcPr>
+                </a:tc>
+              </a:tr>
+              <a:tr h="370840">
+                <a:tc>
+                  <a:txBody>
+                    <a:bodyPr/>
+                    <a:lstStyle/>
+                    <a:p>
+                      <a:pPr algn="ctr"/>
+                      <a:r>
+                        <a:rPr lang="en-US" dirty="0" smtClean="0">
+                          <a:solidFill>
+                            <a:srgbClr val="000000"/>
+                          </a:solidFill>
+                          <a:latin typeface="Times New Roman"/>
+                          <a:cs typeface="Times New Roman"/>
+                        </a:rPr>
+                        <a:t>site2</a:t>
+                      </a:r>
+                      <a:endParaRPr lang="en-US" dirty="0">
+                        <a:solidFill>
+                          <a:srgbClr val="000000"/>
+                        </a:solidFill>
+                        <a:latin typeface="Times New Roman"/>
+                        <a:cs typeface="Times New Roman"/>
+                      </a:endParaRPr>
+                    </a:p>
+                  </a:txBody>
+                  <a:tcPr anchor="ctr">
+                    <a:lnR w="12700" cap="flat" cmpd="sng" algn="ctr">
+                      <a:solidFill>
+                        <a:scrgbClr r="0" g="0" b="0"/>
+                      </a:solidFill>
+                      <a:prstDash val="solid"/>
+                      <a:round/>
+                      <a:headEnd type="none" w="med" len="med"/>
+                      <a:tailEnd type="none" w="med" len="med"/>
+                    </a:lnR>
+                    <a:lnT w="12700" cap="flat" cmpd="sng" algn="ctr">
+                      <a:solidFill>
+                        <a:scrgbClr r="0" g="0" b="0"/>
+                      </a:solidFill>
+                      <a:prstDash val="solid"/>
+                      <a:round/>
+                      <a:headEnd type="none" w="med" len="med"/>
+                      <a:tailEnd type="none" w="med" len="med"/>
+                    </a:lnT>
+                    <a:lnB w="12700" cap="flat" cmpd="sng" algn="ctr">
+                      <a:solidFill>
+                        <a:scrgbClr r="0" g="0" b="0"/>
+                      </a:solidFill>
+                      <a:prstDash val="solid"/>
+                      <a:round/>
+                      <a:headEnd type="none" w="med" len="med"/>
+                      <a:tailEnd type="none" w="med" len="med"/>
+                    </a:lnB>
+                    <a:solidFill>
+                      <a:srgbClr val="FFFFFF"/>
+                    </a:solidFill>
+                  </a:tcPr>
+                </a:tc>
+                <a:tc>
+                  <a:txBody>
+                    <a:bodyPr/>
+                    <a:lstStyle/>
+                    <a:p>
+                      <a:pPr algn="ctr"/>
+                      <a:r>
+                        <a:rPr lang="en-US" dirty="0" smtClean="0">
+                          <a:solidFill>
+                            <a:srgbClr val="000000"/>
+                          </a:solidFill>
+                          <a:latin typeface="Times New Roman"/>
+                          <a:cs typeface="Times New Roman"/>
+                        </a:rPr>
+                        <a:t>sp1</a:t>
+                      </a:r>
+                      <a:endParaRPr lang="en-US" dirty="0">
+                        <a:solidFill>
+                          <a:srgbClr val="000000"/>
+                        </a:solidFill>
+                        <a:latin typeface="Times New Roman"/>
+                        <a:cs typeface="Times New Roman"/>
+                      </a:endParaRPr>
+                    </a:p>
+                  </a:txBody>
+                  <a:tcPr anchor="ctr">
+                    <a:lnL w="12700" cap="flat" cmpd="sng" algn="ctr">
+                      <a:solidFill>
+                        <a:scrgbClr r="0" g="0" b="0"/>
+                      </a:solidFill>
+                      <a:prstDash val="solid"/>
+                      <a:round/>
+                      <a:headEnd type="none" w="med" len="med"/>
+                      <a:tailEnd type="none" w="med" len="med"/>
+                    </a:lnL>
+                    <a:lnR w="12700" cap="flat" cmpd="sng" algn="ctr">
+                      <a:solidFill>
+                        <a:scrgbClr r="0" g="0" b="0"/>
+                      </a:solidFill>
+                      <a:prstDash val="solid"/>
+                      <a:round/>
+                      <a:headEnd type="none" w="med" len="med"/>
+                      <a:tailEnd type="none" w="med" len="med"/>
+                    </a:lnR>
+                    <a:lnT w="12700" cap="flat" cmpd="sng" algn="ctr">
+                      <a:solidFill>
+                        <a:scrgbClr r="0" g="0" b="0"/>
+                      </a:solidFill>
+                      <a:prstDash val="solid"/>
+                      <a:round/>
+                      <a:headEnd type="none" w="med" len="med"/>
+                      <a:tailEnd type="none" w="med" len="med"/>
+                    </a:lnT>
+                    <a:lnB w="12700" cap="flat" cmpd="sng" algn="ctr">
+                      <a:solidFill>
+                        <a:scrgbClr r="0" g="0" b="0"/>
+                      </a:solidFill>
+                      <a:prstDash val="solid"/>
+                      <a:round/>
+                      <a:headEnd type="none" w="med" len="med"/>
+                      <a:tailEnd type="none" w="med" len="med"/>
+                    </a:lnB>
+                    <a:solidFill>
+                      <a:srgbClr val="FFFFFF"/>
+                    </a:solidFill>
+                  </a:tcPr>
+                </a:tc>
+                <a:tc>
+                  <a:txBody>
+                    <a:bodyPr/>
+                    <a:lstStyle/>
+                    <a:p>
+                      <a:pPr algn="ctr"/>
+                      <a:r>
+                        <a:rPr lang="en-US" dirty="0" smtClean="0">
+                          <a:solidFill>
+                            <a:srgbClr val="000000"/>
+                          </a:solidFill>
+                          <a:latin typeface="Times New Roman"/>
+                          <a:cs typeface="Times New Roman"/>
+                        </a:rPr>
+                        <a:t>5</a:t>
+                      </a:r>
+                      <a:endParaRPr lang="en-US" dirty="0">
+                        <a:solidFill>
+                          <a:srgbClr val="000000"/>
+                        </a:solidFill>
+                        <a:latin typeface="Times New Roman"/>
+                        <a:cs typeface="Times New Roman"/>
+                      </a:endParaRPr>
+                    </a:p>
+                  </a:txBody>
+                  <a:tcPr anchor="ctr">
+                    <a:lnL w="12700" cap="flat" cmpd="sng" algn="ctr">
+                      <a:solidFill>
+                        <a:scrgbClr r="0" g="0" b="0"/>
+                      </a:solidFill>
+                      <a:prstDash val="solid"/>
+                      <a:round/>
+                      <a:headEnd type="none" w="med" len="med"/>
+                      <a:tailEnd type="none" w="med" len="med"/>
+                    </a:lnL>
+                    <a:lnT w="12700" cap="flat" cmpd="sng" algn="ctr">
+                      <a:solidFill>
+                        <a:scrgbClr r="0" g="0" b="0"/>
+                      </a:solidFill>
+                      <a:prstDash val="solid"/>
+                      <a:round/>
+                      <a:headEnd type="none" w="med" len="med"/>
+                      <a:tailEnd type="none" w="med" len="med"/>
+                    </a:lnT>
+                    <a:lnB w="12700" cap="flat" cmpd="sng" algn="ctr">
+                      <a:solidFill>
+                        <a:scrgbClr r="0" g="0" b="0"/>
+                      </a:solidFill>
+                      <a:prstDash val="solid"/>
+                      <a:round/>
+                      <a:headEnd type="none" w="med" len="med"/>
+                      <a:tailEnd type="none" w="med" len="med"/>
+                    </a:lnB>
+                    <a:solidFill>
+                      <a:srgbClr val="FFFFFF"/>
+                    </a:solidFill>
+                  </a:tcPr>
+                </a:tc>
+              </a:tr>
+              <a:tr h="370840">
+                <a:tc>
+                  <a:txBody>
+                    <a:bodyPr/>
+                    <a:lstStyle/>
+                    <a:p>
+                      <a:pPr algn="ctr"/>
+                      <a:r>
+                        <a:rPr lang="en-US" dirty="0" smtClean="0">
+                          <a:solidFill>
+                            <a:srgbClr val="000000"/>
+                          </a:solidFill>
+                          <a:latin typeface="Times New Roman"/>
+                          <a:cs typeface="Times New Roman"/>
+                        </a:rPr>
+                        <a:t>site2</a:t>
+                      </a:r>
+                      <a:endParaRPr lang="en-US" dirty="0">
+                        <a:solidFill>
+                          <a:srgbClr val="000000"/>
+                        </a:solidFill>
+                        <a:latin typeface="Times New Roman"/>
+                        <a:cs typeface="Times New Roman"/>
+                      </a:endParaRPr>
+                    </a:p>
+                  </a:txBody>
+                  <a:tcPr anchor="ctr">
+                    <a:lnR w="12700" cap="flat" cmpd="sng" algn="ctr">
+                      <a:solidFill>
+                        <a:scrgbClr r="0" g="0" b="0"/>
+                      </a:solidFill>
+                      <a:prstDash val="solid"/>
+                      <a:round/>
+                      <a:headEnd type="none" w="med" len="med"/>
+                      <a:tailEnd type="none" w="med" len="med"/>
+                    </a:lnR>
+                    <a:lnT w="12700" cap="flat" cmpd="sng" algn="ctr">
+                      <a:solidFill>
+                        <a:scrgbClr r="0" g="0" b="0"/>
+                      </a:solidFill>
+                      <a:prstDash val="solid"/>
+                      <a:round/>
+                      <a:headEnd type="none" w="med" len="med"/>
+                      <a:tailEnd type="none" w="med" len="med"/>
+                    </a:lnT>
+                    <a:lnB w="12700" cap="flat" cmpd="sng" algn="ctr">
+                      <a:solidFill>
+                        <a:scrgbClr r="0" g="0" b="0"/>
+                      </a:solidFill>
+                      <a:prstDash val="solid"/>
+                      <a:round/>
+                      <a:headEnd type="none" w="med" len="med"/>
+                      <a:tailEnd type="none" w="med" len="med"/>
+                    </a:lnB>
+                    <a:solidFill>
+                      <a:srgbClr val="FFFFFF"/>
+                    </a:solidFill>
+                  </a:tcPr>
+                </a:tc>
+                <a:tc>
+                  <a:txBody>
+                    <a:bodyPr/>
+                    <a:lstStyle/>
+                    <a:p>
+                      <a:pPr algn="ctr"/>
+                      <a:r>
+                        <a:rPr lang="en-US" dirty="0" smtClean="0">
+                          <a:solidFill>
+                            <a:srgbClr val="000000"/>
+                          </a:solidFill>
+                          <a:latin typeface="Times New Roman"/>
+                          <a:cs typeface="Times New Roman"/>
+                        </a:rPr>
+                        <a:t>sp3</a:t>
+                      </a:r>
+                      <a:endParaRPr lang="en-US" dirty="0">
+                        <a:solidFill>
+                          <a:srgbClr val="000000"/>
+                        </a:solidFill>
+                        <a:latin typeface="Times New Roman"/>
+                        <a:cs typeface="Times New Roman"/>
+                      </a:endParaRPr>
+                    </a:p>
+                  </a:txBody>
+                  <a:tcPr anchor="ctr">
+                    <a:lnL w="12700" cap="flat" cmpd="sng" algn="ctr">
+                      <a:solidFill>
+                        <a:scrgbClr r="0" g="0" b="0"/>
+                      </a:solidFill>
+                      <a:prstDash val="solid"/>
+                      <a:round/>
+                      <a:headEnd type="none" w="med" len="med"/>
+                      <a:tailEnd type="none" w="med" len="med"/>
+                    </a:lnL>
+                    <a:lnR w="12700" cap="flat" cmpd="sng" algn="ctr">
+                      <a:solidFill>
+                        <a:scrgbClr r="0" g="0" b="0"/>
+                      </a:solidFill>
+                      <a:prstDash val="solid"/>
+                      <a:round/>
+                      <a:headEnd type="none" w="med" len="med"/>
+                      <a:tailEnd type="none" w="med" len="med"/>
+                    </a:lnR>
+                    <a:lnT w="12700" cap="flat" cmpd="sng" algn="ctr">
+                      <a:solidFill>
+                        <a:scrgbClr r="0" g="0" b="0"/>
+                      </a:solidFill>
+                      <a:prstDash val="solid"/>
+                      <a:round/>
+                      <a:headEnd type="none" w="med" len="med"/>
+                      <a:tailEnd type="none" w="med" len="med"/>
+                    </a:lnT>
+                    <a:lnB w="12700" cap="flat" cmpd="sng" algn="ctr">
+                      <a:solidFill>
+                        <a:scrgbClr r="0" g="0" b="0"/>
+                      </a:solidFill>
+                      <a:prstDash val="solid"/>
+                      <a:round/>
+                      <a:headEnd type="none" w="med" len="med"/>
+                      <a:tailEnd type="none" w="med" len="med"/>
+                    </a:lnB>
+                    <a:solidFill>
+                      <a:srgbClr val="FFFFFF"/>
+                    </a:solidFill>
+                  </a:tcPr>
+                </a:tc>
+                <a:tc>
+                  <a:txBody>
+                    <a:bodyPr/>
+                    <a:lstStyle/>
+                    <a:p>
+                      <a:pPr algn="ctr"/>
+                      <a:r>
+                        <a:rPr lang="en-US" dirty="0" smtClean="0">
+                          <a:solidFill>
+                            <a:srgbClr val="000000"/>
+                          </a:solidFill>
+                          <a:latin typeface="Times New Roman"/>
+                          <a:cs typeface="Times New Roman"/>
+                        </a:rPr>
+                        <a:t>10</a:t>
+                      </a:r>
+                      <a:endParaRPr lang="en-US" dirty="0">
+                        <a:solidFill>
+                          <a:srgbClr val="000000"/>
+                        </a:solidFill>
+                        <a:latin typeface="Times New Roman"/>
+                        <a:cs typeface="Times New Roman"/>
+                      </a:endParaRPr>
+                    </a:p>
+                  </a:txBody>
+                  <a:tcPr anchor="ctr">
+                    <a:lnL w="12700" cap="flat" cmpd="sng" algn="ctr">
+                      <a:solidFill>
+                        <a:scrgbClr r="0" g="0" b="0"/>
+                      </a:solidFill>
+                      <a:prstDash val="solid"/>
+                      <a:round/>
+                      <a:headEnd type="none" w="med" len="med"/>
+                      <a:tailEnd type="none" w="med" len="med"/>
+                    </a:lnL>
+                    <a:lnT w="12700" cap="flat" cmpd="sng" algn="ctr">
+                      <a:solidFill>
+                        <a:scrgbClr r="0" g="0" b="0"/>
+                      </a:solidFill>
+                      <a:prstDash val="solid"/>
+                      <a:round/>
+                      <a:headEnd type="none" w="med" len="med"/>
+                      <a:tailEnd type="none" w="med" len="med"/>
+                    </a:lnT>
+                    <a:lnB w="12700" cap="flat" cmpd="sng" algn="ctr">
+                      <a:solidFill>
+                        <a:scrgbClr r="0" g="0" b="0"/>
+                      </a:solidFill>
+                      <a:prstDash val="solid"/>
+                      <a:round/>
+                      <a:headEnd type="none" w="med" len="med"/>
+                      <a:tailEnd type="none" w="med" len="med"/>
+                    </a:lnB>
+                    <a:solidFill>
+                      <a:srgbClr val="FFFFFF"/>
+                    </a:solidFill>
+                  </a:tcPr>
+                </a:tc>
+              </a:tr>
+              <a:tr h="370840">
+                <a:tc>
+                  <a:txBody>
+                    <a:bodyPr/>
+                    <a:lstStyle/>
+                    <a:p>
+                      <a:pPr algn="ctr"/>
+                      <a:r>
+                        <a:rPr lang="en-US" dirty="0" smtClean="0">
+                          <a:solidFill>
+                            <a:srgbClr val="000000"/>
+                          </a:solidFill>
+                          <a:latin typeface="Times New Roman"/>
+                          <a:cs typeface="Times New Roman"/>
+                        </a:rPr>
+                        <a:t>site3</a:t>
+                      </a:r>
+                      <a:endParaRPr lang="en-US" dirty="0">
+                        <a:solidFill>
+                          <a:srgbClr val="000000"/>
+                        </a:solidFill>
+                        <a:latin typeface="Times New Roman"/>
+                        <a:cs typeface="Times New Roman"/>
+                      </a:endParaRPr>
+                    </a:p>
+                  </a:txBody>
+                  <a:tcPr anchor="ctr">
+                    <a:lnR w="12700" cap="flat" cmpd="sng" algn="ctr">
+                      <a:solidFill>
+                        <a:scrgbClr r="0" g="0" b="0"/>
+                      </a:solidFill>
+                      <a:prstDash val="solid"/>
+                      <a:round/>
+                      <a:headEnd type="none" w="med" len="med"/>
+                      <a:tailEnd type="none" w="med" len="med"/>
+                    </a:lnR>
+                    <a:lnT w="12700" cap="flat" cmpd="sng" algn="ctr">
+                      <a:solidFill>
+                        <a:scrgbClr r="0" g="0" b="0"/>
+                      </a:solidFill>
+                      <a:prstDash val="solid"/>
+                      <a:round/>
+                      <a:headEnd type="none" w="med" len="med"/>
+                      <a:tailEnd type="none" w="med" len="med"/>
+                    </a:lnT>
+                    <a:solidFill>
+                      <a:srgbClr val="FFFFFF"/>
+                    </a:solidFill>
+                  </a:tcPr>
+                </a:tc>
+                <a:tc>
+                  <a:txBody>
+                    <a:bodyPr/>
+                    <a:lstStyle/>
+                    <a:p>
+                      <a:pPr algn="ctr"/>
+                      <a:r>
+                        <a:rPr lang="en-US" dirty="0" smtClean="0">
+                          <a:solidFill>
+                            <a:srgbClr val="000000"/>
+                          </a:solidFill>
+                          <a:latin typeface="Times New Roman"/>
+                          <a:cs typeface="Times New Roman"/>
+                        </a:rPr>
+                        <a:t>sp2</a:t>
+                      </a:r>
+                      <a:endParaRPr lang="en-US" dirty="0">
+                        <a:solidFill>
+                          <a:srgbClr val="000000"/>
+                        </a:solidFill>
+                        <a:latin typeface="Times New Roman"/>
+                        <a:cs typeface="Times New Roman"/>
+                      </a:endParaRPr>
+                    </a:p>
+                  </a:txBody>
+                  <a:tcPr anchor="ctr">
+                    <a:lnL w="12700" cap="flat" cmpd="sng" algn="ctr">
+                      <a:solidFill>
+                        <a:scrgbClr r="0" g="0" b="0"/>
+                      </a:solidFill>
+                      <a:prstDash val="solid"/>
+                      <a:round/>
+                      <a:headEnd type="none" w="med" len="med"/>
+                      <a:tailEnd type="none" w="med" len="med"/>
+                    </a:lnL>
+                    <a:lnR w="12700" cap="flat" cmpd="sng" algn="ctr">
+                      <a:solidFill>
+                        <a:scrgbClr r="0" g="0" b="0"/>
+                      </a:solidFill>
+                      <a:prstDash val="solid"/>
+                      <a:round/>
+                      <a:headEnd type="none" w="med" len="med"/>
+                      <a:tailEnd type="none" w="med" len="med"/>
+                    </a:lnR>
+                    <a:lnT w="12700" cap="flat" cmpd="sng" algn="ctr">
+                      <a:solidFill>
+                        <a:scrgbClr r="0" g="0" b="0"/>
+                      </a:solidFill>
+                      <a:prstDash val="solid"/>
+                      <a:round/>
+                      <a:headEnd type="none" w="med" len="med"/>
+                      <a:tailEnd type="none" w="med" len="med"/>
+                    </a:lnT>
+                    <a:solidFill>
+                      <a:srgbClr val="FFFFFF"/>
+                    </a:solidFill>
+                  </a:tcPr>
+                </a:tc>
+                <a:tc>
+                  <a:txBody>
+                    <a:bodyPr/>
+                    <a:lstStyle/>
+                    <a:p>
+                      <a:pPr algn="ctr"/>
+                      <a:r>
+                        <a:rPr lang="en-US" dirty="0" smtClean="0">
+                          <a:solidFill>
+                            <a:srgbClr val="000000"/>
+                          </a:solidFill>
+                          <a:latin typeface="Times New Roman"/>
+                          <a:cs typeface="Times New Roman"/>
+                        </a:rPr>
+                        <a:t>15</a:t>
+                      </a:r>
+                      <a:endParaRPr lang="en-US" dirty="0">
+                        <a:solidFill>
+                          <a:srgbClr val="000000"/>
+                        </a:solidFill>
+                        <a:latin typeface="Times New Roman"/>
+                        <a:cs typeface="Times New Roman"/>
+                      </a:endParaRPr>
+                    </a:p>
+                  </a:txBody>
+                  <a:tcPr anchor="ctr">
+                    <a:lnL w="12700" cap="flat" cmpd="sng" algn="ctr">
+                      <a:solidFill>
+                        <a:scrgbClr r="0" g="0" b="0"/>
+                      </a:solidFill>
+                      <a:prstDash val="solid"/>
+                      <a:round/>
+                      <a:headEnd type="none" w="med" len="med"/>
+                      <a:tailEnd type="none" w="med" len="med"/>
+                    </a:lnL>
+                    <a:lnT w="12700" cap="flat" cmpd="sng" algn="ctr">
+                      <a:solidFill>
+                        <a:scrgbClr r="0" g="0" b="0"/>
+                      </a:solidFill>
+                      <a:prstDash val="solid"/>
+                      <a:round/>
+                      <a:headEnd type="none" w="med" len="med"/>
+                      <a:tailEnd type="none" w="med" len="med"/>
+                    </a:lnT>
+                    <a:solidFill>
+                      <a:srgbClr val="FFFFFF"/>
+                    </a:solidFill>
+                  </a:tcPr>
+                </a:tc>
+              </a:tr>
+            </a:tbl>
+          </a:graphicData>
+        </a:graphic>
+      </p:graphicFrame>
+      <p:graphicFrame>
+        <p:nvGraphicFramePr>
+          <p:cNvPr id="27" name="Table 26"/>
+          <p:cNvGraphicFramePr>
+            <a:graphicFrameLocks noGrp="1"/>
+          </p:cNvGraphicFramePr>
+          <p:nvPr>
+            <p:extLst>
+              <p:ext uri="{D42A27DB-BD31-4B8C-83A1-F6EECF244321}">
+                <p14:modId xmlns:p14="http://schemas.microsoft.com/office/powerpoint/2010/main" val="4117446459"/>
+              </p:ext>
+            </p:extLst>
+          </p:nvPr>
+        </p:nvGraphicFramePr>
+        <p:xfrm>
+          <a:off x="5332593" y="3761988"/>
+          <a:ext cx="1203670" cy="2225040"/>
+        </p:xfrm>
+        <a:graphic>
+          <a:graphicData uri="http://schemas.openxmlformats.org/drawingml/2006/table">
+            <a:tbl>
+              <a:tblPr firstRow="1" bandRow="1">
+                <a:tableStyleId>{5C22544A-7EE6-4342-B048-85BDC9FD1C3A}</a:tableStyleId>
+              </a:tblPr>
+              <a:tblGrid>
+                <a:gridCol w="506692"/>
+                <a:gridCol w="696978"/>
+              </a:tblGrid>
+              <a:tr h="370840">
+                <a:tc>
+                  <a:txBody>
+                    <a:bodyPr/>
+                    <a:lstStyle/>
+                    <a:p>
+                      <a:pPr algn="ctr"/>
+                      <a:r>
+                        <a:rPr lang="en-US" dirty="0" smtClean="0">
+                          <a:solidFill>
+                            <a:srgbClr val="000000"/>
+                          </a:solidFill>
+                          <a:latin typeface="Times New Roman"/>
+                          <a:cs typeface="Times New Roman"/>
+                        </a:rPr>
+                        <a:t>site</a:t>
+                      </a:r>
+                      <a:endParaRPr lang="en-US" dirty="0">
+                        <a:solidFill>
+                          <a:srgbClr val="000000"/>
+                        </a:solidFill>
+                        <a:latin typeface="Times New Roman"/>
+                        <a:cs typeface="Times New Roman"/>
+                      </a:endParaRPr>
+                    </a:p>
+                  </a:txBody>
+                  <a:tcPr anchor="ctr">
+                    <a:lnL w="12700" cap="flat" cmpd="sng" algn="ctr">
+                      <a:noFill/>
+                      <a:prstDash val="solid"/>
+                      <a:round/>
+                      <a:headEnd type="none" w="med" len="med"/>
+                      <a:tailEnd type="none" w="med" len="med"/>
+                    </a:lnL>
+                    <a:lnR w="12700" cap="flat" cmpd="sng" algn="ctr">
+                      <a:solidFill>
+                        <a:scrgbClr r="0" g="0" b="0"/>
+                      </a:solidFill>
+                      <a:prstDash val="solid"/>
+                      <a:round/>
+                      <a:headEnd type="none" w="med" len="med"/>
+                      <a:tailEnd type="none" w="med" len="med"/>
+                    </a:lnR>
+                    <a:lnT w="12700" cap="flat" cmpd="sng" algn="ctr">
+                      <a:noFill/>
+                      <a:prstDash val="solid"/>
+                      <a:round/>
+                      <a:headEnd type="none" w="med" len="med"/>
+                      <a:tailEnd type="none" w="med" len="med"/>
+                    </a:lnT>
+                    <a:lnB w="12700" cap="flat" cmpd="sng" algn="ctr">
+                      <a:solidFill>
+                        <a:scrgbClr r="0" g="0" b="0"/>
+                      </a:solidFill>
+                      <a:prstDash val="solid"/>
+                      <a:round/>
+                      <a:headEnd type="none" w="med" len="med"/>
+                      <a:tailEnd type="none" w="med" len="med"/>
+                    </a:lnB>
+                    <a:solidFill>
+                      <a:srgbClr val="FFFFFF"/>
+                    </a:solidFill>
+                  </a:tcPr>
+                </a:tc>
+                <a:tc>
+                  <a:txBody>
+                    <a:bodyPr/>
+                    <a:lstStyle/>
+                    <a:p>
+                      <a:pPr algn="ctr"/>
+                      <a:r>
+                        <a:rPr lang="en-US" dirty="0" err="1" smtClean="0">
+                          <a:solidFill>
+                            <a:srgbClr val="000000"/>
+                          </a:solidFill>
+                          <a:latin typeface="Times New Roman"/>
+                          <a:cs typeface="Times New Roman"/>
+                        </a:rPr>
+                        <a:t>especie</a:t>
+                      </a:r>
+                      <a:endParaRPr lang="en-US" dirty="0">
+                        <a:solidFill>
+                          <a:srgbClr val="000000"/>
+                        </a:solidFill>
+                        <a:latin typeface="Times New Roman"/>
+                        <a:cs typeface="Times New Roman"/>
+                      </a:endParaRPr>
+                    </a:p>
+                  </a:txBody>
+                  <a:tcPr anchor="ctr">
+                    <a:lnL w="12700" cap="flat" cmpd="sng" algn="ctr">
+                      <a:solidFill>
+                        <a:scrgbClr r="0" g="0" b="0"/>
+                      </a:solidFill>
+                      <a:prstDash val="solid"/>
+                      <a:round/>
+                      <a:headEnd type="none" w="med" len="med"/>
+                      <a:tailEnd type="none" w="med" len="med"/>
+                    </a:lnL>
+                    <a:lnR w="12700" cap="flat" cmpd="sng" algn="ctr">
+                      <a:noFill/>
+                      <a:prstDash val="solid"/>
+                      <a:round/>
+                      <a:headEnd type="none" w="med" len="med"/>
+                      <a:tailEnd type="none" w="med" len="med"/>
+                    </a:lnR>
+                    <a:lnT w="12700" cap="flat" cmpd="sng" algn="ctr">
+                      <a:noFill/>
+                      <a:prstDash val="solid"/>
+                      <a:round/>
+                      <a:headEnd type="none" w="med" len="med"/>
+                      <a:tailEnd type="none" w="med" len="med"/>
+                    </a:lnT>
+                    <a:lnB w="12700" cap="flat" cmpd="sng" algn="ctr">
+                      <a:solidFill>
+                        <a:scrgbClr r="0" g="0" b="0"/>
+                      </a:solidFill>
+                      <a:prstDash val="solid"/>
+                      <a:round/>
+                      <a:headEnd type="none" w="med" len="med"/>
+                      <a:tailEnd type="none" w="med" len="med"/>
+                    </a:lnB>
+                    <a:solidFill>
+                      <a:srgbClr val="FFFFFF"/>
+                    </a:solidFill>
+                  </a:tcPr>
+                </a:tc>
+              </a:tr>
+              <a:tr h="370840">
+                <a:tc>
+                  <a:txBody>
+                    <a:bodyPr/>
+                    <a:lstStyle/>
+                    <a:p>
+                      <a:pPr algn="ctr"/>
+                      <a:r>
+                        <a:rPr lang="en-US" dirty="0" smtClean="0">
+                          <a:solidFill>
+                            <a:srgbClr val="000000"/>
+                          </a:solidFill>
+                          <a:latin typeface="Times New Roman"/>
+                          <a:cs typeface="Times New Roman"/>
+                        </a:rPr>
+                        <a:t>site1</a:t>
+                      </a:r>
+                      <a:endParaRPr lang="en-US" dirty="0">
+                        <a:solidFill>
+                          <a:srgbClr val="000000"/>
+                        </a:solidFill>
+                        <a:latin typeface="Times New Roman"/>
+                        <a:cs typeface="Times New Roman"/>
+                      </a:endParaRPr>
+                    </a:p>
+                  </a:txBody>
+                  <a:tcPr anchor="ctr">
+                    <a:lnL w="12700" cap="flat" cmpd="sng" algn="ctr">
+                      <a:noFill/>
+                      <a:prstDash val="solid"/>
+                      <a:round/>
+                      <a:headEnd type="none" w="med" len="med"/>
+                      <a:tailEnd type="none" w="med" len="med"/>
+                    </a:lnL>
+                    <a:lnR w="12700" cap="flat" cmpd="sng" algn="ctr">
+                      <a:solidFill>
+                        <a:scrgbClr r="0" g="0" b="0"/>
+                      </a:solidFill>
+                      <a:prstDash val="solid"/>
+                      <a:round/>
+                      <a:headEnd type="none" w="med" len="med"/>
+                      <a:tailEnd type="none" w="med" len="med"/>
+                    </a:lnR>
+                    <a:lnT w="12700" cap="flat" cmpd="sng" algn="ctr">
+                      <a:solidFill>
+                        <a:scrgbClr r="0" g="0" b="0"/>
+                      </a:solidFill>
+                      <a:prstDash val="solid"/>
+                      <a:round/>
+                      <a:headEnd type="none" w="med" len="med"/>
+                      <a:tailEnd type="none" w="med" len="med"/>
+                    </a:lnT>
+                    <a:lnB w="12700" cap="flat" cmpd="sng" algn="ctr">
+                      <a:solidFill>
+                        <a:scrgbClr r="0" g="0" b="0"/>
+                      </a:solidFill>
+                      <a:prstDash val="solid"/>
+                      <a:round/>
+                      <a:headEnd type="none" w="med" len="med"/>
+                      <a:tailEnd type="none" w="med" len="med"/>
+                    </a:lnB>
+                    <a:solidFill>
+                      <a:srgbClr val="FFFFFF"/>
+                    </a:solidFill>
+                  </a:tcPr>
+                </a:tc>
+                <a:tc>
+                  <a:txBody>
+                    <a:bodyPr/>
+                    <a:lstStyle/>
+                    <a:p>
+                      <a:pPr algn="ctr"/>
+                      <a:r>
+                        <a:rPr lang="en-US" dirty="0" smtClean="0">
+                          <a:solidFill>
+                            <a:srgbClr val="000000"/>
+                          </a:solidFill>
+                          <a:latin typeface="Times New Roman"/>
+                          <a:cs typeface="Times New Roman"/>
+                        </a:rPr>
+                        <a:t>sp1</a:t>
+                      </a:r>
+                      <a:endParaRPr lang="en-US" dirty="0">
+                        <a:solidFill>
+                          <a:srgbClr val="000000"/>
+                        </a:solidFill>
+                        <a:latin typeface="Times New Roman"/>
+                        <a:cs typeface="Times New Roman"/>
+                      </a:endParaRPr>
+                    </a:p>
+                  </a:txBody>
+                  <a:tcPr anchor="ctr">
+                    <a:lnL w="12700" cap="flat" cmpd="sng" algn="ctr">
+                      <a:solidFill>
+                        <a:scrgbClr r="0" g="0" b="0"/>
+                      </a:solidFill>
+                      <a:prstDash val="solid"/>
+                      <a:round/>
+                      <a:headEnd type="none" w="med" len="med"/>
+                      <a:tailEnd type="none" w="med" len="med"/>
+                    </a:lnL>
+                    <a:lnR w="12700" cap="flat" cmpd="sng" algn="ctr">
+                      <a:noFill/>
+                      <a:prstDash val="solid"/>
+                      <a:round/>
+                      <a:headEnd type="none" w="med" len="med"/>
+                      <a:tailEnd type="none" w="med" len="med"/>
+                    </a:lnR>
+                    <a:lnT w="12700" cap="flat" cmpd="sng" algn="ctr">
+                      <a:solidFill>
+                        <a:scrgbClr r="0" g="0" b="0"/>
+                      </a:solidFill>
+                      <a:prstDash val="solid"/>
+                      <a:round/>
+                      <a:headEnd type="none" w="med" len="med"/>
+                      <a:tailEnd type="none" w="med" len="med"/>
+                    </a:lnT>
+                    <a:lnB w="12700" cap="flat" cmpd="sng" algn="ctr">
+                      <a:solidFill>
+                        <a:scrgbClr r="0" g="0" b="0"/>
+                      </a:solidFill>
+                      <a:prstDash val="solid"/>
+                      <a:round/>
+                      <a:headEnd type="none" w="med" len="med"/>
+                      <a:tailEnd type="none" w="med" len="med"/>
+                    </a:lnB>
+                    <a:solidFill>
+                      <a:srgbClr val="FFFFFF"/>
+                    </a:solidFill>
+                  </a:tcPr>
+                </a:tc>
+              </a:tr>
+              <a:tr h="370840">
+                <a:tc>
+                  <a:txBody>
+                    <a:bodyPr/>
+                    <a:lstStyle/>
+                    <a:p>
+                      <a:pPr algn="ctr"/>
+                      <a:r>
+                        <a:rPr lang="en-US" dirty="0" smtClean="0">
+                          <a:solidFill>
+                            <a:srgbClr val="000000"/>
+                          </a:solidFill>
+                          <a:latin typeface="Times New Roman"/>
+                          <a:cs typeface="Times New Roman"/>
+                        </a:rPr>
+                        <a:t>site1</a:t>
+                      </a:r>
+                      <a:endParaRPr lang="en-US" dirty="0">
+                        <a:solidFill>
+                          <a:srgbClr val="000000"/>
+                        </a:solidFill>
+                        <a:latin typeface="Times New Roman"/>
+                        <a:cs typeface="Times New Roman"/>
+                      </a:endParaRPr>
+                    </a:p>
+                  </a:txBody>
+                  <a:tcPr anchor="ctr">
+                    <a:lnL w="12700" cap="flat" cmpd="sng" algn="ctr">
+                      <a:noFill/>
+                      <a:prstDash val="solid"/>
+                      <a:round/>
+                      <a:headEnd type="none" w="med" len="med"/>
+                      <a:tailEnd type="none" w="med" len="med"/>
+                    </a:lnL>
+                    <a:lnR w="12700" cap="flat" cmpd="sng" algn="ctr">
+                      <a:solidFill>
+                        <a:scrgbClr r="0" g="0" b="0"/>
+                      </a:solidFill>
+                      <a:prstDash val="solid"/>
+                      <a:round/>
+                      <a:headEnd type="none" w="med" len="med"/>
+                      <a:tailEnd type="none" w="med" len="med"/>
+                    </a:lnR>
+                    <a:lnT w="12700" cap="flat" cmpd="sng" algn="ctr">
+                      <a:solidFill>
+                        <a:scrgbClr r="0" g="0" b="0"/>
+                      </a:solidFill>
+                      <a:prstDash val="solid"/>
+                      <a:round/>
+                      <a:headEnd type="none" w="med" len="med"/>
+                      <a:tailEnd type="none" w="med" len="med"/>
+                    </a:lnT>
+                    <a:lnB w="12700" cap="flat" cmpd="sng" algn="ctr">
+                      <a:solidFill>
+                        <a:scrgbClr r="0" g="0" b="0"/>
+                      </a:solidFill>
+                      <a:prstDash val="solid"/>
+                      <a:round/>
+                      <a:headEnd type="none" w="med" len="med"/>
+                      <a:tailEnd type="none" w="med" len="med"/>
+                    </a:lnB>
+                    <a:solidFill>
+                      <a:srgbClr val="FFFFFF"/>
+                    </a:solidFill>
+                  </a:tcPr>
+                </a:tc>
+                <a:tc>
+                  <a:txBody>
+                    <a:bodyPr/>
+                    <a:lstStyle/>
+                    <a:p>
+                      <a:pPr algn="ctr"/>
+                      <a:r>
+                        <a:rPr lang="en-US" dirty="0" smtClean="0">
+                          <a:solidFill>
+                            <a:srgbClr val="000000"/>
+                          </a:solidFill>
+                          <a:latin typeface="Times New Roman"/>
+                          <a:cs typeface="Times New Roman"/>
+                        </a:rPr>
+                        <a:t>sp2</a:t>
+                      </a:r>
+                      <a:endParaRPr lang="en-US" dirty="0">
+                        <a:solidFill>
+                          <a:srgbClr val="000000"/>
+                        </a:solidFill>
+                        <a:latin typeface="Times New Roman"/>
+                        <a:cs typeface="Times New Roman"/>
+                      </a:endParaRPr>
+                    </a:p>
+                  </a:txBody>
+                  <a:tcPr anchor="ctr">
+                    <a:lnL w="12700" cap="flat" cmpd="sng" algn="ctr">
+                      <a:solidFill>
+                        <a:scrgbClr r="0" g="0" b="0"/>
+                      </a:solidFill>
+                      <a:prstDash val="solid"/>
+                      <a:round/>
+                      <a:headEnd type="none" w="med" len="med"/>
+                      <a:tailEnd type="none" w="med" len="med"/>
+                    </a:lnL>
+                    <a:lnR w="12700" cap="flat" cmpd="sng" algn="ctr">
+                      <a:noFill/>
+                      <a:prstDash val="solid"/>
+                      <a:round/>
+                      <a:headEnd type="none" w="med" len="med"/>
+                      <a:tailEnd type="none" w="med" len="med"/>
+                    </a:lnR>
+                    <a:lnT w="12700" cap="flat" cmpd="sng" algn="ctr">
+                      <a:solidFill>
+                        <a:scrgbClr r="0" g="0" b="0"/>
+                      </a:solidFill>
+                      <a:prstDash val="solid"/>
+                      <a:round/>
+                      <a:headEnd type="none" w="med" len="med"/>
+                      <a:tailEnd type="none" w="med" len="med"/>
+                    </a:lnT>
+                    <a:lnB w="12700" cap="flat" cmpd="sng" algn="ctr">
+                      <a:solidFill>
+                        <a:scrgbClr r="0" g="0" b="0"/>
+                      </a:solidFill>
+                      <a:prstDash val="solid"/>
+                      <a:round/>
+                      <a:headEnd type="none" w="med" len="med"/>
+                      <a:tailEnd type="none" w="med" len="med"/>
+                    </a:lnB>
+                    <a:solidFill>
+                      <a:srgbClr val="FFFFFF"/>
+                    </a:solidFill>
+                  </a:tcPr>
+                </a:tc>
+              </a:tr>
+              <a:tr h="370840">
+                <a:tc>
+                  <a:txBody>
+                    <a:bodyPr/>
+                    <a:lstStyle/>
+                    <a:p>
+                      <a:pPr algn="ctr"/>
+                      <a:r>
+                        <a:rPr lang="en-US" dirty="0" smtClean="0">
+                          <a:solidFill>
+                            <a:srgbClr val="000000"/>
+                          </a:solidFill>
+                          <a:latin typeface="Times New Roman"/>
+                          <a:cs typeface="Times New Roman"/>
+                        </a:rPr>
+                        <a:t>site2</a:t>
+                      </a:r>
+                      <a:endParaRPr lang="en-US" dirty="0">
+                        <a:solidFill>
+                          <a:srgbClr val="000000"/>
+                        </a:solidFill>
+                        <a:latin typeface="Times New Roman"/>
+                        <a:cs typeface="Times New Roman"/>
+                      </a:endParaRPr>
+                    </a:p>
+                  </a:txBody>
+                  <a:tcPr anchor="ctr">
+                    <a:lnL w="12700" cap="flat" cmpd="sng" algn="ctr">
+                      <a:noFill/>
+                      <a:prstDash val="solid"/>
+                      <a:round/>
+                      <a:headEnd type="none" w="med" len="med"/>
+                      <a:tailEnd type="none" w="med" len="med"/>
+                    </a:lnL>
+                    <a:lnR w="12700" cap="flat" cmpd="sng" algn="ctr">
+                      <a:solidFill>
+                        <a:scrgbClr r="0" g="0" b="0"/>
+                      </a:solidFill>
+                      <a:prstDash val="solid"/>
+                      <a:round/>
+                      <a:headEnd type="none" w="med" len="med"/>
+                      <a:tailEnd type="none" w="med" len="med"/>
+                    </a:lnR>
+                    <a:lnT w="12700" cap="flat" cmpd="sng" algn="ctr">
+                      <a:solidFill>
+                        <a:scrgbClr r="0" g="0" b="0"/>
+                      </a:solidFill>
+                      <a:prstDash val="solid"/>
+                      <a:round/>
+                      <a:headEnd type="none" w="med" len="med"/>
+                      <a:tailEnd type="none" w="med" len="med"/>
+                    </a:lnT>
+                    <a:lnB w="12700" cap="flat" cmpd="sng" algn="ctr">
+                      <a:solidFill>
+                        <a:scrgbClr r="0" g="0" b="0"/>
+                      </a:solidFill>
+                      <a:prstDash val="solid"/>
+                      <a:round/>
+                      <a:headEnd type="none" w="med" len="med"/>
+                      <a:tailEnd type="none" w="med" len="med"/>
+                    </a:lnB>
+                    <a:solidFill>
+                      <a:srgbClr val="FFFFFF"/>
+                    </a:solidFill>
+                  </a:tcPr>
+                </a:tc>
+                <a:tc>
+                  <a:txBody>
+                    <a:bodyPr/>
+                    <a:lstStyle/>
+                    <a:p>
+                      <a:pPr algn="ctr"/>
+                      <a:r>
+                        <a:rPr lang="en-US" dirty="0" smtClean="0">
+                          <a:solidFill>
+                            <a:srgbClr val="000000"/>
+                          </a:solidFill>
+                          <a:latin typeface="Times New Roman"/>
+                          <a:cs typeface="Times New Roman"/>
+                        </a:rPr>
+                        <a:t>sp1</a:t>
+                      </a:r>
+                      <a:endParaRPr lang="en-US" dirty="0">
+                        <a:solidFill>
+                          <a:srgbClr val="000000"/>
+                        </a:solidFill>
+                        <a:latin typeface="Times New Roman"/>
+                        <a:cs typeface="Times New Roman"/>
+                      </a:endParaRPr>
+                    </a:p>
+                  </a:txBody>
+                  <a:tcPr anchor="ctr">
+                    <a:lnL w="12700" cap="flat" cmpd="sng" algn="ctr">
+                      <a:solidFill>
+                        <a:scrgbClr r="0" g="0" b="0"/>
+                      </a:solidFill>
+                      <a:prstDash val="solid"/>
+                      <a:round/>
+                      <a:headEnd type="none" w="med" len="med"/>
+                      <a:tailEnd type="none" w="med" len="med"/>
+                    </a:lnL>
+                    <a:lnR w="12700" cap="flat" cmpd="sng" algn="ctr">
+                      <a:noFill/>
+                      <a:prstDash val="solid"/>
+                      <a:round/>
+                      <a:headEnd type="none" w="med" len="med"/>
+                      <a:tailEnd type="none" w="med" len="med"/>
+                    </a:lnR>
+                    <a:lnT w="12700" cap="flat" cmpd="sng" algn="ctr">
+                      <a:solidFill>
+                        <a:scrgbClr r="0" g="0" b="0"/>
+                      </a:solidFill>
+                      <a:prstDash val="solid"/>
+                      <a:round/>
+                      <a:headEnd type="none" w="med" len="med"/>
+                      <a:tailEnd type="none" w="med" len="med"/>
+                    </a:lnT>
+                    <a:lnB w="12700" cap="flat" cmpd="sng" algn="ctr">
+                      <a:solidFill>
+                        <a:scrgbClr r="0" g="0" b="0"/>
+                      </a:solidFill>
+                      <a:prstDash val="solid"/>
+                      <a:round/>
+                      <a:headEnd type="none" w="med" len="med"/>
+                      <a:tailEnd type="none" w="med" len="med"/>
+                    </a:lnB>
+                    <a:solidFill>
+                      <a:srgbClr val="FFFFFF"/>
+                    </a:solidFill>
+                  </a:tcPr>
+                </a:tc>
+              </a:tr>
+              <a:tr h="370840">
+                <a:tc>
+                  <a:txBody>
+                    <a:bodyPr/>
+                    <a:lstStyle/>
+                    <a:p>
+                      <a:pPr algn="ctr"/>
+                      <a:r>
+                        <a:rPr lang="en-US" dirty="0" smtClean="0">
+                          <a:solidFill>
+                            <a:srgbClr val="000000"/>
+                          </a:solidFill>
+                          <a:latin typeface="Times New Roman"/>
+                          <a:cs typeface="Times New Roman"/>
+                        </a:rPr>
+                        <a:t>site2</a:t>
+                      </a:r>
+                      <a:endParaRPr lang="en-US" dirty="0">
+                        <a:solidFill>
+                          <a:srgbClr val="000000"/>
+                        </a:solidFill>
+                        <a:latin typeface="Times New Roman"/>
+                        <a:cs typeface="Times New Roman"/>
+                      </a:endParaRPr>
+                    </a:p>
+                  </a:txBody>
+                  <a:tcPr anchor="ctr">
+                    <a:lnL w="12700" cap="flat" cmpd="sng" algn="ctr">
+                      <a:noFill/>
+                      <a:prstDash val="solid"/>
+                      <a:round/>
+                      <a:headEnd type="none" w="med" len="med"/>
+                      <a:tailEnd type="none" w="med" len="med"/>
+                    </a:lnL>
+                    <a:lnR w="12700" cap="flat" cmpd="sng" algn="ctr">
+                      <a:solidFill>
+                        <a:scrgbClr r="0" g="0" b="0"/>
+                      </a:solidFill>
+                      <a:prstDash val="solid"/>
+                      <a:round/>
+                      <a:headEnd type="none" w="med" len="med"/>
+                      <a:tailEnd type="none" w="med" len="med"/>
+                    </a:lnR>
+                    <a:lnT w="12700" cap="flat" cmpd="sng" algn="ctr">
+                      <a:solidFill>
+                        <a:scrgbClr r="0" g="0" b="0"/>
+                      </a:solidFill>
+                      <a:prstDash val="solid"/>
+                      <a:round/>
+                      <a:headEnd type="none" w="med" len="med"/>
+                      <a:tailEnd type="none" w="med" len="med"/>
+                    </a:lnT>
+                    <a:lnB w="12700" cap="flat" cmpd="sng" algn="ctr">
+                      <a:solidFill>
+                        <a:scrgbClr r="0" g="0" b="0"/>
+                      </a:solidFill>
+                      <a:prstDash val="solid"/>
+                      <a:round/>
+                      <a:headEnd type="none" w="med" len="med"/>
+                      <a:tailEnd type="none" w="med" len="med"/>
+                    </a:lnB>
+                    <a:solidFill>
+                      <a:srgbClr val="FFFFFF"/>
+                    </a:solidFill>
+                  </a:tcPr>
+                </a:tc>
+                <a:tc>
+                  <a:txBody>
+                    <a:bodyPr/>
+                    <a:lstStyle/>
+                    <a:p>
+                      <a:pPr algn="ctr"/>
+                      <a:r>
+                        <a:rPr lang="en-US" dirty="0" smtClean="0">
+                          <a:solidFill>
+                            <a:srgbClr val="000000"/>
+                          </a:solidFill>
+                          <a:latin typeface="Times New Roman"/>
+                          <a:cs typeface="Times New Roman"/>
+                        </a:rPr>
+                        <a:t>sp3</a:t>
+                      </a:r>
+                      <a:endParaRPr lang="en-US" dirty="0">
+                        <a:solidFill>
+                          <a:srgbClr val="000000"/>
+                        </a:solidFill>
+                        <a:latin typeface="Times New Roman"/>
+                        <a:cs typeface="Times New Roman"/>
+                      </a:endParaRPr>
+                    </a:p>
+                  </a:txBody>
+                  <a:tcPr anchor="ctr">
+                    <a:lnL w="12700" cap="flat" cmpd="sng" algn="ctr">
+                      <a:solidFill>
+                        <a:scrgbClr r="0" g="0" b="0"/>
+                      </a:solidFill>
+                      <a:prstDash val="solid"/>
+                      <a:round/>
+                      <a:headEnd type="none" w="med" len="med"/>
+                      <a:tailEnd type="none" w="med" len="med"/>
+                    </a:lnL>
+                    <a:lnR w="12700" cap="flat" cmpd="sng" algn="ctr">
+                      <a:noFill/>
+                      <a:prstDash val="solid"/>
+                      <a:round/>
+                      <a:headEnd type="none" w="med" len="med"/>
+                      <a:tailEnd type="none" w="med" len="med"/>
+                    </a:lnR>
+                    <a:lnT w="12700" cap="flat" cmpd="sng" algn="ctr">
+                      <a:solidFill>
+                        <a:scrgbClr r="0" g="0" b="0"/>
+                      </a:solidFill>
+                      <a:prstDash val="solid"/>
+                      <a:round/>
+                      <a:headEnd type="none" w="med" len="med"/>
+                      <a:tailEnd type="none" w="med" len="med"/>
+                    </a:lnT>
+                    <a:lnB w="12700" cap="flat" cmpd="sng" algn="ctr">
+                      <a:solidFill>
+                        <a:scrgbClr r="0" g="0" b="0"/>
+                      </a:solidFill>
+                      <a:prstDash val="solid"/>
+                      <a:round/>
+                      <a:headEnd type="none" w="med" len="med"/>
+                      <a:tailEnd type="none" w="med" len="med"/>
+                    </a:lnB>
+                    <a:solidFill>
+                      <a:srgbClr val="FFFFFF"/>
+                    </a:solidFill>
+                  </a:tcPr>
+                </a:tc>
+              </a:tr>
+              <a:tr h="370840">
+                <a:tc>
+                  <a:txBody>
+                    <a:bodyPr/>
+                    <a:lstStyle/>
+                    <a:p>
+                      <a:pPr algn="ctr"/>
+                      <a:r>
+                        <a:rPr lang="en-US" dirty="0" smtClean="0">
+                          <a:solidFill>
+                            <a:srgbClr val="000000"/>
+                          </a:solidFill>
+                          <a:latin typeface="Times New Roman"/>
+                          <a:cs typeface="Times New Roman"/>
+                        </a:rPr>
+                        <a:t>site3</a:t>
+                      </a:r>
+                      <a:endParaRPr lang="en-US" dirty="0">
+                        <a:solidFill>
+                          <a:srgbClr val="000000"/>
+                        </a:solidFill>
+                        <a:latin typeface="Times New Roman"/>
+                        <a:cs typeface="Times New Roman"/>
+                      </a:endParaRPr>
+                    </a:p>
+                  </a:txBody>
+                  <a:tcPr anchor="ctr">
+                    <a:lnL w="12700" cap="flat" cmpd="sng" algn="ctr">
+                      <a:noFill/>
+                      <a:prstDash val="solid"/>
+                      <a:round/>
+                      <a:headEnd type="none" w="med" len="med"/>
+                      <a:tailEnd type="none" w="med" len="med"/>
+                    </a:lnL>
+                    <a:lnR w="12700" cap="flat" cmpd="sng" algn="ctr">
+                      <a:solidFill>
+                        <a:scrgbClr r="0" g="0" b="0"/>
+                      </a:solidFill>
+                      <a:prstDash val="solid"/>
+                      <a:round/>
+                      <a:headEnd type="none" w="med" len="med"/>
+                      <a:tailEnd type="none" w="med" len="med"/>
+                    </a:lnR>
+                    <a:lnT w="12700" cap="flat" cmpd="sng" algn="ctr">
+                      <a:solidFill>
+                        <a:scrgbClr r="0" g="0" b="0"/>
+                      </a:solidFill>
+                      <a:prstDash val="solid"/>
+                      <a:round/>
+                      <a:headEnd type="none" w="med" len="med"/>
+                      <a:tailEnd type="none" w="med" len="med"/>
+                    </a:lnT>
+                    <a:lnB w="12700" cap="flat" cmpd="sng" algn="ctr">
+                      <a:noFill/>
+                      <a:prstDash val="solid"/>
+                      <a:round/>
+                      <a:headEnd type="none" w="med" len="med"/>
+                      <a:tailEnd type="none" w="med" len="med"/>
+                    </a:lnB>
+                    <a:solidFill>
+                      <a:srgbClr val="FFFFFF"/>
+                    </a:solidFill>
+                  </a:tcPr>
+                </a:tc>
+                <a:tc>
+                  <a:txBody>
+                    <a:bodyPr/>
+                    <a:lstStyle/>
+                    <a:p>
+                      <a:pPr algn="ctr"/>
+                      <a:r>
+                        <a:rPr lang="en-US" dirty="0" smtClean="0">
+                          <a:solidFill>
+                            <a:srgbClr val="000000"/>
+                          </a:solidFill>
+                          <a:latin typeface="Times New Roman"/>
+                          <a:cs typeface="Times New Roman"/>
+                        </a:rPr>
+                        <a:t>sp2</a:t>
+                      </a:r>
+                      <a:endParaRPr lang="en-US" dirty="0">
+                        <a:solidFill>
+                          <a:srgbClr val="000000"/>
+                        </a:solidFill>
+                        <a:latin typeface="Times New Roman"/>
+                        <a:cs typeface="Times New Roman"/>
+                      </a:endParaRPr>
+                    </a:p>
+                  </a:txBody>
+                  <a:tcPr anchor="ctr">
+                    <a:lnL w="12700" cap="flat" cmpd="sng" algn="ctr">
+                      <a:solidFill>
+                        <a:scrgbClr r="0" g="0" b="0"/>
+                      </a:solidFill>
+                      <a:prstDash val="solid"/>
+                      <a:round/>
+                      <a:headEnd type="none" w="med" len="med"/>
+                      <a:tailEnd type="none" w="med" len="med"/>
+                    </a:lnL>
+                    <a:lnR w="12700" cap="flat" cmpd="sng" algn="ctr">
+                      <a:noFill/>
+                      <a:prstDash val="solid"/>
+                      <a:round/>
+                      <a:headEnd type="none" w="med" len="med"/>
+                      <a:tailEnd type="none" w="med" len="med"/>
+                    </a:lnR>
+                    <a:lnT w="12700" cap="flat" cmpd="sng" algn="ctr">
+                      <a:solidFill>
+                        <a:scrgbClr r="0" g="0" b="0"/>
+                      </a:solidFill>
+                      <a:prstDash val="solid"/>
+                      <a:round/>
+                      <a:headEnd type="none" w="med" len="med"/>
+                      <a:tailEnd type="none" w="med" len="med"/>
+                    </a:lnT>
+                    <a:lnB w="12700" cap="flat" cmpd="sng" algn="ctr">
+                      <a:noFill/>
+                      <a:prstDash val="solid"/>
+                      <a:round/>
+                      <a:headEnd type="none" w="med" len="med"/>
+                      <a:tailEnd type="none" w="med" len="med"/>
+                    </a:lnB>
+                    <a:solidFill>
+                      <a:srgbClr val="FFFFFF"/>
+                    </a:solidFill>
+                  </a:tcPr>
+                </a:tc>
+              </a:tr>
+            </a:tbl>
+          </a:graphicData>
+        </a:graphic>
+      </p:graphicFrame>
+      <p:sp>
+        <p:nvSpPr>
+          <p:cNvPr id="7" name="TextBox 6"/>
+          <p:cNvSpPr txBox="1"/>
+          <p:nvPr/>
+        </p:nvSpPr>
+        <p:spPr>
+          <a:xfrm>
+            <a:off x="386512" y="1984371"/>
+            <a:ext cx="1390675" cy="369332"/>
+          </a:xfrm>
+          <a:prstGeom prst="rect">
+            <a:avLst/>
+          </a:prstGeom>
+          <a:noFill/>
+        </p:spPr>
+        <p:txBody>
+          <a:bodyPr wrap="none" rtlCol="0">
+            <a:spAutoFit/>
+          </a:bodyPr>
+          <a:lstStyle/>
+          <a:p>
+            <a:r>
+              <a:rPr lang="en-US" b="1" dirty="0" err="1" smtClean="0">
+                <a:latin typeface="Times New Roman"/>
+                <a:cs typeface="Times New Roman"/>
+              </a:rPr>
+              <a:t>Abund</a:t>
+            </a:r>
+            <a:r>
+              <a:rPr lang="en-US" b="1" dirty="0" err="1" smtClean="0">
+                <a:latin typeface="Times New Roman"/>
+                <a:cs typeface="Times New Roman"/>
+              </a:rPr>
+              <a:t>ância</a:t>
+            </a:r>
+            <a:endParaRPr lang="en-US" b="1" dirty="0">
+              <a:latin typeface="Times New Roman"/>
+              <a:cs typeface="Times New Roman"/>
+            </a:endParaRPr>
+          </a:p>
+        </p:txBody>
+      </p:sp>
+      <p:sp>
+        <p:nvSpPr>
+          <p:cNvPr id="28" name="TextBox 27"/>
+          <p:cNvSpPr txBox="1"/>
+          <p:nvPr/>
+        </p:nvSpPr>
+        <p:spPr>
+          <a:xfrm>
+            <a:off x="796587" y="4689842"/>
+            <a:ext cx="556563" cy="369332"/>
+          </a:xfrm>
+          <a:prstGeom prst="rect">
+            <a:avLst/>
+          </a:prstGeom>
+          <a:noFill/>
+        </p:spPr>
+        <p:txBody>
+          <a:bodyPr wrap="none" rtlCol="0">
+            <a:spAutoFit/>
+          </a:bodyPr>
+          <a:lstStyle/>
+          <a:p>
+            <a:r>
+              <a:rPr lang="en-US" b="1" dirty="0" smtClean="0">
+                <a:latin typeface="Times New Roman"/>
+                <a:cs typeface="Times New Roman"/>
+              </a:rPr>
+              <a:t>P/A</a:t>
+            </a:r>
+            <a:endParaRPr lang="en-US" b="1" dirty="0">
+              <a:latin typeface="Times New Roman"/>
+              <a:cs typeface="Times New Roman"/>
+            </a:endParaRPr>
+          </a:p>
+        </p:txBody>
+      </p:sp>
+      <p:sp>
+        <p:nvSpPr>
+          <p:cNvPr id="29" name="TextBox 28"/>
+          <p:cNvSpPr txBox="1"/>
+          <p:nvPr/>
+        </p:nvSpPr>
+        <p:spPr>
+          <a:xfrm>
+            <a:off x="2968416" y="538156"/>
+            <a:ext cx="787395" cy="369332"/>
+          </a:xfrm>
+          <a:prstGeom prst="rect">
+            <a:avLst/>
+          </a:prstGeom>
+          <a:noFill/>
+        </p:spPr>
+        <p:txBody>
+          <a:bodyPr wrap="none" rtlCol="0">
+            <a:spAutoFit/>
+          </a:bodyPr>
+          <a:lstStyle/>
+          <a:p>
+            <a:r>
+              <a:rPr lang="en-US" b="1" dirty="0" smtClean="0">
+                <a:latin typeface="Times New Roman"/>
+                <a:cs typeface="Times New Roman"/>
+              </a:rPr>
+              <a:t>Largo</a:t>
+            </a:r>
+            <a:endParaRPr lang="en-US" b="1" dirty="0">
+              <a:latin typeface="Times New Roman"/>
+              <a:cs typeface="Times New Roman"/>
+            </a:endParaRPr>
+          </a:p>
+        </p:txBody>
+      </p:sp>
+      <p:sp>
+        <p:nvSpPr>
+          <p:cNvPr id="31" name="TextBox 30"/>
+          <p:cNvSpPr txBox="1"/>
+          <p:nvPr/>
+        </p:nvSpPr>
+        <p:spPr>
+          <a:xfrm>
+            <a:off x="5614740" y="538156"/>
+            <a:ext cx="813256" cy="369332"/>
+          </a:xfrm>
+          <a:prstGeom prst="rect">
+            <a:avLst/>
+          </a:prstGeom>
+          <a:noFill/>
+        </p:spPr>
+        <p:txBody>
+          <a:bodyPr wrap="none" rtlCol="0">
+            <a:spAutoFit/>
+          </a:bodyPr>
+          <a:lstStyle/>
+          <a:p>
+            <a:r>
+              <a:rPr lang="en-US" b="1" dirty="0" smtClean="0">
+                <a:latin typeface="Times New Roman"/>
+                <a:cs typeface="Times New Roman"/>
+              </a:rPr>
+              <a:t>Longo</a:t>
+            </a:r>
+            <a:endParaRPr lang="en-US" b="1" dirty="0">
+              <a:latin typeface="Times New Roman"/>
+              <a:cs typeface="Times New Roman"/>
+            </a:endParaRPr>
+          </a:p>
+        </p:txBody>
+      </p:sp>
+      <p:cxnSp>
+        <p:nvCxnSpPr>
+          <p:cNvPr id="9" name="Straight Connector 8"/>
+          <p:cNvCxnSpPr/>
+          <p:nvPr/>
+        </p:nvCxnSpPr>
+        <p:spPr>
+          <a:xfrm>
+            <a:off x="490320" y="3561283"/>
+            <a:ext cx="6706166" cy="0"/>
+          </a:xfrm>
+          <a:prstGeom prst="line">
+            <a:avLst/>
+          </a:prstGeom>
+          <a:ln w="28575" cmpd="sng">
+            <a:solidFill>
+              <a:srgbClr val="000000"/>
+            </a:solidFill>
+          </a:ln>
+        </p:spPr>
+        <p:style>
+          <a:lnRef idx="2">
+            <a:schemeClr val="accent1"/>
+          </a:lnRef>
+          <a:fillRef idx="0">
+            <a:schemeClr val="accent1"/>
+          </a:fillRef>
+          <a:effectRef idx="1">
+            <a:schemeClr val="accent1"/>
+          </a:effectRef>
+          <a:fontRef idx="minor">
+            <a:schemeClr val="tx1"/>
+          </a:fontRef>
+        </p:style>
+      </p:cxnSp>
+      <p:cxnSp>
+        <p:nvCxnSpPr>
+          <p:cNvPr id="32" name="Straight Connector 31"/>
+          <p:cNvCxnSpPr/>
+          <p:nvPr/>
+        </p:nvCxnSpPr>
+        <p:spPr>
+          <a:xfrm>
+            <a:off x="490320" y="980605"/>
+            <a:ext cx="6706166" cy="0"/>
+          </a:xfrm>
+          <a:prstGeom prst="line">
+            <a:avLst/>
+          </a:prstGeom>
+          <a:ln w="28575" cmpd="sng">
+            <a:solidFill>
+              <a:srgbClr val="000000"/>
+            </a:solidFill>
+          </a:ln>
+        </p:spPr>
+        <p:style>
+          <a:lnRef idx="2">
+            <a:schemeClr val="accent1"/>
+          </a:lnRef>
+          <a:fillRef idx="0">
+            <a:schemeClr val="accent1"/>
+          </a:fillRef>
+          <a:effectRef idx="1">
+            <a:schemeClr val="accent1"/>
+          </a:effectRef>
+          <a:fontRef idx="minor">
+            <a:schemeClr val="tx1"/>
+          </a:fontRef>
+        </p:style>
+      </p:cxnSp>
+      <p:cxnSp>
+        <p:nvCxnSpPr>
+          <p:cNvPr id="34" name="Straight Connector 33"/>
+          <p:cNvCxnSpPr/>
+          <p:nvPr/>
+        </p:nvCxnSpPr>
+        <p:spPr>
+          <a:xfrm>
+            <a:off x="2061397" y="458094"/>
+            <a:ext cx="9203" cy="5643018"/>
+          </a:xfrm>
+          <a:prstGeom prst="line">
+            <a:avLst/>
+          </a:prstGeom>
+          <a:ln w="28575" cmpd="sng">
+            <a:solidFill>
+              <a:srgbClr val="000000"/>
+            </a:solidFill>
+          </a:ln>
+        </p:spPr>
+        <p:style>
+          <a:lnRef idx="2">
+            <a:schemeClr val="accent1"/>
+          </a:lnRef>
+          <a:fillRef idx="0">
+            <a:schemeClr val="accent1"/>
+          </a:fillRef>
+          <a:effectRef idx="1">
+            <a:schemeClr val="accent1"/>
+          </a:effectRef>
+          <a:fontRef idx="minor">
+            <a:schemeClr val="tx1"/>
+          </a:fontRef>
+        </p:style>
+      </p:cxnSp>
+      <p:cxnSp>
+        <p:nvCxnSpPr>
+          <p:cNvPr id="36" name="Straight Connector 35"/>
+          <p:cNvCxnSpPr/>
+          <p:nvPr/>
+        </p:nvCxnSpPr>
+        <p:spPr>
+          <a:xfrm>
+            <a:off x="4634100" y="458094"/>
+            <a:ext cx="0" cy="5643018"/>
+          </a:xfrm>
+          <a:prstGeom prst="line">
+            <a:avLst/>
+          </a:prstGeom>
+          <a:ln w="28575" cmpd="sng">
+            <a:solidFill>
+              <a:srgbClr val="000000"/>
+            </a:solidFill>
+          </a:ln>
+        </p:spPr>
+        <p:style>
+          <a:lnRef idx="2">
+            <a:schemeClr val="accent1"/>
+          </a:lnRef>
+          <a:fillRef idx="0">
+            <a:schemeClr val="accent1"/>
+          </a:fillRef>
+          <a:effectRef idx="1">
+            <a:schemeClr val="accent1"/>
+          </a:effectRef>
+          <a:fontRef idx="minor">
+            <a:schemeClr val="tx1"/>
+          </a:fontRef>
+        </p:style>
+      </p:cxnSp>
+    </p:spTree>
+    <p:extLst>
+      <p:ext uri="{BB962C8B-B14F-4D97-AF65-F5344CB8AC3E}">
+        <p14:creationId xmlns:p14="http://schemas.microsoft.com/office/powerpoint/2010/main" val="3432457443"/>
+      </p:ext>
+    </p:extLst>
+  </p:cSld>
+  <p:clrMapOvr>
+    <a:masterClrMapping/>
+  </p:clrMapOvr>
+  <p:timing>
+    <p:tnLst>
+      <p:par>
+        <p:cTn xmlns:p14="http://schemas.microsoft.com/office/powerpoint/2010/main" id="1" dur="indefinite" restart="never" nodeType="tmRoot"/>
       </p:par>
     </p:tnLst>
   </p:timing>
@@ -7571,7 +13895,7 @@
     </a:clrScheme>
     <a:fontScheme name="Escritório">
       <a:majorFont>
-        <a:latin typeface="Calibri Light" panose="020F0302020204030204"/>
+        <a:latin typeface="Calibri Light"/>
         <a:ea typeface=""/>
         <a:cs typeface=""/>
         <a:font script="Jpan" typeface="ＭＳ Ｐゴシック"/>
@@ -7606,7 +13930,7 @@
         <a:font script="Geor" typeface="Sylfaen"/>
       </a:majorFont>
       <a:minorFont>
-        <a:latin typeface="Calibri" panose="020F0502020204030204"/>
+        <a:latin typeface="Calibri"/>
         <a:ea typeface=""/>
         <a:cs typeface=""/>
         <a:font script="Jpan" typeface="ＭＳ Ｐゴシック"/>
@@ -7783,7 +14107,7 @@
   <a:extraClrSchemeLst/>
   <a:extLst>
     <a:ext uri="{05A4C25C-085E-4340-85A3-A5531E510DB2}">
-      <thm15:themeFamily xmlns:thm15="http://schemas.microsoft.com/office/thememl/2012/main" name="Office Theme" id="{62F939B6-93AF-4DB8-9C6B-D6C7DFDC589F}" vid="{4A3C46E8-61CC-4603-A589-7422A47A8E4A}"/>
+      <thm15:themeFamily xmlns:thm15="http://schemas.microsoft.com/office/thememl/2012/main" xmlns="" name="Office Theme" id="{62F939B6-93AF-4DB8-9C6B-D6C7DFDC589F}" vid="{4A3C46E8-61CC-4603-A589-7422A47A8E4A}"/>
     </a:ext>
   </a:extLst>
 </a:theme>
@@ -7832,7 +14156,7 @@
     </a:clrScheme>
     <a:fontScheme name="Escritório">
       <a:majorFont>
-        <a:latin typeface="Calibri Light" panose="020F0302020204030204"/>
+        <a:latin typeface="Calibri Light"/>
         <a:ea typeface=""/>
         <a:cs typeface=""/>
         <a:font script="Jpan" typeface="ＭＳ Ｐゴシック"/>
@@ -7867,7 +14191,7 @@
         <a:font script="Geor" typeface="Sylfaen"/>
       </a:majorFont>
       <a:minorFont>
-        <a:latin typeface="Calibri" panose="020F0502020204030204"/>
+        <a:latin typeface="Calibri"/>
         <a:ea typeface=""/>
         <a:cs typeface=""/>
         <a:font script="Jpan" typeface="ＭＳ Ｐゴシック"/>
@@ -8044,7 +14368,7 @@
   <a:extraClrSchemeLst/>
   <a:extLst>
     <a:ext uri="{05A4C25C-085E-4340-85A3-A5531E510DB2}">
-      <thm15:themeFamily xmlns:thm15="http://schemas.microsoft.com/office/thememl/2012/main" name="Office Theme" id="{62F939B6-93AF-4DB8-9C6B-D6C7DFDC589F}" vid="{4A3C46E8-61CC-4603-A589-7422A47A8E4A}"/>
+      <thm15:themeFamily xmlns:thm15="http://schemas.microsoft.com/office/thememl/2012/main" xmlns="" name="Office Theme" id="{62F939B6-93AF-4DB8-9C6B-D6C7DFDC589F}" vid="{4A3C46E8-61CC-4603-A589-7422A47A8E4A}"/>
     </a:ext>
   </a:extLst>
 </a:theme>
